--- a/ppt/정보통신종합설계 중간발표 앞부분.pptx
+++ b/ppt/정보통신종합설계 중간발표 앞부분.pptx
@@ -5,23 +5,30 @@
     <p:sldMasterId id="2147483696" r:id="rId1"/>
   </p:sldMasterIdLst>
   <p:notesMasterIdLst>
-    <p:notesMasterId r:id="rId16"/>
+    <p:notesMasterId r:id="rId23"/>
   </p:notesMasterIdLst>
   <p:sldIdLst>
     <p:sldId id="276" r:id="rId2"/>
     <p:sldId id="268" r:id="rId3"/>
     <p:sldId id="269" r:id="rId4"/>
     <p:sldId id="277" r:id="rId5"/>
-    <p:sldId id="278" r:id="rId6"/>
-    <p:sldId id="271" r:id="rId7"/>
+    <p:sldId id="271" r:id="rId6"/>
+    <p:sldId id="301" r:id="rId7"/>
     <p:sldId id="280" r:id="rId8"/>
     <p:sldId id="282" r:id="rId9"/>
     <p:sldId id="283" r:id="rId10"/>
     <p:sldId id="284" r:id="rId11"/>
-    <p:sldId id="272" r:id="rId12"/>
-    <p:sldId id="273" r:id="rId13"/>
-    <p:sldId id="274" r:id="rId14"/>
-    <p:sldId id="275" r:id="rId15"/>
+    <p:sldId id="286" r:id="rId12"/>
+    <p:sldId id="287" r:id="rId13"/>
+    <p:sldId id="289" r:id="rId14"/>
+    <p:sldId id="288" r:id="rId15"/>
+    <p:sldId id="300" r:id="rId16"/>
+    <p:sldId id="291" r:id="rId17"/>
+    <p:sldId id="290" r:id="rId18"/>
+    <p:sldId id="272" r:id="rId19"/>
+    <p:sldId id="273" r:id="rId20"/>
+    <p:sldId id="274" r:id="rId21"/>
+    <p:sldId id="275" r:id="rId22"/>
   </p:sldIdLst>
   <p:sldSz cx="9144000" cy="6858000" type="screen4x3"/>
   <p:notesSz cx="6858000" cy="9144000"/>
@@ -707,93 +714,40 @@
           <a:lstStyle/>
           <a:p>
             <a:r>
-              <a:rPr lang="ko-KR" altLang="en-US" dirty="0"/>
-              <a:t>다음으로 관련된 논문으로는 저희의 큰 키워드인 </a:t>
+              <a:rPr lang="ko-KR" altLang="en-US" b="0" i="0" dirty="0">
+                <a:solidFill>
+                  <a:srgbClr val="374151"/>
+                </a:solidFill>
+                <a:effectLst/>
+                <a:latin typeface="Söhne"/>
+              </a:rPr>
+              <a:t>저희가 사용할 주요 화자 추출 모델은 </a:t>
+            </a:r>
+            <a:r>
+              <a:rPr lang="en-US" altLang="ko-KR" dirty="0" err="1"/>
+              <a:t>KoSimCSE</a:t>
             </a:r>
             <a:r>
               <a:rPr lang="en-US" altLang="ko-KR" dirty="0"/>
-              <a:t>audio summarization</a:t>
-            </a:r>
-            <a:r>
-              <a:rPr lang="ko-KR" altLang="en-US" dirty="0"/>
-              <a:t>으로 관련 연구를 찾아보았습니다</a:t>
+              <a:t>-</a:t>
+            </a:r>
+            <a:r>
+              <a:rPr lang="en-US" altLang="ko-KR" dirty="0" err="1"/>
+              <a:t>bert</a:t>
             </a:r>
             <a:r>
               <a:rPr lang="en-US" altLang="ko-KR" dirty="0"/>
-              <a:t>. </a:t>
-            </a:r>
-          </a:p>
-          <a:p>
-            <a:r>
-              <a:rPr lang="ko-KR" altLang="en-US" dirty="0"/>
-              <a:t> </a:t>
-            </a:r>
-            <a:r>
-              <a:rPr lang="en-US" altLang="ko-KR" dirty="0"/>
-              <a:t>2020</a:t>
-            </a:r>
-            <a:r>
-              <a:rPr lang="ko-KR" altLang="en-US" dirty="0"/>
-              <a:t>년에 </a:t>
-            </a:r>
-            <a:r>
-              <a:rPr lang="en-US" altLang="ko-KR" dirty="0" err="1"/>
-              <a:t>submi</a:t>
-            </a:r>
-            <a:r>
-              <a:rPr lang="ko-KR" altLang="en-US" dirty="0"/>
-              <a:t>된 </a:t>
-            </a:r>
-            <a:r>
-              <a:rPr lang="en-US" altLang="ko-KR" dirty="0" err="1"/>
-              <a:t>podsumm</a:t>
-            </a:r>
-            <a:r>
-              <a:rPr lang="ko-KR" altLang="en-US" dirty="0"/>
-              <a:t>이라는 논문에서 발췌한 내용입니다</a:t>
-            </a:r>
-            <a:r>
-              <a:rPr lang="en-US" altLang="ko-KR" dirty="0"/>
-              <a:t>.</a:t>
-            </a:r>
-          </a:p>
-          <a:p>
-            <a:r>
-              <a:rPr lang="ko-KR" altLang="en-US" dirty="0"/>
-              <a:t>해당 연구는 </a:t>
-            </a:r>
-            <a:r>
-              <a:rPr lang="en-US" altLang="ko-KR" dirty="0"/>
-              <a:t>podcast</a:t>
-            </a:r>
-            <a:r>
-              <a:rPr lang="ko-KR" altLang="en-US" dirty="0"/>
-              <a:t>의 음성 데이터를 </a:t>
-            </a:r>
-            <a:r>
-              <a:rPr lang="en-US" altLang="ko-KR" dirty="0"/>
-              <a:t>text</a:t>
-            </a:r>
-            <a:r>
-              <a:rPr lang="ko-KR" altLang="en-US" dirty="0"/>
-              <a:t>로 추출한 뒤 </a:t>
-            </a:r>
-            <a:r>
-              <a:rPr lang="en-US" altLang="ko-KR" dirty="0" err="1"/>
-              <a:t>presumm</a:t>
-            </a:r>
-            <a:r>
-              <a:rPr lang="en-US" altLang="ko-KR" dirty="0"/>
-              <a:t> </a:t>
-            </a:r>
-            <a:r>
-              <a:rPr lang="ko-KR" altLang="en-US" dirty="0"/>
-              <a:t>모델을 사용하여 요약을 하는 연구입니다</a:t>
-            </a:r>
-            <a:r>
-              <a:rPr lang="en-US" altLang="ko-KR" dirty="0"/>
-              <a:t>. </a:t>
-            </a:r>
+              <a:t>-multitask</a:t>
+            </a:r>
+          </a:p>
+          <a:p>
+            <a:endParaRPr lang="en-US" altLang="ko-KR" b="0" i="0" dirty="0">
+              <a:solidFill>
+                <a:srgbClr val="374151"/>
+              </a:solidFill>
+              <a:effectLst/>
+              <a:latin typeface="Söhne"/>
+            </a:endParaRPr>
           </a:p>
         </p:txBody>
       </p:sp>
@@ -814,7 +768,7 @@
           <a:p>
             <a:fld id="{928C4006-D583-4434-A25D-662BACC4BC65}" type="slidenum">
               <a:rPr lang="ko-KR" altLang="en-US" smtClean="0"/>
-              <a:t>5</a:t>
+              <a:t>15</a:t>
             </a:fld>
             <a:endParaRPr lang="ko-KR" altLang="en-US"/>
           </a:p>
@@ -823,7 +777,7 @@
     </p:spTree>
     <p:extLst>
       <p:ext uri="{BB962C8B-B14F-4D97-AF65-F5344CB8AC3E}">
-        <p14:creationId xmlns:p14="http://schemas.microsoft.com/office/powerpoint/2010/main" val="2231105062"/>
+        <p14:creationId xmlns:p14="http://schemas.microsoft.com/office/powerpoint/2010/main" val="1554435056"/>
       </p:ext>
     </p:extLst>
   </p:cSld>
@@ -4524,14 +4478,23 @@
         </p:nvSpPr>
         <p:spPr/>
         <p:txBody>
-          <a:bodyPr/>
+          <a:bodyPr>
+            <a:normAutofit/>
+          </a:bodyPr>
           <a:lstStyle/>
           <a:p>
             <a:r>
+              <a:rPr lang="ko-KR" altLang="en-US" dirty="0"/>
+              <a:t>실행 계획</a:t>
+            </a:r>
+            <a:r>
               <a:rPr lang="en-US" altLang="ko-KR" dirty="0"/>
-              <a:t>Contributions</a:t>
-            </a:r>
-            <a:endParaRPr lang="ko-KR" altLang="en-US" dirty="0"/>
+              <a:t>, </a:t>
+            </a:r>
+            <a:r>
+              <a:rPr lang="ko-KR" altLang="en-US" dirty="0"/>
+              <a:t>방법 및 설계</a:t>
+            </a:r>
           </a:p>
         </p:txBody>
       </p:sp>
@@ -4552,9 +4515,241 @@
           <a:p>
             <a:r>
               <a:rPr lang="ko-KR" altLang="en-US" dirty="0"/>
-              <a:t>수행한 프로젝트의 중요 기여 사항 강조</a:t>
-            </a:r>
+              <a:t>화자 별 중요도 산출</a:t>
+            </a:r>
+          </a:p>
+        </p:txBody>
+      </p:sp>
+      <p:pic>
+        <p:nvPicPr>
+          <p:cNvPr id="4" name="그림 3">
+            <a:extLst>
+              <a:ext uri="{FF2B5EF4-FFF2-40B4-BE49-F238E27FC236}">
+                <a16:creationId xmlns:a16="http://schemas.microsoft.com/office/drawing/2014/main" id="{EC1DEDEF-B5BC-44B9-5D9B-E1C68CCD9554}"/>
+              </a:ext>
+            </a:extLst>
+          </p:cNvPr>
+          <p:cNvPicPr>
+            <a:picLocks noChangeAspect="1"/>
+          </p:cNvPicPr>
+          <p:nvPr/>
+        </p:nvPicPr>
+        <p:blipFill>
+          <a:blip r:embed="rId2"/>
+          <a:stretch>
+            <a:fillRect/>
+          </a:stretch>
+        </p:blipFill>
+        <p:spPr>
+          <a:xfrm>
+            <a:off x="443977" y="2408769"/>
+            <a:ext cx="3791112" cy="2270291"/>
+          </a:xfrm>
+          <a:prstGeom prst="rect">
+            <a:avLst/>
+          </a:prstGeom>
+        </p:spPr>
+      </p:pic>
+      <p:sp>
+        <p:nvSpPr>
+          <p:cNvPr id="5" name="TextBox 4">
+            <a:extLst>
+              <a:ext uri="{FF2B5EF4-FFF2-40B4-BE49-F238E27FC236}">
+                <a16:creationId xmlns:a16="http://schemas.microsoft.com/office/drawing/2014/main" id="{A4848755-9B80-B561-E948-FA7C6A7C6AF5}"/>
+              </a:ext>
+            </a:extLst>
+          </p:cNvPr>
+          <p:cNvSpPr txBox="1"/>
+          <p:nvPr/>
+        </p:nvSpPr>
+        <p:spPr>
+          <a:xfrm>
+            <a:off x="4117650" y="1841480"/>
+            <a:ext cx="4572000" cy="3416320"/>
+          </a:xfrm>
+          <a:prstGeom prst="rect">
+            <a:avLst/>
+          </a:prstGeom>
+          <a:noFill/>
+        </p:spPr>
+        <p:txBody>
+          <a:bodyPr wrap="square">
+            <a:spAutoFit/>
+          </a:bodyPr>
+          <a:lstStyle/>
+          <a:p>
+            <a:r>
+              <a:rPr lang="en-US" altLang="ko-KR" dirty="0"/>
+              <a:t>Lex-rank</a:t>
+            </a:r>
+          </a:p>
+          <a:p>
             <a:endParaRPr lang="en-US" altLang="ko-KR" dirty="0"/>
+          </a:p>
+          <a:p>
+            <a:pPr marL="342900" indent="-342900">
+              <a:buAutoNum type="arabicPeriod"/>
+            </a:pPr>
+            <a:r>
+              <a:rPr lang="en-US" altLang="ko-KR" dirty="0" err="1"/>
+              <a:t>tf-idf</a:t>
+            </a:r>
+            <a:r>
+              <a:rPr lang="ko-KR" altLang="en-US" dirty="0"/>
+              <a:t>를 사용하여 단어를 </a:t>
+            </a:r>
+            <a:r>
+              <a:rPr lang="ko-KR" altLang="en-US" dirty="0" err="1"/>
+              <a:t>임베딩</a:t>
+            </a:r>
+            <a:r>
+              <a:rPr lang="en-US" altLang="ko-KR" dirty="0"/>
+              <a:t>(</a:t>
+            </a:r>
+            <a:r>
+              <a:rPr lang="ko-KR" altLang="en-US" dirty="0" err="1"/>
+              <a:t>단어→벡터</a:t>
+            </a:r>
+            <a:r>
+              <a:rPr lang="en-US" altLang="ko-KR" dirty="0"/>
+              <a:t>)</a:t>
+            </a:r>
+          </a:p>
+          <a:p>
+            <a:pPr marL="342900" indent="-342900">
+              <a:buAutoNum type="arabicPeriod"/>
+            </a:pPr>
+            <a:endParaRPr lang="en-US" altLang="ko-KR" dirty="0"/>
+          </a:p>
+          <a:p>
+            <a:pPr marL="342900" indent="-342900">
+              <a:buFontTx/>
+              <a:buAutoNum type="arabicPeriod"/>
+            </a:pPr>
+            <a:r>
+              <a:rPr lang="ko-KR" altLang="en-US" dirty="0"/>
+              <a:t>단어의 </a:t>
+            </a:r>
+            <a:r>
+              <a:rPr lang="ko-KR" altLang="en-US" dirty="0" err="1"/>
+              <a:t>임베딩</a:t>
+            </a:r>
+            <a:r>
+              <a:rPr lang="ko-KR" altLang="en-US" dirty="0"/>
+              <a:t> 값을 이용하여 문장 </a:t>
+            </a:r>
+            <a:r>
+              <a:rPr lang="ko-KR" altLang="en-US" dirty="0" err="1"/>
+              <a:t>임베딩</a:t>
+            </a:r>
+            <a:endParaRPr lang="en-US" altLang="ko-KR" dirty="0"/>
+          </a:p>
+          <a:p>
+            <a:pPr marL="342900" indent="-342900">
+              <a:buFontTx/>
+              <a:buAutoNum type="arabicPeriod"/>
+            </a:pPr>
+            <a:endParaRPr lang="en-US" altLang="ko-KR" dirty="0"/>
+          </a:p>
+          <a:p>
+            <a:pPr marL="342900" indent="-342900">
+              <a:buFontTx/>
+              <a:buAutoNum type="arabicPeriod"/>
+            </a:pPr>
+            <a:r>
+              <a:rPr lang="ko-KR" altLang="en-US" dirty="0"/>
+              <a:t>문장을 노드</a:t>
+            </a:r>
+            <a:r>
+              <a:rPr lang="en-US" altLang="ko-KR" dirty="0"/>
+              <a:t>, </a:t>
+            </a:r>
+            <a:r>
+              <a:rPr lang="ko-KR" altLang="en-US" dirty="0"/>
+              <a:t>문장 사이의 코사인 유사도를 가중치로 하는 그래프</a:t>
+            </a:r>
+            <a:endParaRPr lang="en-US" altLang="ko-KR" dirty="0"/>
+          </a:p>
+          <a:p>
+            <a:pPr marL="342900" indent="-342900">
+              <a:buFontTx/>
+              <a:buAutoNum type="arabicPeriod"/>
+            </a:pPr>
+            <a:endParaRPr lang="en-US" altLang="ko-KR" dirty="0"/>
+          </a:p>
+          <a:p>
+            <a:pPr marL="342900" indent="-342900">
+              <a:buFontTx/>
+              <a:buAutoNum type="arabicPeriod"/>
+            </a:pPr>
+            <a:r>
+              <a:rPr lang="en-US" altLang="ko-KR" dirty="0"/>
+              <a:t>page-rank</a:t>
+            </a:r>
+            <a:r>
+              <a:rPr lang="ko-KR" altLang="en-US" dirty="0"/>
+              <a:t>를 학습하여 문장 별 </a:t>
+            </a:r>
+            <a:r>
+              <a:rPr lang="en-US" altLang="ko-KR" dirty="0"/>
+              <a:t>rank</a:t>
+            </a:r>
+          </a:p>
+        </p:txBody>
+      </p:sp>
+      <p:sp>
+        <p:nvSpPr>
+          <p:cNvPr id="7" name="TextBox 6">
+            <a:extLst>
+              <a:ext uri="{FF2B5EF4-FFF2-40B4-BE49-F238E27FC236}">
+                <a16:creationId xmlns:a16="http://schemas.microsoft.com/office/drawing/2014/main" id="{C47C35F7-9742-A854-8240-4EE7DCC3E29C}"/>
+              </a:ext>
+            </a:extLst>
+          </p:cNvPr>
+          <p:cNvSpPr txBox="1"/>
+          <p:nvPr/>
+        </p:nvSpPr>
+        <p:spPr>
+          <a:xfrm>
+            <a:off x="899592" y="5521178"/>
+            <a:ext cx="5962950" cy="677108"/>
+          </a:xfrm>
+          <a:prstGeom prst="rect">
+            <a:avLst/>
+          </a:prstGeom>
+          <a:noFill/>
+        </p:spPr>
+        <p:txBody>
+          <a:bodyPr wrap="square" rtlCol="0">
+            <a:spAutoFit/>
+          </a:bodyPr>
+          <a:lstStyle/>
+          <a:p>
+            <a:r>
+              <a:rPr lang="en-US" altLang="ko-KR" sz="1000" dirty="0" err="1"/>
+              <a:t>Gunes</a:t>
+            </a:r>
+            <a:r>
+              <a:rPr lang="en-US" altLang="ko-KR" sz="1000" dirty="0"/>
+              <a:t> Erkan, Dragomir R. </a:t>
+            </a:r>
+            <a:r>
+              <a:rPr lang="en-US" altLang="ko-KR" sz="1000" dirty="0" err="1"/>
+              <a:t>Radev</a:t>
+            </a:r>
+            <a:r>
+              <a:rPr lang="en-US" altLang="ko-KR" sz="1000" dirty="0"/>
+              <a:t>(2011). </a:t>
+            </a:r>
+            <a:r>
+              <a:rPr lang="en-US" altLang="ko-KR" sz="1000" dirty="0" err="1"/>
+              <a:t>LexRank</a:t>
+            </a:r>
+            <a:r>
+              <a:rPr lang="en-US" altLang="ko-KR" sz="1000" dirty="0"/>
+              <a:t>: Graph-based Lexical Centrality as Salience in Text Summarization. </a:t>
+            </a:r>
+            <a:endParaRPr lang="ko-KR" altLang="en-US" sz="1000" dirty="0"/>
           </a:p>
           <a:p>
             <a:endParaRPr lang="ko-KR" altLang="en-US" dirty="0"/>
@@ -4564,7 +4759,7 @@
     </p:spTree>
     <p:extLst>
       <p:ext uri="{BB962C8B-B14F-4D97-AF65-F5344CB8AC3E}">
-        <p14:creationId xmlns:p14="http://schemas.microsoft.com/office/powerpoint/2010/main" val="958563621"/>
+        <p14:creationId xmlns:p14="http://schemas.microsoft.com/office/powerpoint/2010/main" val="1589853944"/>
       </p:ext>
     </p:extLst>
   </p:cSld>
@@ -4603,14 +4798,23 @@
         </p:nvSpPr>
         <p:spPr/>
         <p:txBody>
-          <a:bodyPr/>
+          <a:bodyPr>
+            <a:normAutofit/>
+          </a:bodyPr>
           <a:lstStyle/>
           <a:p>
             <a:r>
+              <a:rPr lang="ko-KR" altLang="en-US" dirty="0"/>
+              <a:t>실행 계획</a:t>
+            </a:r>
+            <a:r>
               <a:rPr lang="en-US" altLang="ko-KR" dirty="0"/>
-              <a:t>Conclusions and Expected results</a:t>
-            </a:r>
-            <a:endParaRPr lang="ko-KR" altLang="en-US" dirty="0"/>
+              <a:t>, </a:t>
+            </a:r>
+            <a:r>
+              <a:rPr lang="ko-KR" altLang="en-US" dirty="0"/>
+              <a:t>방법 및 설계</a:t>
+            </a:r>
           </a:p>
         </p:txBody>
       </p:sp>
@@ -4629,6 +4833,98 @@
           <a:bodyPr/>
           <a:lstStyle/>
           <a:p>
+            <a:r>
+              <a:rPr lang="ko-KR" altLang="en-US" dirty="0"/>
+              <a:t>화자 별 중요도 산출</a:t>
+            </a:r>
+          </a:p>
+        </p:txBody>
+      </p:sp>
+      <p:pic>
+        <p:nvPicPr>
+          <p:cNvPr id="6" name="그림 5">
+            <a:extLst>
+              <a:ext uri="{FF2B5EF4-FFF2-40B4-BE49-F238E27FC236}">
+                <a16:creationId xmlns:a16="http://schemas.microsoft.com/office/drawing/2014/main" id="{07D24E41-FC03-9861-717D-3E2029B8B9B3}"/>
+              </a:ext>
+            </a:extLst>
+          </p:cNvPr>
+          <p:cNvPicPr>
+            <a:picLocks noChangeAspect="1"/>
+          </p:cNvPicPr>
+          <p:nvPr/>
+        </p:nvPicPr>
+        <p:blipFill>
+          <a:blip r:embed="rId2"/>
+          <a:stretch>
+            <a:fillRect/>
+          </a:stretch>
+        </p:blipFill>
+        <p:spPr>
+          <a:xfrm>
+            <a:off x="539553" y="2158606"/>
+            <a:ext cx="5090114" cy="3934690"/>
+          </a:xfrm>
+          <a:prstGeom prst="rect">
+            <a:avLst/>
+          </a:prstGeom>
+        </p:spPr>
+      </p:pic>
+      <p:sp>
+        <p:nvSpPr>
+          <p:cNvPr id="8" name="직사각형 7">
+            <a:extLst>
+              <a:ext uri="{FF2B5EF4-FFF2-40B4-BE49-F238E27FC236}">
+                <a16:creationId xmlns:a16="http://schemas.microsoft.com/office/drawing/2014/main" id="{07E96972-DEA2-EFD7-5D86-8D101D23470B}"/>
+              </a:ext>
+            </a:extLst>
+          </p:cNvPr>
+          <p:cNvSpPr/>
+          <p:nvPr/>
+        </p:nvSpPr>
+        <p:spPr>
+          <a:xfrm>
+            <a:off x="611561" y="5157192"/>
+            <a:ext cx="2448272" cy="504056"/>
+          </a:xfrm>
+          <a:prstGeom prst="rect">
+            <a:avLst/>
+          </a:prstGeom>
+          <a:noFill/>
+          <a:ln w="12700">
+            <a:solidFill>
+              <a:srgbClr val="FF0000"/>
+            </a:solidFill>
+          </a:ln>
+          <a:effectLst>
+            <a:outerShdw blurRad="63500" sx="102000" sy="102000" algn="ctr" rotWithShape="0">
+              <a:prstClr val="black">
+                <a:alpha val="20000"/>
+              </a:prstClr>
+            </a:outerShdw>
+          </a:effectLst>
+        </p:spPr>
+        <p:style>
+          <a:lnRef idx="2">
+            <a:schemeClr val="accent1">
+              <a:shade val="50000"/>
+            </a:schemeClr>
+          </a:lnRef>
+          <a:fillRef idx="1">
+            <a:schemeClr val="accent1"/>
+          </a:fillRef>
+          <a:effectRef idx="0">
+            <a:schemeClr val="accent1"/>
+          </a:effectRef>
+          <a:fontRef idx="minor">
+            <a:schemeClr val="lt1"/>
+          </a:fontRef>
+        </p:style>
+        <p:txBody>
+          <a:bodyPr rtlCol="0" anchor="ctr"/>
+          <a:lstStyle/>
+          <a:p>
+            <a:pPr algn="ctr"/>
             <a:endParaRPr lang="ko-KR" altLang="en-US"/>
           </a:p>
         </p:txBody>
@@ -4636,7 +4932,7 @@
     </p:spTree>
     <p:extLst>
       <p:ext uri="{BB962C8B-B14F-4D97-AF65-F5344CB8AC3E}">
-        <p14:creationId xmlns:p14="http://schemas.microsoft.com/office/powerpoint/2010/main" val="1357611919"/>
+        <p14:creationId xmlns:p14="http://schemas.microsoft.com/office/powerpoint/2010/main" val="1296015981"/>
       </p:ext>
     </p:extLst>
   </p:cSld>
@@ -4675,14 +4971,23 @@
         </p:nvSpPr>
         <p:spPr/>
         <p:txBody>
-          <a:bodyPr/>
+          <a:bodyPr>
+            <a:normAutofit/>
+          </a:bodyPr>
           <a:lstStyle/>
           <a:p>
             <a:r>
+              <a:rPr lang="ko-KR" altLang="en-US" dirty="0"/>
+              <a:t>실행 계획</a:t>
+            </a:r>
+            <a:r>
               <a:rPr lang="en-US" altLang="ko-KR" dirty="0"/>
-              <a:t>Schedule</a:t>
-            </a:r>
-            <a:endParaRPr lang="ko-KR" altLang="en-US" dirty="0"/>
+              <a:t>, </a:t>
+            </a:r>
+            <a:r>
+              <a:rPr lang="ko-KR" altLang="en-US" dirty="0"/>
+              <a:t>방법 및 설계</a:t>
+            </a:r>
           </a:p>
         </p:txBody>
       </p:sp>
@@ -4701,14 +5006,17 @@
           <a:bodyPr/>
           <a:lstStyle/>
           <a:p>
-            <a:endParaRPr lang="ko-KR" altLang="en-US"/>
+            <a:r>
+              <a:rPr lang="ko-KR" altLang="en-US" dirty="0"/>
+              <a:t>화자 별 중요도 흐름도</a:t>
+            </a:r>
           </a:p>
         </p:txBody>
       </p:sp>
     </p:spTree>
     <p:extLst>
       <p:ext uri="{BB962C8B-B14F-4D97-AF65-F5344CB8AC3E}">
-        <p14:creationId xmlns:p14="http://schemas.microsoft.com/office/powerpoint/2010/main" val="3439183929"/>
+        <p14:creationId xmlns:p14="http://schemas.microsoft.com/office/powerpoint/2010/main" val="3608855194"/>
       </p:ext>
     </p:extLst>
   </p:cSld>
@@ -4747,14 +5055,23 @@
         </p:nvSpPr>
         <p:spPr/>
         <p:txBody>
-          <a:bodyPr/>
+          <a:bodyPr>
+            <a:normAutofit/>
+          </a:bodyPr>
           <a:lstStyle/>
           <a:p>
             <a:r>
+              <a:rPr lang="ko-KR" altLang="en-US" dirty="0"/>
+              <a:t>실행 계획</a:t>
+            </a:r>
+            <a:r>
               <a:rPr lang="en-US" altLang="ko-KR" dirty="0"/>
-              <a:t>References</a:t>
-            </a:r>
-            <a:endParaRPr lang="ko-KR" altLang="en-US" dirty="0"/>
+              <a:t>, </a:t>
+            </a:r>
+            <a:r>
+              <a:rPr lang="ko-KR" altLang="en-US" dirty="0"/>
+              <a:t>방법 및 설계</a:t>
+            </a:r>
           </a:p>
         </p:txBody>
       </p:sp>
@@ -4774,271 +5091,1244 @@
           <a:lstStyle/>
           <a:p>
             <a:r>
-              <a:rPr lang="en-US" altLang="ko-KR" sz="2400" b="0" i="0" dirty="0" err="1">
-                <a:solidFill>
-                  <a:srgbClr val="374151"/>
-                </a:solidFill>
-                <a:effectLst/>
-                <a:latin typeface="Söhne"/>
-              </a:rPr>
-              <a:t>Cosentino</a:t>
-            </a:r>
-            <a:r>
-              <a:rPr lang="en-US" altLang="ko-KR" sz="2400" b="0" i="0" dirty="0">
-                <a:solidFill>
-                  <a:srgbClr val="374151"/>
-                </a:solidFill>
-                <a:effectLst/>
-                <a:latin typeface="Söhne"/>
-              </a:rPr>
-              <a:t>, J., </a:t>
-            </a:r>
-            <a:r>
-              <a:rPr lang="en-US" altLang="ko-KR" sz="2400" b="0" i="0" dirty="0" err="1">
-                <a:solidFill>
-                  <a:srgbClr val="374151"/>
-                </a:solidFill>
-                <a:effectLst/>
-                <a:latin typeface="Söhne"/>
-              </a:rPr>
-              <a:t>Pariente</a:t>
-            </a:r>
-            <a:r>
-              <a:rPr lang="en-US" altLang="ko-KR" sz="2400" b="0" i="0" dirty="0">
-                <a:solidFill>
-                  <a:srgbClr val="374151"/>
-                </a:solidFill>
-                <a:effectLst/>
-                <a:latin typeface="Söhne"/>
-              </a:rPr>
-              <a:t>, M., Cornell, S., </a:t>
-            </a:r>
-            <a:r>
-              <a:rPr lang="en-US" altLang="ko-KR" sz="2400" b="0" i="0" dirty="0" err="1">
-                <a:solidFill>
-                  <a:srgbClr val="374151"/>
-                </a:solidFill>
-                <a:effectLst/>
-                <a:latin typeface="Söhne"/>
-              </a:rPr>
-              <a:t>Deleforge</a:t>
-            </a:r>
-            <a:r>
-              <a:rPr lang="en-US" altLang="ko-KR" sz="2400" b="0" i="0" dirty="0">
-                <a:solidFill>
-                  <a:srgbClr val="374151"/>
-                </a:solidFill>
-                <a:effectLst/>
-                <a:latin typeface="Söhne"/>
-              </a:rPr>
-              <a:t>, A., &amp; Vincent, E. (2020). </a:t>
-            </a:r>
-            <a:r>
-              <a:rPr lang="en-US" altLang="ko-KR" sz="2400" b="0" i="0" dirty="0" err="1">
-                <a:solidFill>
-                  <a:srgbClr val="374151"/>
-                </a:solidFill>
-                <a:effectLst/>
-                <a:latin typeface="Söhne"/>
-              </a:rPr>
-              <a:t>LibriMix</a:t>
-            </a:r>
-            <a:r>
-              <a:rPr lang="en-US" altLang="ko-KR" sz="2400" b="0" i="0" dirty="0">
-                <a:solidFill>
-                  <a:srgbClr val="374151"/>
-                </a:solidFill>
-                <a:effectLst/>
-                <a:latin typeface="Söhne"/>
-              </a:rPr>
-              <a:t>: An Open-Source Dataset for Generalizable Speech Separation. Submitted to INTERSPEECH 2020.</a:t>
-            </a:r>
-          </a:p>
-          <a:p>
-            <a:r>
-              <a:rPr lang="en-US" altLang="ko-KR" b="0" i="0" dirty="0" err="1">
-                <a:solidFill>
-                  <a:srgbClr val="374151"/>
-                </a:solidFill>
-                <a:effectLst/>
-                <a:latin typeface="Söhne"/>
-              </a:rPr>
-              <a:t>Subakan</a:t>
-            </a:r>
-            <a:r>
-              <a:rPr lang="en-US" altLang="ko-KR" b="0" i="0" dirty="0">
-                <a:solidFill>
-                  <a:srgbClr val="374151"/>
-                </a:solidFill>
-                <a:effectLst/>
-                <a:latin typeface="Söhne"/>
-              </a:rPr>
-              <a:t>, C., </a:t>
-            </a:r>
-            <a:r>
-              <a:rPr lang="en-US" altLang="ko-KR" b="0" i="0" dirty="0" err="1">
-                <a:solidFill>
-                  <a:srgbClr val="374151"/>
-                </a:solidFill>
-                <a:effectLst/>
-                <a:latin typeface="Söhne"/>
-              </a:rPr>
-              <a:t>Ravanelli</a:t>
-            </a:r>
-            <a:r>
-              <a:rPr lang="en-US" altLang="ko-KR" b="0" i="0" dirty="0">
-                <a:solidFill>
-                  <a:srgbClr val="374151"/>
-                </a:solidFill>
-                <a:effectLst/>
-                <a:latin typeface="Söhne"/>
-              </a:rPr>
-              <a:t>, M., Cornell, S., </a:t>
-            </a:r>
-            <a:r>
-              <a:rPr lang="en-US" altLang="ko-KR" b="0" i="0" dirty="0" err="1">
-                <a:solidFill>
-                  <a:srgbClr val="374151"/>
-                </a:solidFill>
-                <a:effectLst/>
-                <a:latin typeface="Söhne"/>
-              </a:rPr>
-              <a:t>Bronzi</a:t>
-            </a:r>
-            <a:r>
-              <a:rPr lang="en-US" altLang="ko-KR" b="0" i="0" dirty="0">
-                <a:solidFill>
-                  <a:srgbClr val="374151"/>
-                </a:solidFill>
-                <a:effectLst/>
-                <a:latin typeface="Söhne"/>
-              </a:rPr>
-              <a:t>, M., &amp; Zhong, J. (2021). Attention is All You Need in Speech Separation. ICASSP 2021 - 2021 IEEE International Conference on Acoustics, Speech and Signal Processing, Toronto, Canada, June 6-11, 2021, pp. 21</a:t>
-            </a:r>
-          </a:p>
-          <a:p>
-            <a:r>
-              <a:rPr lang="en-US" altLang="ko-KR" sz="2400" dirty="0">
-                <a:solidFill>
-                  <a:srgbClr val="374151"/>
-                </a:solidFill>
-                <a:latin typeface="Söhne"/>
-              </a:rPr>
-              <a:t>Aneesh </a:t>
-            </a:r>
-            <a:r>
-              <a:rPr lang="en-US" altLang="ko-KR" sz="2400" dirty="0" err="1">
-                <a:solidFill>
-                  <a:srgbClr val="374151"/>
-                </a:solidFill>
-                <a:latin typeface="Söhne"/>
-              </a:rPr>
-              <a:t>Vartakavi</a:t>
-            </a:r>
-            <a:r>
-              <a:rPr lang="en-US" altLang="ko-KR" dirty="0">
-                <a:solidFill>
-                  <a:srgbClr val="374151"/>
-                </a:solidFill>
-                <a:latin typeface="Söhne"/>
-              </a:rPr>
+              <a:rPr lang="ko-KR" altLang="en-US" dirty="0"/>
+              <a:t>화자 별 중요도 산출</a:t>
+            </a:r>
+          </a:p>
+        </p:txBody>
+      </p:sp>
+      <p:sp>
+        <p:nvSpPr>
+          <p:cNvPr id="7" name="내용 개체 틀 2">
+            <a:extLst>
+              <a:ext uri="{FF2B5EF4-FFF2-40B4-BE49-F238E27FC236}">
+                <a16:creationId xmlns:a16="http://schemas.microsoft.com/office/drawing/2014/main" id="{FE4F1348-3F9D-C941-3B44-8785B63525D5}"/>
+              </a:ext>
+            </a:extLst>
+          </p:cNvPr>
+          <p:cNvSpPr txBox="1">
+            <a:spLocks/>
+          </p:cNvSpPr>
+          <p:nvPr/>
+        </p:nvSpPr>
+        <p:spPr>
+          <a:xfrm>
+            <a:off x="457200" y="2257520"/>
+            <a:ext cx="6923112" cy="3245742"/>
+          </a:xfrm>
+          <a:prstGeom prst="rect">
+            <a:avLst/>
+          </a:prstGeom>
+        </p:spPr>
+        <p:txBody>
+          <a:bodyPr vert="horz" lIns="91440" tIns="45720" rIns="91440" bIns="45720" rtlCol="0">
+            <a:normAutofit fontScale="85000" lnSpcReduction="20000"/>
+          </a:bodyPr>
+          <a:lstStyle>
+            <a:lvl1pPr marL="182880" indent="-182880" algn="l" defTabSz="914400" rtl="0" eaLnBrk="1" latinLnBrk="1" hangingPunct="1">
+              <a:spcBef>
+                <a:spcPct val="20000"/>
+              </a:spcBef>
+              <a:buClr>
+                <a:schemeClr val="accent1"/>
+              </a:buClr>
+              <a:buSzPct val="85000"/>
+              <a:buFont typeface="Arial" pitchFamily="34" charset="0"/>
+              <a:buChar char="•"/>
+              <a:defRPr sz="2400" kern="1200">
+                <a:solidFill>
+                  <a:schemeClr val="tx1"/>
+                </a:solidFill>
+                <a:latin typeface="+mn-lt"/>
+                <a:ea typeface="+mn-ea"/>
+                <a:cs typeface="+mn-cs"/>
+              </a:defRPr>
+            </a:lvl1pPr>
+            <a:lvl2pPr marL="457200" indent="-182880" algn="l" defTabSz="914400" rtl="0" eaLnBrk="1" latinLnBrk="1" hangingPunct="1">
+              <a:spcBef>
+                <a:spcPct val="20000"/>
+              </a:spcBef>
+              <a:buClr>
+                <a:schemeClr val="accent1"/>
+              </a:buClr>
+              <a:buSzPct val="85000"/>
+              <a:buFont typeface="Arial" pitchFamily="34" charset="0"/>
+              <a:buChar char="•"/>
+              <a:defRPr sz="2000" kern="1200">
+                <a:solidFill>
+                  <a:schemeClr val="tx1"/>
+                </a:solidFill>
+                <a:latin typeface="+mn-lt"/>
+                <a:ea typeface="+mn-ea"/>
+                <a:cs typeface="+mn-cs"/>
+              </a:defRPr>
+            </a:lvl2pPr>
+            <a:lvl3pPr marL="731520" indent="-182880" algn="l" defTabSz="914400" rtl="0" eaLnBrk="1" latinLnBrk="1" hangingPunct="1">
+              <a:spcBef>
+                <a:spcPct val="20000"/>
+              </a:spcBef>
+              <a:buClr>
+                <a:schemeClr val="accent1"/>
+              </a:buClr>
+              <a:buSzPct val="90000"/>
+              <a:buFont typeface="Arial" pitchFamily="34" charset="0"/>
+              <a:buChar char="•"/>
+              <a:defRPr sz="1800" kern="1200">
+                <a:solidFill>
+                  <a:schemeClr val="tx1"/>
+                </a:solidFill>
+                <a:latin typeface="+mn-lt"/>
+                <a:ea typeface="+mn-ea"/>
+                <a:cs typeface="+mn-cs"/>
+              </a:defRPr>
+            </a:lvl3pPr>
+            <a:lvl4pPr marL="1005840" indent="-182880" algn="l" defTabSz="914400" rtl="0" eaLnBrk="1" latinLnBrk="1" hangingPunct="1">
+              <a:spcBef>
+                <a:spcPct val="20000"/>
+              </a:spcBef>
+              <a:buClr>
+                <a:schemeClr val="accent1"/>
+              </a:buClr>
+              <a:buFont typeface="Arial" pitchFamily="34" charset="0"/>
+              <a:buChar char="•"/>
+              <a:defRPr sz="1600" kern="1200">
+                <a:solidFill>
+                  <a:schemeClr val="tx1"/>
+                </a:solidFill>
+                <a:latin typeface="+mn-lt"/>
+                <a:ea typeface="+mn-ea"/>
+                <a:cs typeface="+mn-cs"/>
+              </a:defRPr>
+            </a:lvl4pPr>
+            <a:lvl5pPr marL="1188720" indent="-137160" algn="l" defTabSz="914400" rtl="0" eaLnBrk="1" latinLnBrk="1" hangingPunct="1">
+              <a:spcBef>
+                <a:spcPct val="20000"/>
+              </a:spcBef>
+              <a:buClr>
+                <a:schemeClr val="accent1"/>
+              </a:buClr>
+              <a:buSzPct val="100000"/>
+              <a:buFont typeface="Arial" pitchFamily="34" charset="0"/>
+              <a:buChar char="•"/>
+              <a:defRPr sz="1400" kern="1200" baseline="0">
+                <a:solidFill>
+                  <a:schemeClr val="tx1"/>
+                </a:solidFill>
+                <a:latin typeface="+mn-lt"/>
+                <a:ea typeface="+mn-ea"/>
+                <a:cs typeface="+mn-cs"/>
+              </a:defRPr>
+            </a:lvl5pPr>
+            <a:lvl6pPr marL="1371600" indent="-182880" algn="l" defTabSz="914400" rtl="0" eaLnBrk="1" latinLnBrk="1" hangingPunct="1">
+              <a:spcBef>
+                <a:spcPct val="20000"/>
+              </a:spcBef>
+              <a:buClr>
+                <a:schemeClr val="accent1"/>
+              </a:buClr>
+              <a:buFont typeface="Arial" pitchFamily="34" charset="0"/>
+              <a:buChar char="•"/>
+              <a:defRPr sz="1300" kern="1200">
+                <a:solidFill>
+                  <a:schemeClr val="tx1"/>
+                </a:solidFill>
+                <a:latin typeface="+mn-lt"/>
+                <a:ea typeface="+mn-ea"/>
+                <a:cs typeface="+mn-cs"/>
+              </a:defRPr>
+            </a:lvl6pPr>
+            <a:lvl7pPr marL="1554480" indent="-182880" algn="l" defTabSz="914400" rtl="0" eaLnBrk="1" latinLnBrk="1" hangingPunct="1">
+              <a:spcBef>
+                <a:spcPct val="20000"/>
+              </a:spcBef>
+              <a:buClr>
+                <a:schemeClr val="accent1"/>
+              </a:buClr>
+              <a:buFont typeface="Arial" pitchFamily="34" charset="0"/>
+              <a:buChar char="•"/>
+              <a:defRPr sz="1300" kern="1200">
+                <a:solidFill>
+                  <a:schemeClr val="tx1"/>
+                </a:solidFill>
+                <a:latin typeface="+mn-lt"/>
+                <a:ea typeface="+mn-ea"/>
+                <a:cs typeface="+mn-cs"/>
+              </a:defRPr>
+            </a:lvl7pPr>
+            <a:lvl8pPr marL="1737360" indent="-182880" algn="l" defTabSz="914400" rtl="0" eaLnBrk="1" latinLnBrk="1" hangingPunct="1">
+              <a:spcBef>
+                <a:spcPct val="20000"/>
+              </a:spcBef>
+              <a:buClr>
+                <a:schemeClr val="accent1"/>
+              </a:buClr>
+              <a:buFont typeface="Arial" pitchFamily="34" charset="0"/>
+              <a:buChar char="•"/>
+              <a:defRPr sz="1300" kern="1200">
+                <a:solidFill>
+                  <a:schemeClr val="tx1"/>
+                </a:solidFill>
+                <a:latin typeface="+mn-lt"/>
+                <a:ea typeface="+mn-ea"/>
+                <a:cs typeface="+mn-cs"/>
+              </a:defRPr>
+            </a:lvl8pPr>
+            <a:lvl9pPr marL="1920240" indent="-182880" algn="l" defTabSz="914400" rtl="0" eaLnBrk="1" latinLnBrk="1" hangingPunct="1">
+              <a:spcBef>
+                <a:spcPct val="20000"/>
+              </a:spcBef>
+              <a:buClr>
+                <a:schemeClr val="accent1"/>
+              </a:buClr>
+              <a:buFont typeface="Arial" pitchFamily="34" charset="0"/>
+              <a:buChar char="•"/>
+              <a:defRPr sz="1300" kern="1200">
+                <a:solidFill>
+                  <a:schemeClr val="tx1"/>
+                </a:solidFill>
+                <a:latin typeface="+mn-lt"/>
+                <a:ea typeface="+mn-ea"/>
+                <a:cs typeface="+mn-cs"/>
+              </a:defRPr>
+            </a:lvl9pPr>
+          </a:lstStyle>
+          <a:p>
+            <a:r>
+              <a:rPr lang="en-US" altLang="ko-KR" sz="1300" dirty="0"/>
+              <a:t>'</a:t>
+            </a:r>
+            <a:r>
+              <a:rPr lang="ko-KR" altLang="en-US" sz="1300" b="1" dirty="0"/>
+              <a:t>안나</a:t>
+            </a:r>
+            <a:r>
+              <a:rPr lang="en-US" altLang="ko-KR" sz="1300" dirty="0"/>
+              <a:t>: </a:t>
+            </a:r>
+            <a:r>
+              <a:rPr lang="ko-KR" altLang="en-US" sz="1300" dirty="0"/>
+              <a:t>안녕하세요</a:t>
+            </a:r>
+            <a:r>
+              <a:rPr lang="en-US" altLang="ko-KR" sz="1300" dirty="0"/>
               <a:t>, </a:t>
             </a:r>
             <a:r>
-              <a:rPr lang="en-US" altLang="ko-KR" dirty="0" err="1">
-                <a:solidFill>
-                  <a:srgbClr val="374151"/>
-                </a:solidFill>
-                <a:latin typeface="Söhne"/>
-              </a:rPr>
-              <a:t>Amanment</a:t>
-            </a:r>
-            <a:r>
-              <a:rPr lang="en-US" altLang="ko-KR" dirty="0">
-                <a:solidFill>
-                  <a:srgbClr val="374151"/>
-                </a:solidFill>
-                <a:latin typeface="Söhne"/>
-              </a:rPr>
-              <a:t> </a:t>
-            </a:r>
-            <a:r>
-              <a:rPr lang="en-US" altLang="ko-KR" dirty="0" err="1">
-                <a:solidFill>
-                  <a:srgbClr val="374151"/>
-                </a:solidFill>
-                <a:latin typeface="Söhne"/>
-              </a:rPr>
-              <a:t>Grag</a:t>
-            </a:r>
-            <a:r>
-              <a:rPr lang="en-US" altLang="ko-KR" dirty="0">
-                <a:solidFill>
-                  <a:srgbClr val="374151"/>
-                </a:solidFill>
-                <a:latin typeface="Söhne"/>
-              </a:rPr>
-              <a:t>(2020). </a:t>
-            </a:r>
-            <a:r>
-              <a:rPr lang="en-US" altLang="ko-KR" dirty="0" err="1">
-                <a:solidFill>
-                  <a:srgbClr val="374151"/>
-                </a:solidFill>
-                <a:latin typeface="Söhne"/>
-              </a:rPr>
-              <a:t>Podsumm</a:t>
-            </a:r>
-            <a:r>
-              <a:rPr lang="en-US" altLang="ko-KR" dirty="0">
-                <a:solidFill>
-                  <a:srgbClr val="374151"/>
-                </a:solidFill>
-                <a:latin typeface="Söhne"/>
-              </a:rPr>
-              <a:t>—podcast audio summarization.</a:t>
-            </a:r>
-            <a:r>
-              <a:rPr lang="en-US" altLang="ko-KR" sz="2400" b="0" i="0" dirty="0">
-                <a:solidFill>
-                  <a:srgbClr val="374151"/>
-                </a:solidFill>
-                <a:effectLst/>
-                <a:latin typeface="Söhne"/>
-              </a:rPr>
-              <a:t> Submitted to </a:t>
-            </a:r>
-            <a:r>
-              <a:rPr lang="en-US" altLang="ko-KR" sz="2400" b="0" i="0" dirty="0" err="1">
-                <a:solidFill>
-                  <a:srgbClr val="374151"/>
-                </a:solidFill>
-                <a:effectLst/>
-                <a:latin typeface="Söhne"/>
-              </a:rPr>
-              <a:t>arXiv</a:t>
-            </a:r>
-            <a:r>
-              <a:rPr lang="en-US" altLang="ko-KR" sz="2400" b="0" i="0" dirty="0">
-                <a:solidFill>
-                  <a:srgbClr val="374151"/>
-                </a:solidFill>
-                <a:effectLst/>
-                <a:latin typeface="Söhne"/>
-              </a:rPr>
-              <a:t> 2020</a:t>
-            </a:r>
-            <a:endParaRPr lang="ko-KR" altLang="en-US" sz="2400" dirty="0"/>
+              <a:rPr lang="ko-KR" altLang="en-US" sz="1300" dirty="0"/>
+              <a:t>오늘 우리는 현대 사회에서 자녀 양육 방식에 대해 토론해 보려고 합니다</a:t>
+            </a:r>
+            <a:r>
+              <a:rPr lang="en-US" altLang="ko-KR" sz="1300" dirty="0"/>
+              <a:t>.',</a:t>
+            </a:r>
+          </a:p>
+          <a:p>
+            <a:r>
+              <a:rPr lang="en-US" altLang="ko-KR" sz="1300" dirty="0"/>
+              <a:t>'</a:t>
+            </a:r>
+            <a:r>
+              <a:rPr lang="ko-KR" altLang="en-US" sz="1300" b="1" dirty="0"/>
+              <a:t>브라이언</a:t>
+            </a:r>
+            <a:r>
+              <a:rPr lang="en-US" altLang="ko-KR" sz="1300" dirty="0"/>
+              <a:t>: </a:t>
+            </a:r>
+            <a:r>
+              <a:rPr lang="ko-KR" altLang="en-US" sz="1300" dirty="0"/>
+              <a:t>맞아요</a:t>
+            </a:r>
+            <a:r>
+              <a:rPr lang="en-US" altLang="ko-KR" sz="1300" dirty="0"/>
+              <a:t>. </a:t>
+            </a:r>
+            <a:r>
+              <a:rPr lang="ko-KR" altLang="en-US" sz="1300" dirty="0"/>
+              <a:t>요즘에는 부모들이 자녀를 키우는 방식에 대해 많은 논란이 있죠</a:t>
+            </a:r>
+            <a:r>
+              <a:rPr lang="en-US" altLang="ko-KR" sz="1300" dirty="0"/>
+              <a:t>.',</a:t>
+            </a:r>
+          </a:p>
+          <a:p>
+            <a:r>
+              <a:rPr lang="en-US" altLang="ko-KR" sz="1300" dirty="0"/>
+              <a:t>'</a:t>
+            </a:r>
+            <a:r>
+              <a:rPr lang="ko-KR" altLang="en-US" sz="1300" b="1" dirty="0"/>
+              <a:t>존</a:t>
+            </a:r>
+            <a:r>
+              <a:rPr lang="en-US" altLang="ko-KR" sz="1300" dirty="0"/>
+              <a:t>: </a:t>
+            </a:r>
+            <a:r>
+              <a:rPr lang="ko-KR" altLang="en-US" sz="1300" dirty="0"/>
+              <a:t>저는 그렇게 큰 논란이 있다고 생각하지 않습니다</a:t>
+            </a:r>
+            <a:r>
+              <a:rPr lang="en-US" altLang="ko-KR" sz="1300" dirty="0"/>
+              <a:t>. </a:t>
+            </a:r>
+            <a:r>
+              <a:rPr lang="ko-KR" altLang="en-US" sz="1300" dirty="0"/>
+              <a:t>대체로 부모님들은 자녀를 사랑하며 자녀가 행복하게 자랄 수 있도록 최선을 다하는 것이 아니겠습니까</a:t>
+            </a:r>
+            <a:r>
+              <a:rPr lang="en-US" altLang="ko-KR" sz="1300" dirty="0"/>
+              <a:t>?</a:t>
+            </a:r>
+          </a:p>
+          <a:p>
+            <a:r>
+              <a:rPr lang="en-US" altLang="ko-KR" sz="1300" dirty="0"/>
+              <a:t>'</a:t>
+            </a:r>
+            <a:r>
+              <a:rPr lang="ko-KR" altLang="en-US" sz="1300" b="1" dirty="0"/>
+              <a:t>안나</a:t>
+            </a:r>
+            <a:r>
+              <a:rPr lang="en-US" altLang="ko-KR" sz="1300" dirty="0"/>
+              <a:t>: </a:t>
+            </a:r>
+            <a:r>
+              <a:rPr lang="ko-KR" altLang="en-US" sz="1300" dirty="0"/>
+              <a:t>그렇다면</a:t>
+            </a:r>
+            <a:r>
+              <a:rPr lang="en-US" altLang="ko-KR" sz="1300" dirty="0"/>
+              <a:t>, </a:t>
+            </a:r>
+            <a:r>
+              <a:rPr lang="ko-KR" altLang="en-US" sz="1300" dirty="0"/>
+              <a:t>자녀를 키우는 방식에 따라 어떤 문제가 있을까요</a:t>
+            </a:r>
+            <a:r>
+              <a:rPr lang="en-US" altLang="ko-KR" sz="1300" dirty="0"/>
+              <a:t>?',</a:t>
+            </a:r>
+          </a:p>
+          <a:p>
+            <a:r>
+              <a:rPr lang="en-US" altLang="ko-KR" sz="1300" dirty="0"/>
+              <a:t>'</a:t>
+            </a:r>
+            <a:r>
+              <a:rPr lang="ko-KR" altLang="en-US" sz="1300" b="1" dirty="0"/>
+              <a:t> 브라이언 </a:t>
+            </a:r>
+            <a:r>
+              <a:rPr lang="en-US" altLang="ko-KR" sz="1300" dirty="0"/>
+              <a:t>: </a:t>
+            </a:r>
+            <a:r>
+              <a:rPr lang="ko-KR" altLang="en-US" sz="1300" dirty="0"/>
+              <a:t>저는 자녀를 너무 많이 감싸 주는 부모들이 있는 것 같아요</a:t>
+            </a:r>
+            <a:r>
+              <a:rPr lang="en-US" altLang="ko-KR" sz="1300" dirty="0"/>
+              <a:t>. </a:t>
+            </a:r>
+            <a:r>
+              <a:rPr lang="ko-KR" altLang="en-US" sz="1300" dirty="0"/>
+              <a:t>그렇게 하면 자녀가 성장하는 과정에서 문제가 발생 할 수 있을 것 같아요</a:t>
+            </a:r>
+            <a:r>
+              <a:rPr lang="en-US" altLang="ko-KR" sz="1300" dirty="0"/>
+              <a:t>.',</a:t>
+            </a:r>
+          </a:p>
+          <a:p>
+            <a:r>
+              <a:rPr lang="en-US" altLang="ko-KR" sz="1300" dirty="0"/>
+              <a:t>'</a:t>
+            </a:r>
+            <a:r>
+              <a:rPr lang="ko-KR" altLang="en-US" sz="1300" b="1" dirty="0"/>
+              <a:t> 존 </a:t>
+            </a:r>
+            <a:r>
+              <a:rPr lang="en-US" altLang="ko-KR" sz="1300" dirty="0"/>
+              <a:t>: </a:t>
+            </a:r>
+            <a:r>
+              <a:rPr lang="ko-KR" altLang="en-US" sz="1300" dirty="0"/>
+              <a:t>그렇게 말하는 것은 부모가 자녀에게 너무 많은 관심을 기울이지 않아야 한다는 것인가요</a:t>
+            </a:r>
+            <a:r>
+              <a:rPr lang="en-US" altLang="ko-KR" sz="1300" dirty="0"/>
+              <a:t>?',</a:t>
+            </a:r>
+          </a:p>
+          <a:p>
+            <a:r>
+              <a:rPr lang="en-US" altLang="ko-KR" sz="1300" dirty="0"/>
+              <a:t>'</a:t>
+            </a:r>
+            <a:r>
+              <a:rPr lang="ko-KR" altLang="en-US" sz="1300" b="1" dirty="0"/>
+              <a:t> 브라이언 </a:t>
+            </a:r>
+            <a:r>
+              <a:rPr lang="en-US" altLang="ko-KR" sz="1300" dirty="0"/>
+              <a:t>: </a:t>
+            </a:r>
+            <a:r>
+              <a:rPr lang="ko-KR" altLang="en-US" sz="1300" dirty="0" err="1"/>
+              <a:t>아니에요</a:t>
+            </a:r>
+            <a:r>
+              <a:rPr lang="en-US" altLang="ko-KR" sz="1300" dirty="0"/>
+              <a:t>. </a:t>
+            </a:r>
+            <a:r>
+              <a:rPr lang="ko-KR" altLang="en-US" sz="1300" dirty="0"/>
+              <a:t>관심을 기울이는 것은 좋지만</a:t>
+            </a:r>
+            <a:r>
+              <a:rPr lang="en-US" altLang="ko-KR" sz="1300" dirty="0"/>
+              <a:t>, </a:t>
+            </a:r>
+            <a:r>
+              <a:rPr lang="ko-KR" altLang="en-US" sz="1300" dirty="0"/>
+              <a:t>자녀가 독립적으로 자라는 것을 방해해서는 안 된다는 것이죠</a:t>
+            </a:r>
+            <a:r>
+              <a:rPr lang="en-US" altLang="ko-KR" sz="1300" dirty="0"/>
+              <a:t>.',</a:t>
+            </a:r>
+          </a:p>
+          <a:p>
+            <a:r>
+              <a:rPr lang="en-US" altLang="ko-KR" sz="1300" dirty="0"/>
+              <a:t>'</a:t>
+            </a:r>
+            <a:r>
+              <a:rPr lang="ko-KR" altLang="en-US" sz="1300" b="1" dirty="0"/>
+              <a:t> 안나 </a:t>
+            </a:r>
+            <a:r>
+              <a:rPr lang="en-US" altLang="ko-KR" sz="1300" dirty="0"/>
+              <a:t>: </a:t>
+            </a:r>
+            <a:r>
+              <a:rPr lang="ko-KR" altLang="en-US" sz="1300" dirty="0"/>
+              <a:t>그렇다면</a:t>
+            </a:r>
+            <a:r>
+              <a:rPr lang="en-US" altLang="ko-KR" sz="1300" dirty="0"/>
+              <a:t>, </a:t>
+            </a:r>
+            <a:r>
+              <a:rPr lang="ko-KR" altLang="en-US" sz="1300" dirty="0"/>
+              <a:t>다른 양육 방식에는 어떤 것들이 있을까요</a:t>
+            </a:r>
+            <a:r>
+              <a:rPr lang="en-US" altLang="ko-KR" sz="1300" dirty="0"/>
+              <a:t>?',</a:t>
+            </a:r>
+          </a:p>
+          <a:p>
+            <a:r>
+              <a:rPr lang="en-US" altLang="ko-KR" sz="1300" dirty="0"/>
+              <a:t>'</a:t>
+            </a:r>
+            <a:r>
+              <a:rPr lang="ko-KR" altLang="en-US" sz="1300" b="1" dirty="0"/>
+              <a:t> 브라이언 </a:t>
+            </a:r>
+            <a:r>
+              <a:rPr lang="en-US" altLang="ko-KR" sz="1300" dirty="0"/>
+              <a:t>: </a:t>
+            </a:r>
+            <a:r>
+              <a:rPr lang="ko-KR" altLang="en-US" sz="1300" dirty="0"/>
+              <a:t>다양한 것들이 있겠지만</a:t>
+            </a:r>
+            <a:r>
+              <a:rPr lang="en-US" altLang="ko-KR" sz="1300" dirty="0"/>
+              <a:t>, </a:t>
+            </a:r>
+            <a:r>
+              <a:rPr lang="ko-KR" altLang="en-US" sz="1300" dirty="0"/>
+              <a:t>제가 생각하는 것은 자녀의 자립심을 기르는 것입니다</a:t>
+            </a:r>
+            <a:r>
+              <a:rPr lang="en-US" altLang="ko-KR" sz="1300" dirty="0"/>
+              <a:t>. </a:t>
+            </a:r>
+            <a:r>
+              <a:rPr lang="ko-KR" altLang="en-US" sz="1300" dirty="0"/>
+              <a:t>부모들이 자녀에게 도움을 주면서도 자녀가 스스로 문제를 해결할 수 있는 능력을 기르는 것이죠</a:t>
+            </a:r>
+            <a:r>
+              <a:rPr lang="en-US" altLang="ko-KR" sz="1300" dirty="0"/>
+              <a:t>.',</a:t>
+            </a:r>
+          </a:p>
+          <a:p>
+            <a:r>
+              <a:rPr lang="en-US" altLang="ko-KR" sz="1300" dirty="0"/>
+              <a:t>'</a:t>
+            </a:r>
+            <a:r>
+              <a:rPr lang="ko-KR" altLang="en-US" sz="1300" b="1" dirty="0"/>
+              <a:t> 존 </a:t>
+            </a:r>
+            <a:r>
+              <a:rPr lang="en-US" altLang="ko-KR" sz="1300" dirty="0"/>
+              <a:t>: </a:t>
+            </a:r>
+            <a:r>
+              <a:rPr lang="ko-KR" altLang="en-US" sz="1300" dirty="0"/>
+              <a:t>그것은 좋은 방식입니다</a:t>
+            </a:r>
+            <a:r>
+              <a:rPr lang="en-US" altLang="ko-KR" sz="1300" dirty="0"/>
+              <a:t>. </a:t>
+            </a:r>
+            <a:r>
+              <a:rPr lang="ko-KR" altLang="en-US" sz="1300" dirty="0"/>
+              <a:t>하지만</a:t>
+            </a:r>
+            <a:r>
+              <a:rPr lang="en-US" altLang="ko-KR" sz="1300" dirty="0"/>
+              <a:t>, </a:t>
+            </a:r>
+            <a:r>
+              <a:rPr lang="ko-KR" altLang="en-US" sz="1300" dirty="0"/>
+              <a:t>부모들이 자녀에게 지나치게 자유를 주면서도 자녀가 스스로 생각하는 능력을 기르는 것이 중요하다고 생각합니다</a:t>
+            </a:r>
+            <a:r>
+              <a:rPr lang="en-US" altLang="ko-KR" sz="1300" dirty="0"/>
+              <a:t>.',</a:t>
+            </a:r>
+          </a:p>
+          <a:p>
+            <a:r>
+              <a:rPr lang="en-US" altLang="ko-KR" sz="1300" dirty="0"/>
+              <a:t>'</a:t>
+            </a:r>
+            <a:r>
+              <a:rPr lang="ko-KR" altLang="en-US" sz="1300" b="1" dirty="0"/>
+              <a:t> 안나 </a:t>
+            </a:r>
+            <a:r>
+              <a:rPr lang="en-US" altLang="ko-KR" sz="1300" dirty="0"/>
+              <a:t>: </a:t>
+            </a:r>
+            <a:r>
+              <a:rPr lang="ko-KR" altLang="en-US" sz="1300" dirty="0"/>
+              <a:t>자유를 준다는 것은 그만큼 책임도 주어진다는 것이죠</a:t>
+            </a:r>
+            <a:r>
+              <a:rPr lang="en-US" altLang="ko-KR" sz="1300" dirty="0"/>
+              <a:t>. </a:t>
+            </a:r>
+            <a:r>
+              <a:rPr lang="ko-KR" altLang="en-US" sz="1300" dirty="0"/>
+              <a:t>자녀에게 적절한 가이드와 교육을 제공해야 한다는 것도 중요한 것 같습니다</a:t>
+            </a:r>
+            <a:r>
+              <a:rPr lang="en-US" altLang="ko-KR" sz="1300" dirty="0"/>
+              <a:t>.',</a:t>
+            </a:r>
+          </a:p>
+          <a:p>
+            <a:r>
+              <a:rPr lang="en-US" altLang="ko-KR" sz="1300" dirty="0"/>
+              <a:t>'</a:t>
+            </a:r>
+            <a:r>
+              <a:rPr lang="ko-KR" altLang="en-US" sz="1300" b="1" dirty="0"/>
+              <a:t> 브라이언 </a:t>
+            </a:r>
+            <a:r>
+              <a:rPr lang="en-US" altLang="ko-KR" sz="1300" dirty="0"/>
+              <a:t>: </a:t>
+            </a:r>
+            <a:r>
+              <a:rPr lang="ko-KR" altLang="en-US" sz="1300" dirty="0"/>
+              <a:t>맞아요</a:t>
+            </a:r>
+            <a:r>
+              <a:rPr lang="en-US" altLang="ko-KR" sz="1300" dirty="0"/>
+              <a:t>. </a:t>
+            </a:r>
+            <a:r>
+              <a:rPr lang="ko-KR" altLang="en-US" sz="1300" dirty="0"/>
+              <a:t>자녀가 성장하는 과정에서 필요한 것들을 제공해주면서도 그들이 스스로 문제를 해결할 수 있도록 </a:t>
+            </a:r>
+            <a:r>
+              <a:rPr lang="ko-KR" altLang="en-US" sz="1300" dirty="0" err="1"/>
+              <a:t>해야한다</a:t>
+            </a:r>
+            <a:r>
+              <a:rPr lang="en-US" altLang="ko-KR" sz="1300" dirty="0"/>
+              <a:t>.',</a:t>
+            </a:r>
+            <a:endParaRPr lang="ko-KR" altLang="en-US" sz="1300" dirty="0"/>
           </a:p>
           <a:p>
             <a:endParaRPr lang="ko-KR" altLang="en-US" dirty="0"/>
           </a:p>
         </p:txBody>
       </p:sp>
+      <p:pic>
+        <p:nvPicPr>
+          <p:cNvPr id="9" name="그림 8">
+            <a:extLst>
+              <a:ext uri="{FF2B5EF4-FFF2-40B4-BE49-F238E27FC236}">
+                <a16:creationId xmlns:a16="http://schemas.microsoft.com/office/drawing/2014/main" id="{4F2CB139-E502-1FB1-1A73-A3C59ED68783}"/>
+              </a:ext>
+            </a:extLst>
+          </p:cNvPr>
+          <p:cNvPicPr>
+            <a:picLocks noChangeAspect="1"/>
+          </p:cNvPicPr>
+          <p:nvPr/>
+        </p:nvPicPr>
+        <p:blipFill>
+          <a:blip r:embed="rId2"/>
+          <a:stretch>
+            <a:fillRect/>
+          </a:stretch>
+        </p:blipFill>
+        <p:spPr>
+          <a:xfrm>
+            <a:off x="683568" y="5401158"/>
+            <a:ext cx="6788071" cy="764590"/>
+          </a:xfrm>
+          <a:prstGeom prst="rect">
+            <a:avLst/>
+          </a:prstGeom>
+        </p:spPr>
+      </p:pic>
     </p:spTree>
     <p:extLst>
       <p:ext uri="{BB962C8B-B14F-4D97-AF65-F5344CB8AC3E}">
-        <p14:creationId xmlns:p14="http://schemas.microsoft.com/office/powerpoint/2010/main" val="555703855"/>
+        <p14:creationId xmlns:p14="http://schemas.microsoft.com/office/powerpoint/2010/main" val="3037934044"/>
+      </p:ext>
+    </p:extLst>
+  </p:cSld>
+  <p:clrMapOvr>
+    <a:masterClrMapping/>
+  </p:clrMapOvr>
+</p:sld>
+</file>
+
+<file path=ppt/slides/slide15.xml><?xml version="1.0" encoding="utf-8"?>
+<p:sld xmlns:a="http://schemas.openxmlformats.org/drawingml/2006/main" xmlns:r="http://schemas.openxmlformats.org/officeDocument/2006/relationships" xmlns:p="http://schemas.openxmlformats.org/presentationml/2006/main">
+  <p:cSld>
+    <p:spTree>
+      <p:nvGrpSpPr>
+        <p:cNvPr id="1" name=""/>
+        <p:cNvGrpSpPr/>
+        <p:nvPr/>
+      </p:nvGrpSpPr>
+      <p:grpSpPr>
+        <a:xfrm>
+          <a:off x="0" y="0"/>
+          <a:ext cx="0" cy="0"/>
+          <a:chOff x="0" y="0"/>
+          <a:chExt cx="0" cy="0"/>
+        </a:xfrm>
+      </p:grpSpPr>
+      <p:sp>
+        <p:nvSpPr>
+          <p:cNvPr id="2" name="제목 1"/>
+          <p:cNvSpPr>
+            <a:spLocks noGrp="1"/>
+          </p:cNvSpPr>
+          <p:nvPr>
+            <p:ph type="title"/>
+          </p:nvPr>
+        </p:nvSpPr>
+        <p:spPr/>
+        <p:txBody>
+          <a:bodyPr>
+            <a:normAutofit/>
+          </a:bodyPr>
+          <a:lstStyle/>
+          <a:p>
+            <a:r>
+              <a:rPr lang="ko-KR" altLang="en-US" b="1" dirty="0"/>
+              <a:t>사용 모델 선정</a:t>
+            </a:r>
+          </a:p>
+        </p:txBody>
+      </p:sp>
+      <p:sp>
+        <p:nvSpPr>
+          <p:cNvPr id="5" name="내용 개체 틀 4">
+            <a:extLst>
+              <a:ext uri="{FF2B5EF4-FFF2-40B4-BE49-F238E27FC236}">
+                <a16:creationId xmlns:a16="http://schemas.microsoft.com/office/drawing/2014/main" id="{C5800898-0CC8-E671-5064-49832DB5EFBC}"/>
+              </a:ext>
+            </a:extLst>
+          </p:cNvPr>
+          <p:cNvSpPr txBox="1">
+            <a:spLocks noGrp="1"/>
+          </p:cNvSpPr>
+          <p:nvPr>
+            <p:ph idx="1"/>
+          </p:nvPr>
+        </p:nvSpPr>
+        <p:spPr>
+          <a:xfrm>
+            <a:off x="457200" y="1600200"/>
+            <a:ext cx="8229600" cy="461665"/>
+          </a:xfrm>
+          <a:prstGeom prst="rect">
+            <a:avLst/>
+          </a:prstGeom>
+          <a:noFill/>
+        </p:spPr>
+        <p:txBody>
+          <a:bodyPr wrap="square" rtlCol="0">
+            <a:spAutoFit/>
+          </a:bodyPr>
+          <a:lstStyle/>
+          <a:p>
+            <a:r>
+              <a:rPr lang="en-US" altLang="ko-KR" dirty="0"/>
+              <a:t>3)</a:t>
+            </a:r>
+            <a:r>
+              <a:rPr lang="ko-KR" altLang="en-US" dirty="0"/>
+              <a:t> 요약 생성 흐름도</a:t>
+            </a:r>
+            <a:endParaRPr lang="ko-KR" altLang="en-US" b="1" dirty="0"/>
+          </a:p>
+        </p:txBody>
+      </p:sp>
+      <p:sp>
+        <p:nvSpPr>
+          <p:cNvPr id="13" name="TextBox 12">
+            <a:extLst>
+              <a:ext uri="{FF2B5EF4-FFF2-40B4-BE49-F238E27FC236}">
+                <a16:creationId xmlns:a16="http://schemas.microsoft.com/office/drawing/2014/main" id="{F5D12FCB-3CE1-750E-604A-3EB211E8B735}"/>
+              </a:ext>
+            </a:extLst>
+          </p:cNvPr>
+          <p:cNvSpPr txBox="1"/>
+          <p:nvPr/>
+        </p:nvSpPr>
+        <p:spPr>
+          <a:xfrm>
+            <a:off x="2810514" y="3047128"/>
+            <a:ext cx="4572000" cy="646331"/>
+          </a:xfrm>
+          <a:prstGeom prst="rect">
+            <a:avLst/>
+          </a:prstGeom>
+          <a:noFill/>
+        </p:spPr>
+        <p:txBody>
+          <a:bodyPr wrap="square" rtlCol="0">
+            <a:spAutoFit/>
+          </a:bodyPr>
+          <a:lstStyle/>
+          <a:p>
+            <a:endParaRPr lang="en-US" altLang="ko-KR" b="0" i="0" dirty="0">
+              <a:solidFill>
+                <a:srgbClr val="374151"/>
+              </a:solidFill>
+              <a:effectLst/>
+              <a:latin typeface="맑은 고딕" panose="020B0503020000020004" pitchFamily="50" charset="-127"/>
+              <a:ea typeface="맑은 고딕" panose="020B0503020000020004" pitchFamily="50" charset="-127"/>
+            </a:endParaRPr>
+          </a:p>
+          <a:p>
+            <a:r>
+              <a:rPr lang="ko-KR" altLang="en-US" dirty="0">
+                <a:solidFill>
+                  <a:srgbClr val="374151"/>
+                </a:solidFill>
+                <a:latin typeface="맑은 고딕" panose="020B0503020000020004" pitchFamily="50" charset="-127"/>
+                <a:ea typeface="맑은 고딕" panose="020B0503020000020004" pitchFamily="50" charset="-127"/>
+              </a:rPr>
+              <a:t> </a:t>
+            </a:r>
+            <a:endParaRPr lang="ko-KR" altLang="en-US" dirty="0">
+              <a:latin typeface="맑은 고딕" panose="020B0503020000020004" pitchFamily="50" charset="-127"/>
+              <a:ea typeface="맑은 고딕" panose="020B0503020000020004" pitchFamily="50" charset="-127"/>
+            </a:endParaRPr>
+          </a:p>
+        </p:txBody>
+      </p:sp>
+      <p:pic>
+        <p:nvPicPr>
+          <p:cNvPr id="6" name="그림 5">
+            <a:extLst>
+              <a:ext uri="{FF2B5EF4-FFF2-40B4-BE49-F238E27FC236}">
+                <a16:creationId xmlns:a16="http://schemas.microsoft.com/office/drawing/2014/main" id="{C2A9E84F-19A1-C5A3-0FFC-E7B11F2C3C12}"/>
+              </a:ext>
+            </a:extLst>
+          </p:cNvPr>
+          <p:cNvPicPr>
+            <a:picLocks noChangeAspect="1"/>
+          </p:cNvPicPr>
+          <p:nvPr/>
+        </p:nvPicPr>
+        <p:blipFill>
+          <a:blip r:embed="rId3"/>
+          <a:stretch>
+            <a:fillRect/>
+          </a:stretch>
+        </p:blipFill>
+        <p:spPr>
+          <a:xfrm>
+            <a:off x="971600" y="2219255"/>
+            <a:ext cx="7056784" cy="3975783"/>
+          </a:xfrm>
+          <a:prstGeom prst="rect">
+            <a:avLst/>
+          </a:prstGeom>
+        </p:spPr>
+      </p:pic>
+    </p:spTree>
+    <p:extLst>
+      <p:ext uri="{BB962C8B-B14F-4D97-AF65-F5344CB8AC3E}">
+        <p14:creationId xmlns:p14="http://schemas.microsoft.com/office/powerpoint/2010/main" val="708909838"/>
+      </p:ext>
+    </p:extLst>
+  </p:cSld>
+  <p:clrMapOvr>
+    <a:masterClrMapping/>
+  </p:clrMapOvr>
+</p:sld>
+</file>
+
+<file path=ppt/slides/slide16.xml><?xml version="1.0" encoding="utf-8"?>
+<p:sld xmlns:a="http://schemas.openxmlformats.org/drawingml/2006/main" xmlns:r="http://schemas.openxmlformats.org/officeDocument/2006/relationships" xmlns:p="http://schemas.openxmlformats.org/presentationml/2006/main">
+  <p:cSld>
+    <p:spTree>
+      <p:nvGrpSpPr>
+        <p:cNvPr id="1" name=""/>
+        <p:cNvGrpSpPr/>
+        <p:nvPr/>
+      </p:nvGrpSpPr>
+      <p:grpSpPr>
+        <a:xfrm>
+          <a:off x="0" y="0"/>
+          <a:ext cx="0" cy="0"/>
+          <a:chOff x="0" y="0"/>
+          <a:chExt cx="0" cy="0"/>
+        </a:xfrm>
+      </p:grpSpPr>
+      <p:sp>
+        <p:nvSpPr>
+          <p:cNvPr id="2" name="제목 1"/>
+          <p:cNvSpPr>
+            <a:spLocks noGrp="1"/>
+          </p:cNvSpPr>
+          <p:nvPr>
+            <p:ph type="title"/>
+          </p:nvPr>
+        </p:nvSpPr>
+        <p:spPr/>
+        <p:txBody>
+          <a:bodyPr>
+            <a:normAutofit/>
+          </a:bodyPr>
+          <a:lstStyle/>
+          <a:p>
+            <a:r>
+              <a:rPr lang="ko-KR" altLang="en-US" dirty="0"/>
+              <a:t>실행 계획</a:t>
+            </a:r>
+            <a:r>
+              <a:rPr lang="en-US" altLang="ko-KR" dirty="0"/>
+              <a:t>, </a:t>
+            </a:r>
+            <a:r>
+              <a:rPr lang="ko-KR" altLang="en-US" dirty="0"/>
+              <a:t>방법 및 설계</a:t>
+            </a:r>
+          </a:p>
+        </p:txBody>
+      </p:sp>
+      <p:sp>
+        <p:nvSpPr>
+          <p:cNvPr id="3" name="내용 개체 틀 2"/>
+          <p:cNvSpPr>
+            <a:spLocks noGrp="1"/>
+          </p:cNvSpPr>
+          <p:nvPr>
+            <p:ph idx="1"/>
+          </p:nvPr>
+        </p:nvSpPr>
+        <p:spPr/>
+        <p:txBody>
+          <a:bodyPr/>
+          <a:lstStyle/>
+          <a:p>
+            <a:r>
+              <a:rPr lang="ko-KR" altLang="en-US" dirty="0"/>
+              <a:t>전체 요약 생성</a:t>
+            </a:r>
+            <a:endParaRPr lang="en-US" altLang="ko-KR" dirty="0"/>
+          </a:p>
+          <a:p>
+            <a:pPr marL="0" indent="0">
+              <a:buNone/>
+            </a:pPr>
+            <a:r>
+              <a:rPr lang="ko-KR" altLang="en-US" kern="100" dirty="0">
+                <a:latin typeface="맑은 고딕" panose="020B0503020000020004" pitchFamily="50" charset="-127"/>
+                <a:ea typeface="맑은 고딕" panose="020B0503020000020004" pitchFamily="50" charset="-127"/>
+                <a:cs typeface="Times New Roman" panose="02020603050405020304" pitchFamily="18" charset="0"/>
+              </a:rPr>
+              <a:t>요약</a:t>
+            </a:r>
+            <a:r>
+              <a:rPr lang="ko-KR" altLang="en-US" dirty="0"/>
+              <a:t> </a:t>
+            </a:r>
+            <a:r>
+              <a:rPr lang="en-US" altLang="ko-KR" kern="100" dirty="0">
+                <a:latin typeface="맑은 고딕" panose="020B0503020000020004" pitchFamily="50" charset="-127"/>
+                <a:ea typeface="맑은 고딕" panose="020B0503020000020004" pitchFamily="50" charset="-127"/>
+                <a:cs typeface="Times New Roman" panose="02020603050405020304" pitchFamily="18" charset="0"/>
+              </a:rPr>
+              <a:t>– AI HUB, </a:t>
+            </a:r>
+            <a:r>
+              <a:rPr lang="ko-KR" altLang="en-US" kern="100" dirty="0">
+                <a:latin typeface="맑은 고딕" panose="020B0503020000020004" pitchFamily="50" charset="-127"/>
+                <a:ea typeface="맑은 고딕" panose="020B0503020000020004" pitchFamily="50" charset="-127"/>
+                <a:cs typeface="Times New Roman" panose="02020603050405020304" pitchFamily="18" charset="0"/>
+              </a:rPr>
+              <a:t>요약문 및 </a:t>
+            </a:r>
+            <a:r>
+              <a:rPr lang="ko-KR" altLang="en-US" kern="100" dirty="0" err="1">
+                <a:latin typeface="맑은 고딕" panose="020B0503020000020004" pitchFamily="50" charset="-127"/>
+                <a:ea typeface="맑은 고딕" panose="020B0503020000020004" pitchFamily="50" charset="-127"/>
+                <a:cs typeface="Times New Roman" panose="02020603050405020304" pitchFamily="18" charset="0"/>
+              </a:rPr>
+              <a:t>레포트</a:t>
+            </a:r>
+            <a:r>
+              <a:rPr lang="ko-KR" altLang="en-US" kern="100" dirty="0">
+                <a:latin typeface="맑은 고딕" panose="020B0503020000020004" pitchFamily="50" charset="-127"/>
+                <a:ea typeface="맑은 고딕" panose="020B0503020000020004" pitchFamily="50" charset="-127"/>
+                <a:cs typeface="Times New Roman" panose="02020603050405020304" pitchFamily="18" charset="0"/>
+              </a:rPr>
+              <a:t> 생성 데이터</a:t>
+            </a:r>
+            <a:endParaRPr lang="ko-KR" altLang="en-US" dirty="0"/>
+          </a:p>
+        </p:txBody>
+      </p:sp>
+      <p:pic>
+        <p:nvPicPr>
+          <p:cNvPr id="4" name="그림 3">
+            <a:extLst>
+              <a:ext uri="{FF2B5EF4-FFF2-40B4-BE49-F238E27FC236}">
+                <a16:creationId xmlns:a16="http://schemas.microsoft.com/office/drawing/2014/main" id="{C819D476-BA90-868C-6D56-A0467B2A2D57}"/>
+              </a:ext>
+            </a:extLst>
+          </p:cNvPr>
+          <p:cNvPicPr>
+            <a:picLocks noChangeAspect="1"/>
+          </p:cNvPicPr>
+          <p:nvPr/>
+        </p:nvPicPr>
+        <p:blipFill>
+          <a:blip r:embed="rId2"/>
+          <a:stretch>
+            <a:fillRect/>
+          </a:stretch>
+        </p:blipFill>
+        <p:spPr>
+          <a:xfrm>
+            <a:off x="611560" y="2708920"/>
+            <a:ext cx="5570036" cy="2224095"/>
+          </a:xfrm>
+          <a:prstGeom prst="rect">
+            <a:avLst/>
+          </a:prstGeom>
+        </p:spPr>
+      </p:pic>
+    </p:spTree>
+    <p:extLst>
+      <p:ext uri="{BB962C8B-B14F-4D97-AF65-F5344CB8AC3E}">
+        <p14:creationId xmlns:p14="http://schemas.microsoft.com/office/powerpoint/2010/main" val="2018146493"/>
+      </p:ext>
+    </p:extLst>
+  </p:cSld>
+  <p:clrMapOvr>
+    <a:masterClrMapping/>
+  </p:clrMapOvr>
+</p:sld>
+</file>
+
+<file path=ppt/slides/slide17.xml><?xml version="1.0" encoding="utf-8"?>
+<p:sld xmlns:a="http://schemas.openxmlformats.org/drawingml/2006/main" xmlns:r="http://schemas.openxmlformats.org/officeDocument/2006/relationships" xmlns:p="http://schemas.openxmlformats.org/presentationml/2006/main">
+  <p:cSld>
+    <p:spTree>
+      <p:nvGrpSpPr>
+        <p:cNvPr id="1" name=""/>
+        <p:cNvGrpSpPr/>
+        <p:nvPr/>
+      </p:nvGrpSpPr>
+      <p:grpSpPr>
+        <a:xfrm>
+          <a:off x="0" y="0"/>
+          <a:ext cx="0" cy="0"/>
+          <a:chOff x="0" y="0"/>
+          <a:chExt cx="0" cy="0"/>
+        </a:xfrm>
+      </p:grpSpPr>
+      <p:sp>
+        <p:nvSpPr>
+          <p:cNvPr id="2" name="제목 1"/>
+          <p:cNvSpPr>
+            <a:spLocks noGrp="1"/>
+          </p:cNvSpPr>
+          <p:nvPr>
+            <p:ph type="title"/>
+          </p:nvPr>
+        </p:nvSpPr>
+        <p:spPr/>
+        <p:txBody>
+          <a:bodyPr>
+            <a:normAutofit/>
+          </a:bodyPr>
+          <a:lstStyle/>
+          <a:p>
+            <a:r>
+              <a:rPr lang="ko-KR" altLang="en-US" dirty="0"/>
+              <a:t>실행 계획</a:t>
+            </a:r>
+            <a:r>
+              <a:rPr lang="en-US" altLang="ko-KR" dirty="0"/>
+              <a:t>, </a:t>
+            </a:r>
+            <a:r>
+              <a:rPr lang="ko-KR" altLang="en-US" dirty="0"/>
+              <a:t>방법 및 설계</a:t>
+            </a:r>
+          </a:p>
+        </p:txBody>
+      </p:sp>
+      <p:sp>
+        <p:nvSpPr>
+          <p:cNvPr id="3" name="내용 개체 틀 2"/>
+          <p:cNvSpPr>
+            <a:spLocks noGrp="1"/>
+          </p:cNvSpPr>
+          <p:nvPr>
+            <p:ph idx="1"/>
+          </p:nvPr>
+        </p:nvSpPr>
+        <p:spPr/>
+        <p:txBody>
+          <a:bodyPr/>
+          <a:lstStyle/>
+          <a:p>
+            <a:r>
+              <a:rPr lang="ko-KR" altLang="en-US" dirty="0" err="1"/>
+              <a:t>화자별</a:t>
+            </a:r>
+            <a:r>
+              <a:rPr lang="ko-KR" altLang="en-US" dirty="0"/>
+              <a:t> 요약 생성</a:t>
+            </a:r>
+          </a:p>
+        </p:txBody>
+      </p:sp>
+      <p:pic>
+        <p:nvPicPr>
+          <p:cNvPr id="8" name="그림 7">
+            <a:extLst>
+              <a:ext uri="{FF2B5EF4-FFF2-40B4-BE49-F238E27FC236}">
+                <a16:creationId xmlns:a16="http://schemas.microsoft.com/office/drawing/2014/main" id="{A2904FD9-C005-0077-67F7-87CBC132EDA5}"/>
+              </a:ext>
+            </a:extLst>
+          </p:cNvPr>
+          <p:cNvPicPr>
+            <a:picLocks noChangeAspect="1"/>
+          </p:cNvPicPr>
+          <p:nvPr/>
+        </p:nvPicPr>
+        <p:blipFill>
+          <a:blip r:embed="rId2"/>
+          <a:stretch>
+            <a:fillRect/>
+          </a:stretch>
+        </p:blipFill>
+        <p:spPr>
+          <a:xfrm>
+            <a:off x="-684584" y="2233612"/>
+            <a:ext cx="7229475" cy="3609975"/>
+          </a:xfrm>
+          <a:prstGeom prst="rect">
+            <a:avLst/>
+          </a:prstGeom>
+        </p:spPr>
+      </p:pic>
+    </p:spTree>
+    <p:extLst>
+      <p:ext uri="{BB962C8B-B14F-4D97-AF65-F5344CB8AC3E}">
+        <p14:creationId xmlns:p14="http://schemas.microsoft.com/office/powerpoint/2010/main" val="2367271874"/>
+      </p:ext>
+    </p:extLst>
+  </p:cSld>
+  <p:clrMapOvr>
+    <a:masterClrMapping/>
+  </p:clrMapOvr>
+</p:sld>
+</file>
+
+<file path=ppt/slides/slide18.xml><?xml version="1.0" encoding="utf-8"?>
+<p:sld xmlns:a="http://schemas.openxmlformats.org/drawingml/2006/main" xmlns:r="http://schemas.openxmlformats.org/officeDocument/2006/relationships" xmlns:p="http://schemas.openxmlformats.org/presentationml/2006/main">
+  <p:cSld>
+    <p:spTree>
+      <p:nvGrpSpPr>
+        <p:cNvPr id="1" name=""/>
+        <p:cNvGrpSpPr/>
+        <p:nvPr/>
+      </p:nvGrpSpPr>
+      <p:grpSpPr>
+        <a:xfrm>
+          <a:off x="0" y="0"/>
+          <a:ext cx="0" cy="0"/>
+          <a:chOff x="0" y="0"/>
+          <a:chExt cx="0" cy="0"/>
+        </a:xfrm>
+      </p:grpSpPr>
+      <p:sp>
+        <p:nvSpPr>
+          <p:cNvPr id="2" name="제목 1"/>
+          <p:cNvSpPr>
+            <a:spLocks noGrp="1"/>
+          </p:cNvSpPr>
+          <p:nvPr>
+            <p:ph type="title"/>
+          </p:nvPr>
+        </p:nvSpPr>
+        <p:spPr/>
+        <p:txBody>
+          <a:bodyPr/>
+          <a:lstStyle/>
+          <a:p>
+            <a:r>
+              <a:rPr lang="en-US" altLang="ko-KR" dirty="0"/>
+              <a:t>Contributions</a:t>
+            </a:r>
+            <a:endParaRPr lang="ko-KR" altLang="en-US" dirty="0"/>
+          </a:p>
+        </p:txBody>
+      </p:sp>
+      <p:sp>
+        <p:nvSpPr>
+          <p:cNvPr id="3" name="내용 개체 틀 2"/>
+          <p:cNvSpPr>
+            <a:spLocks noGrp="1"/>
+          </p:cNvSpPr>
+          <p:nvPr>
+            <p:ph idx="1"/>
+          </p:nvPr>
+        </p:nvSpPr>
+        <p:spPr/>
+        <p:txBody>
+          <a:bodyPr/>
+          <a:lstStyle/>
+          <a:p>
+            <a:r>
+              <a:rPr lang="ko-KR" altLang="en-US" dirty="0"/>
+              <a:t>수행한 프로젝트의 중요 기여 사항 강조</a:t>
+            </a:r>
+            <a:endParaRPr lang="en-US" altLang="ko-KR" dirty="0"/>
+          </a:p>
+          <a:p>
+            <a:endParaRPr lang="ko-KR" altLang="en-US" dirty="0"/>
+          </a:p>
+        </p:txBody>
+      </p:sp>
+    </p:spTree>
+    <p:extLst>
+      <p:ext uri="{BB962C8B-B14F-4D97-AF65-F5344CB8AC3E}">
+        <p14:creationId xmlns:p14="http://schemas.microsoft.com/office/powerpoint/2010/main" val="958563621"/>
+      </p:ext>
+    </p:extLst>
+  </p:cSld>
+  <p:clrMapOvr>
+    <a:masterClrMapping/>
+  </p:clrMapOvr>
+</p:sld>
+</file>
+
+<file path=ppt/slides/slide19.xml><?xml version="1.0" encoding="utf-8"?>
+<p:sld xmlns:a="http://schemas.openxmlformats.org/drawingml/2006/main" xmlns:r="http://schemas.openxmlformats.org/officeDocument/2006/relationships" xmlns:p="http://schemas.openxmlformats.org/presentationml/2006/main">
+  <p:cSld>
+    <p:spTree>
+      <p:nvGrpSpPr>
+        <p:cNvPr id="1" name=""/>
+        <p:cNvGrpSpPr/>
+        <p:nvPr/>
+      </p:nvGrpSpPr>
+      <p:grpSpPr>
+        <a:xfrm>
+          <a:off x="0" y="0"/>
+          <a:ext cx="0" cy="0"/>
+          <a:chOff x="0" y="0"/>
+          <a:chExt cx="0" cy="0"/>
+        </a:xfrm>
+      </p:grpSpPr>
+      <p:sp>
+        <p:nvSpPr>
+          <p:cNvPr id="2" name="제목 1"/>
+          <p:cNvSpPr>
+            <a:spLocks noGrp="1"/>
+          </p:cNvSpPr>
+          <p:nvPr>
+            <p:ph type="title"/>
+          </p:nvPr>
+        </p:nvSpPr>
+        <p:spPr/>
+        <p:txBody>
+          <a:bodyPr/>
+          <a:lstStyle/>
+          <a:p>
+            <a:r>
+              <a:rPr lang="en-US" altLang="ko-KR" dirty="0"/>
+              <a:t>Conclusions and Expected results</a:t>
+            </a:r>
+            <a:endParaRPr lang="ko-KR" altLang="en-US" dirty="0"/>
+          </a:p>
+        </p:txBody>
+      </p:sp>
+      <p:sp>
+        <p:nvSpPr>
+          <p:cNvPr id="3" name="내용 개체 틀 2"/>
+          <p:cNvSpPr>
+            <a:spLocks noGrp="1"/>
+          </p:cNvSpPr>
+          <p:nvPr>
+            <p:ph idx="1"/>
+          </p:nvPr>
+        </p:nvSpPr>
+        <p:spPr/>
+        <p:txBody>
+          <a:bodyPr/>
+          <a:lstStyle/>
+          <a:p>
+            <a:endParaRPr lang="ko-KR" altLang="en-US"/>
+          </a:p>
+        </p:txBody>
+      </p:sp>
+    </p:spTree>
+    <p:extLst>
+      <p:ext uri="{BB962C8B-B14F-4D97-AF65-F5344CB8AC3E}">
+        <p14:creationId xmlns:p14="http://schemas.microsoft.com/office/powerpoint/2010/main" val="1357611919"/>
       </p:ext>
     </p:extLst>
   </p:cSld>
@@ -5130,7 +6420,7 @@
             <a:pPr lvl="1"/>
             <a:r>
               <a:rPr lang="ko-KR" altLang="en-US" dirty="0"/>
-              <a:t>기본 음성 요약 시스템에 화자 분리를 적용하여 요약의 성능 개선</a:t>
+              <a:t>기존 음성 요약 시스템에 화자 분리 기술을 적용하여 요약 품질 향상 기대</a:t>
             </a:r>
             <a:endParaRPr lang="en-US" altLang="ko-KR" dirty="0"/>
           </a:p>
@@ -5144,6 +6434,408 @@
     <p:extLst>
       <p:ext uri="{BB962C8B-B14F-4D97-AF65-F5344CB8AC3E}">
         <p14:creationId xmlns:p14="http://schemas.microsoft.com/office/powerpoint/2010/main" val="1385364846"/>
+      </p:ext>
+    </p:extLst>
+  </p:cSld>
+  <p:clrMapOvr>
+    <a:masterClrMapping/>
+  </p:clrMapOvr>
+</p:sld>
+</file>
+
+<file path=ppt/slides/slide20.xml><?xml version="1.0" encoding="utf-8"?>
+<p:sld xmlns:a="http://schemas.openxmlformats.org/drawingml/2006/main" xmlns:r="http://schemas.openxmlformats.org/officeDocument/2006/relationships" xmlns:p="http://schemas.openxmlformats.org/presentationml/2006/main">
+  <p:cSld>
+    <p:spTree>
+      <p:nvGrpSpPr>
+        <p:cNvPr id="1" name=""/>
+        <p:cNvGrpSpPr/>
+        <p:nvPr/>
+      </p:nvGrpSpPr>
+      <p:grpSpPr>
+        <a:xfrm>
+          <a:off x="0" y="0"/>
+          <a:ext cx="0" cy="0"/>
+          <a:chOff x="0" y="0"/>
+          <a:chExt cx="0" cy="0"/>
+        </a:xfrm>
+      </p:grpSpPr>
+      <p:sp>
+        <p:nvSpPr>
+          <p:cNvPr id="2" name="제목 1"/>
+          <p:cNvSpPr>
+            <a:spLocks noGrp="1"/>
+          </p:cNvSpPr>
+          <p:nvPr>
+            <p:ph type="title"/>
+          </p:nvPr>
+        </p:nvSpPr>
+        <p:spPr/>
+        <p:txBody>
+          <a:bodyPr/>
+          <a:lstStyle/>
+          <a:p>
+            <a:r>
+              <a:rPr lang="en-US" altLang="ko-KR" dirty="0"/>
+              <a:t>Schedule</a:t>
+            </a:r>
+            <a:endParaRPr lang="ko-KR" altLang="en-US" dirty="0"/>
+          </a:p>
+        </p:txBody>
+      </p:sp>
+      <p:sp>
+        <p:nvSpPr>
+          <p:cNvPr id="3" name="내용 개체 틀 2"/>
+          <p:cNvSpPr>
+            <a:spLocks noGrp="1"/>
+          </p:cNvSpPr>
+          <p:nvPr>
+            <p:ph idx="1"/>
+          </p:nvPr>
+        </p:nvSpPr>
+        <p:spPr/>
+        <p:txBody>
+          <a:bodyPr/>
+          <a:lstStyle/>
+          <a:p>
+            <a:endParaRPr lang="ko-KR" altLang="en-US"/>
+          </a:p>
+        </p:txBody>
+      </p:sp>
+    </p:spTree>
+    <p:extLst>
+      <p:ext uri="{BB962C8B-B14F-4D97-AF65-F5344CB8AC3E}">
+        <p14:creationId xmlns:p14="http://schemas.microsoft.com/office/powerpoint/2010/main" val="3439183929"/>
+      </p:ext>
+    </p:extLst>
+  </p:cSld>
+  <p:clrMapOvr>
+    <a:masterClrMapping/>
+  </p:clrMapOvr>
+</p:sld>
+</file>
+
+<file path=ppt/slides/slide21.xml><?xml version="1.0" encoding="utf-8"?>
+<p:sld xmlns:a="http://schemas.openxmlformats.org/drawingml/2006/main" xmlns:r="http://schemas.openxmlformats.org/officeDocument/2006/relationships" xmlns:p="http://schemas.openxmlformats.org/presentationml/2006/main">
+  <p:cSld>
+    <p:spTree>
+      <p:nvGrpSpPr>
+        <p:cNvPr id="1" name=""/>
+        <p:cNvGrpSpPr/>
+        <p:nvPr/>
+      </p:nvGrpSpPr>
+      <p:grpSpPr>
+        <a:xfrm>
+          <a:off x="0" y="0"/>
+          <a:ext cx="0" cy="0"/>
+          <a:chOff x="0" y="0"/>
+          <a:chExt cx="0" cy="0"/>
+        </a:xfrm>
+      </p:grpSpPr>
+      <p:sp>
+        <p:nvSpPr>
+          <p:cNvPr id="2" name="제목 1"/>
+          <p:cNvSpPr>
+            <a:spLocks noGrp="1"/>
+          </p:cNvSpPr>
+          <p:nvPr>
+            <p:ph type="title"/>
+          </p:nvPr>
+        </p:nvSpPr>
+        <p:spPr/>
+        <p:txBody>
+          <a:bodyPr/>
+          <a:lstStyle/>
+          <a:p>
+            <a:r>
+              <a:rPr lang="en-US" altLang="ko-KR" dirty="0"/>
+              <a:t>References</a:t>
+            </a:r>
+            <a:endParaRPr lang="ko-KR" altLang="en-US" dirty="0"/>
+          </a:p>
+        </p:txBody>
+      </p:sp>
+      <p:sp>
+        <p:nvSpPr>
+          <p:cNvPr id="3" name="내용 개체 틀 2"/>
+          <p:cNvSpPr>
+            <a:spLocks noGrp="1"/>
+          </p:cNvSpPr>
+          <p:nvPr>
+            <p:ph idx="1"/>
+          </p:nvPr>
+        </p:nvSpPr>
+        <p:spPr/>
+        <p:txBody>
+          <a:bodyPr/>
+          <a:lstStyle/>
+          <a:p>
+            <a:r>
+              <a:rPr lang="en-US" altLang="ko-KR" sz="2400" b="0" i="0" dirty="0" err="1">
+                <a:solidFill>
+                  <a:srgbClr val="374151"/>
+                </a:solidFill>
+                <a:effectLst/>
+                <a:latin typeface="Söhne"/>
+              </a:rPr>
+              <a:t>Cosentino</a:t>
+            </a:r>
+            <a:r>
+              <a:rPr lang="en-US" altLang="ko-KR" sz="2400" b="0" i="0" dirty="0">
+                <a:solidFill>
+                  <a:srgbClr val="374151"/>
+                </a:solidFill>
+                <a:effectLst/>
+                <a:latin typeface="Söhne"/>
+              </a:rPr>
+              <a:t>, J., </a:t>
+            </a:r>
+            <a:r>
+              <a:rPr lang="en-US" altLang="ko-KR" sz="2400" b="0" i="0" dirty="0" err="1">
+                <a:solidFill>
+                  <a:srgbClr val="374151"/>
+                </a:solidFill>
+                <a:effectLst/>
+                <a:latin typeface="Söhne"/>
+              </a:rPr>
+              <a:t>Pariente</a:t>
+            </a:r>
+            <a:r>
+              <a:rPr lang="en-US" altLang="ko-KR" sz="2400" b="0" i="0" dirty="0">
+                <a:solidFill>
+                  <a:srgbClr val="374151"/>
+                </a:solidFill>
+                <a:effectLst/>
+                <a:latin typeface="Söhne"/>
+              </a:rPr>
+              <a:t>, M., Cornell, S., </a:t>
+            </a:r>
+            <a:r>
+              <a:rPr lang="en-US" altLang="ko-KR" sz="2400" b="0" i="0" dirty="0" err="1">
+                <a:solidFill>
+                  <a:srgbClr val="374151"/>
+                </a:solidFill>
+                <a:effectLst/>
+                <a:latin typeface="Söhne"/>
+              </a:rPr>
+              <a:t>Deleforge</a:t>
+            </a:r>
+            <a:r>
+              <a:rPr lang="en-US" altLang="ko-KR" sz="2400" b="0" i="0" dirty="0">
+                <a:solidFill>
+                  <a:srgbClr val="374151"/>
+                </a:solidFill>
+                <a:effectLst/>
+                <a:latin typeface="Söhne"/>
+              </a:rPr>
+              <a:t>, A., &amp; Vincent, E. (2020). </a:t>
+            </a:r>
+            <a:r>
+              <a:rPr lang="en-US" altLang="ko-KR" sz="2400" b="0" i="0" dirty="0" err="1">
+                <a:solidFill>
+                  <a:srgbClr val="374151"/>
+                </a:solidFill>
+                <a:effectLst/>
+                <a:latin typeface="Söhne"/>
+              </a:rPr>
+              <a:t>LibriMix</a:t>
+            </a:r>
+            <a:r>
+              <a:rPr lang="en-US" altLang="ko-KR" sz="2400" b="0" i="0" dirty="0">
+                <a:solidFill>
+                  <a:srgbClr val="374151"/>
+                </a:solidFill>
+                <a:effectLst/>
+                <a:latin typeface="Söhne"/>
+              </a:rPr>
+              <a:t>: An Open-Source Dataset for Generalizable Speech Separation. Submitted to INTERSPEECH 2020.</a:t>
+            </a:r>
+          </a:p>
+          <a:p>
+            <a:r>
+              <a:rPr lang="en-US" altLang="ko-KR" b="0" i="0" dirty="0" err="1">
+                <a:solidFill>
+                  <a:srgbClr val="374151"/>
+                </a:solidFill>
+                <a:effectLst/>
+                <a:latin typeface="Söhne"/>
+              </a:rPr>
+              <a:t>Subakan</a:t>
+            </a:r>
+            <a:r>
+              <a:rPr lang="en-US" altLang="ko-KR" b="0" i="0" dirty="0">
+                <a:solidFill>
+                  <a:srgbClr val="374151"/>
+                </a:solidFill>
+                <a:effectLst/>
+                <a:latin typeface="Söhne"/>
+              </a:rPr>
+              <a:t>, C., </a:t>
+            </a:r>
+            <a:r>
+              <a:rPr lang="en-US" altLang="ko-KR" b="0" i="0" dirty="0" err="1">
+                <a:solidFill>
+                  <a:srgbClr val="374151"/>
+                </a:solidFill>
+                <a:effectLst/>
+                <a:latin typeface="Söhne"/>
+              </a:rPr>
+              <a:t>Ravanelli</a:t>
+            </a:r>
+            <a:r>
+              <a:rPr lang="en-US" altLang="ko-KR" b="0" i="0" dirty="0">
+                <a:solidFill>
+                  <a:srgbClr val="374151"/>
+                </a:solidFill>
+                <a:effectLst/>
+                <a:latin typeface="Söhne"/>
+              </a:rPr>
+              <a:t>, M., Cornell, S., </a:t>
+            </a:r>
+            <a:r>
+              <a:rPr lang="en-US" altLang="ko-KR" b="0" i="0" dirty="0" err="1">
+                <a:solidFill>
+                  <a:srgbClr val="374151"/>
+                </a:solidFill>
+                <a:effectLst/>
+                <a:latin typeface="Söhne"/>
+              </a:rPr>
+              <a:t>Bronzi</a:t>
+            </a:r>
+            <a:r>
+              <a:rPr lang="en-US" altLang="ko-KR" b="0" i="0" dirty="0">
+                <a:solidFill>
+                  <a:srgbClr val="374151"/>
+                </a:solidFill>
+                <a:effectLst/>
+                <a:latin typeface="Söhne"/>
+              </a:rPr>
+              <a:t>, M., &amp; Zhong, J. (2021). Attention is All You Need in Speech Separation. ICASSP 2021 - 2021 IEEE International Conference on Acoustics, Speech and Signal Processing, Toronto, Canada, June 6-11, 2021, pp. 21</a:t>
+            </a:r>
+          </a:p>
+          <a:p>
+            <a:r>
+              <a:rPr lang="en-US" altLang="ko-KR" sz="2400" dirty="0">
+                <a:solidFill>
+                  <a:srgbClr val="374151"/>
+                </a:solidFill>
+                <a:latin typeface="Söhne"/>
+              </a:rPr>
+              <a:t>Aneesh </a:t>
+            </a:r>
+            <a:r>
+              <a:rPr lang="en-US" altLang="ko-KR" sz="2400" dirty="0" err="1">
+                <a:solidFill>
+                  <a:srgbClr val="374151"/>
+                </a:solidFill>
+                <a:latin typeface="Söhne"/>
+              </a:rPr>
+              <a:t>Vartakavi</a:t>
+            </a:r>
+            <a:r>
+              <a:rPr lang="en-US" altLang="ko-KR" dirty="0">
+                <a:solidFill>
+                  <a:srgbClr val="374151"/>
+                </a:solidFill>
+                <a:latin typeface="Söhne"/>
+              </a:rPr>
+              <a:t>, </a:t>
+            </a:r>
+            <a:r>
+              <a:rPr lang="en-US" altLang="ko-KR" dirty="0" err="1">
+                <a:solidFill>
+                  <a:srgbClr val="374151"/>
+                </a:solidFill>
+                <a:latin typeface="Söhne"/>
+              </a:rPr>
+              <a:t>Amanment</a:t>
+            </a:r>
+            <a:r>
+              <a:rPr lang="en-US" altLang="ko-KR" dirty="0">
+                <a:solidFill>
+                  <a:srgbClr val="374151"/>
+                </a:solidFill>
+                <a:latin typeface="Söhne"/>
+              </a:rPr>
+              <a:t> </a:t>
+            </a:r>
+            <a:r>
+              <a:rPr lang="en-US" altLang="ko-KR" dirty="0" err="1">
+                <a:solidFill>
+                  <a:srgbClr val="374151"/>
+                </a:solidFill>
+                <a:latin typeface="Söhne"/>
+              </a:rPr>
+              <a:t>Grag</a:t>
+            </a:r>
+            <a:r>
+              <a:rPr lang="en-US" altLang="ko-KR" dirty="0">
+                <a:solidFill>
+                  <a:srgbClr val="374151"/>
+                </a:solidFill>
+                <a:latin typeface="Söhne"/>
+              </a:rPr>
+              <a:t>(2020). </a:t>
+            </a:r>
+            <a:r>
+              <a:rPr lang="en-US" altLang="ko-KR" dirty="0" err="1">
+                <a:solidFill>
+                  <a:srgbClr val="374151"/>
+                </a:solidFill>
+                <a:latin typeface="Söhne"/>
+              </a:rPr>
+              <a:t>Podsumm</a:t>
+            </a:r>
+            <a:r>
+              <a:rPr lang="en-US" altLang="ko-KR" dirty="0">
+                <a:solidFill>
+                  <a:srgbClr val="374151"/>
+                </a:solidFill>
+                <a:latin typeface="Söhne"/>
+              </a:rPr>
+              <a:t>—podcast audio summarization.</a:t>
+            </a:r>
+            <a:r>
+              <a:rPr lang="en-US" altLang="ko-KR" sz="2400" b="0" i="0" dirty="0">
+                <a:solidFill>
+                  <a:srgbClr val="374151"/>
+                </a:solidFill>
+                <a:effectLst/>
+                <a:latin typeface="Söhne"/>
+              </a:rPr>
+              <a:t> Submitted to </a:t>
+            </a:r>
+            <a:r>
+              <a:rPr lang="en-US" altLang="ko-KR" sz="2400" b="0" i="0" dirty="0" err="1">
+                <a:solidFill>
+                  <a:srgbClr val="374151"/>
+                </a:solidFill>
+                <a:effectLst/>
+                <a:latin typeface="Söhne"/>
+              </a:rPr>
+              <a:t>arXiv</a:t>
+            </a:r>
+            <a:r>
+              <a:rPr lang="en-US" altLang="ko-KR" sz="2400" b="0" i="0" dirty="0">
+                <a:solidFill>
+                  <a:srgbClr val="374151"/>
+                </a:solidFill>
+                <a:effectLst/>
+                <a:latin typeface="Söhne"/>
+              </a:rPr>
+              <a:t> 2020</a:t>
+            </a:r>
+            <a:endParaRPr lang="ko-KR" altLang="en-US" sz="2400" dirty="0"/>
+          </a:p>
+          <a:p>
+            <a:endParaRPr lang="ko-KR" altLang="en-US" dirty="0"/>
+          </a:p>
+        </p:txBody>
+      </p:sp>
+    </p:spTree>
+    <p:extLst>
+      <p:ext uri="{BB962C8B-B14F-4D97-AF65-F5344CB8AC3E}">
+        <p14:creationId xmlns:p14="http://schemas.microsoft.com/office/powerpoint/2010/main" val="555703855"/>
       </p:ext>
     </p:extLst>
   </p:cSld>
@@ -5217,23 +6909,7 @@
             <a:pPr lvl="1"/>
             <a:r>
               <a:rPr lang="ko-KR" altLang="en-US" dirty="0"/>
-              <a:t>뉴스 음성에서 화자 분리 후 대본</a:t>
-            </a:r>
-            <a:r>
-              <a:rPr lang="en-US" altLang="ko-KR" dirty="0"/>
-              <a:t> </a:t>
-            </a:r>
-            <a:r>
-              <a:rPr lang="ko-KR" altLang="en-US" dirty="0"/>
-              <a:t>형식의 </a:t>
-            </a:r>
-            <a:r>
-              <a:rPr lang="en-US" altLang="ko-KR" dirty="0"/>
-              <a:t>text</a:t>
-            </a:r>
-            <a:r>
-              <a:rPr lang="ko-KR" altLang="en-US" dirty="0"/>
-              <a:t>를 추출한 뒤 해당 기사의 요약문 제공</a:t>
+              <a:t>기본 음성 요약 시스템에 화자 분리를 적용하여 요약의 성능 개선</a:t>
             </a:r>
             <a:endParaRPr lang="en-US" altLang="ko-KR" dirty="0"/>
           </a:p>
@@ -5245,7 +6921,7 @@
             <a:pPr lvl="1"/>
             <a:r>
               <a:rPr lang="ko-KR" altLang="en-US" dirty="0"/>
-              <a:t>화자 별 발화 내용을 기반으로 화자 별 중요도 측정</a:t>
+              <a:t>화자 별 발화 내용을 바탕으로 중심 화자 선정 기준 고안</a:t>
             </a:r>
             <a:endParaRPr lang="en-US" altLang="ko-KR" dirty="0"/>
           </a:p>
@@ -5257,8 +6933,12 @@
             <a:pPr lvl="1"/>
             <a:r>
               <a:rPr lang="ko-KR" altLang="en-US" dirty="0"/>
-              <a:t>화자 별 중요도를 사용하여 요약문 품질 개선</a:t>
-            </a:r>
+              <a:t>전체 요약 및 화자 별 요약 제공 및 평가</a:t>
+            </a:r>
+            <a:endParaRPr lang="en-US" altLang="ko-KR" dirty="0"/>
+          </a:p>
+          <a:p>
+            <a:pPr lvl="1"/>
             <a:endParaRPr lang="en-US" altLang="ko-KR" dirty="0"/>
           </a:p>
           <a:p>
@@ -5556,408 +7236,6 @@
 </file>
 
 <file path=ppt/slides/slide5.xml><?xml version="1.0" encoding="utf-8"?>
-<p:sld xmlns:a="http://schemas.openxmlformats.org/drawingml/2006/main" xmlns:r="http://schemas.openxmlformats.org/officeDocument/2006/relationships" xmlns:p="http://schemas.openxmlformats.org/presentationml/2006/main">
-  <p:cSld>
-    <p:spTree>
-      <p:nvGrpSpPr>
-        <p:cNvPr id="1" name=""/>
-        <p:cNvGrpSpPr/>
-        <p:nvPr/>
-      </p:nvGrpSpPr>
-      <p:grpSpPr>
-        <a:xfrm>
-          <a:off x="0" y="0"/>
-          <a:ext cx="0" cy="0"/>
-          <a:chOff x="0" y="0"/>
-          <a:chExt cx="0" cy="0"/>
-        </a:xfrm>
-      </p:grpSpPr>
-      <p:sp>
-        <p:nvSpPr>
-          <p:cNvPr id="2" name="제목 1"/>
-          <p:cNvSpPr>
-            <a:spLocks noGrp="1"/>
-          </p:cNvSpPr>
-          <p:nvPr>
-            <p:ph type="title"/>
-          </p:nvPr>
-        </p:nvSpPr>
-        <p:spPr/>
-        <p:txBody>
-          <a:bodyPr/>
-          <a:lstStyle/>
-          <a:p>
-            <a:r>
-              <a:rPr lang="ko-KR" altLang="en-US" dirty="0"/>
-              <a:t>기존 연구</a:t>
-            </a:r>
-          </a:p>
-        </p:txBody>
-      </p:sp>
-      <p:sp>
-        <p:nvSpPr>
-          <p:cNvPr id="3" name="내용 개체 틀 2"/>
-          <p:cNvSpPr>
-            <a:spLocks noGrp="1"/>
-          </p:cNvSpPr>
-          <p:nvPr>
-            <p:ph idx="1"/>
-          </p:nvPr>
-        </p:nvSpPr>
-        <p:spPr>
-          <a:xfrm>
-            <a:off x="457200" y="1600200"/>
-            <a:ext cx="8229600" cy="4421088"/>
-          </a:xfrm>
-        </p:spPr>
-        <p:txBody>
-          <a:bodyPr/>
-          <a:lstStyle/>
-          <a:p>
-            <a:r>
-              <a:rPr lang="ko-KR" altLang="en-US" dirty="0"/>
-              <a:t>문장 별 중요도 </a:t>
-            </a:r>
-          </a:p>
-        </p:txBody>
-      </p:sp>
-      <p:sp>
-        <p:nvSpPr>
-          <p:cNvPr id="5" name="TextBox 4">
-            <a:extLst>
-              <a:ext uri="{FF2B5EF4-FFF2-40B4-BE49-F238E27FC236}">
-                <a16:creationId xmlns:a16="http://schemas.microsoft.com/office/drawing/2014/main" id="{1D570C7F-A61F-A3AA-9893-F33078C29ED9}"/>
-              </a:ext>
-            </a:extLst>
-          </p:cNvPr>
-          <p:cNvSpPr txBox="1"/>
-          <p:nvPr/>
-        </p:nvSpPr>
-        <p:spPr>
-          <a:xfrm>
-            <a:off x="1566550" y="5759678"/>
-            <a:ext cx="5962950" cy="523220"/>
-          </a:xfrm>
-          <a:prstGeom prst="rect">
-            <a:avLst/>
-          </a:prstGeom>
-          <a:noFill/>
-        </p:spPr>
-        <p:txBody>
-          <a:bodyPr wrap="square" rtlCol="0">
-            <a:spAutoFit/>
-          </a:bodyPr>
-          <a:lstStyle/>
-          <a:p>
-            <a:r>
-              <a:rPr lang="en-US" altLang="ko-KR" sz="1000" dirty="0">
-                <a:solidFill>
-                  <a:srgbClr val="374151"/>
-                </a:solidFill>
-                <a:latin typeface="Söhne"/>
-              </a:rPr>
-              <a:t>Aneesh </a:t>
-            </a:r>
-            <a:r>
-              <a:rPr lang="en-US" altLang="ko-KR" sz="1000" dirty="0" err="1">
-                <a:solidFill>
-                  <a:srgbClr val="374151"/>
-                </a:solidFill>
-                <a:latin typeface="Söhne"/>
-              </a:rPr>
-              <a:t>Vartakavi</a:t>
-            </a:r>
-            <a:r>
-              <a:rPr lang="en-US" altLang="ko-KR" sz="1000" dirty="0">
-                <a:solidFill>
-                  <a:srgbClr val="374151"/>
-                </a:solidFill>
-                <a:latin typeface="Söhne"/>
-              </a:rPr>
-              <a:t>, </a:t>
-            </a:r>
-            <a:r>
-              <a:rPr lang="en-US" altLang="ko-KR" sz="1000" dirty="0" err="1">
-                <a:solidFill>
-                  <a:srgbClr val="374151"/>
-                </a:solidFill>
-                <a:latin typeface="Söhne"/>
-              </a:rPr>
-              <a:t>Amanment</a:t>
-            </a:r>
-            <a:r>
-              <a:rPr lang="en-US" altLang="ko-KR" sz="1000" dirty="0">
-                <a:solidFill>
-                  <a:srgbClr val="374151"/>
-                </a:solidFill>
-                <a:latin typeface="Söhne"/>
-              </a:rPr>
-              <a:t> </a:t>
-            </a:r>
-            <a:r>
-              <a:rPr lang="en-US" altLang="ko-KR" sz="1000" dirty="0" err="1">
-                <a:solidFill>
-                  <a:srgbClr val="374151"/>
-                </a:solidFill>
-                <a:latin typeface="Söhne"/>
-              </a:rPr>
-              <a:t>Grag</a:t>
-            </a:r>
-            <a:r>
-              <a:rPr lang="en-US" altLang="ko-KR" sz="1000" dirty="0">
-                <a:solidFill>
-                  <a:srgbClr val="374151"/>
-                </a:solidFill>
-                <a:latin typeface="Söhne"/>
-              </a:rPr>
-              <a:t>(2020). </a:t>
-            </a:r>
-            <a:r>
-              <a:rPr lang="en-US" altLang="ko-KR" sz="1000" dirty="0" err="1">
-                <a:solidFill>
-                  <a:srgbClr val="374151"/>
-                </a:solidFill>
-                <a:latin typeface="Söhne"/>
-              </a:rPr>
-              <a:t>Podsumm</a:t>
-            </a:r>
-            <a:r>
-              <a:rPr lang="en-US" altLang="ko-KR" sz="1000" dirty="0">
-                <a:solidFill>
-                  <a:srgbClr val="374151"/>
-                </a:solidFill>
-                <a:latin typeface="Söhne"/>
-              </a:rPr>
-              <a:t>—podcast audio summarization.</a:t>
-            </a:r>
-            <a:r>
-              <a:rPr lang="en-US" altLang="ko-KR" sz="1000" b="0" i="0" dirty="0">
-                <a:solidFill>
-                  <a:srgbClr val="374151"/>
-                </a:solidFill>
-                <a:effectLst/>
-                <a:latin typeface="Söhne"/>
-              </a:rPr>
-              <a:t> Submitted to </a:t>
-            </a:r>
-            <a:r>
-              <a:rPr lang="en-US" altLang="ko-KR" sz="1000" b="0" i="0" dirty="0" err="1">
-                <a:solidFill>
-                  <a:srgbClr val="374151"/>
-                </a:solidFill>
-                <a:effectLst/>
-                <a:latin typeface="Söhne"/>
-              </a:rPr>
-              <a:t>arXiv</a:t>
-            </a:r>
-            <a:r>
-              <a:rPr lang="en-US" altLang="ko-KR" sz="1000" b="0" i="0" dirty="0">
-                <a:solidFill>
-                  <a:srgbClr val="374151"/>
-                </a:solidFill>
-                <a:effectLst/>
-                <a:latin typeface="Söhne"/>
-              </a:rPr>
-              <a:t> 2020</a:t>
-            </a:r>
-            <a:endParaRPr lang="ko-KR" altLang="en-US" sz="1000" dirty="0"/>
-          </a:p>
-          <a:p>
-            <a:endParaRPr lang="ko-KR" altLang="en-US" dirty="0"/>
-          </a:p>
-        </p:txBody>
-      </p:sp>
-      <p:pic>
-        <p:nvPicPr>
-          <p:cNvPr id="6" name="그림 5">
-            <a:extLst>
-              <a:ext uri="{FF2B5EF4-FFF2-40B4-BE49-F238E27FC236}">
-                <a16:creationId xmlns:a16="http://schemas.microsoft.com/office/drawing/2014/main" id="{53DB12E5-D1DF-DA0E-F3B7-B29195485F4D}"/>
-              </a:ext>
-            </a:extLst>
-          </p:cNvPr>
-          <p:cNvPicPr>
-            <a:picLocks noChangeAspect="1"/>
-          </p:cNvPicPr>
-          <p:nvPr/>
-        </p:nvPicPr>
-        <p:blipFill>
-          <a:blip r:embed="rId3"/>
-          <a:stretch>
-            <a:fillRect/>
-          </a:stretch>
-        </p:blipFill>
-        <p:spPr>
-          <a:xfrm>
-            <a:off x="792794" y="2187865"/>
-            <a:ext cx="3791112" cy="2270291"/>
-          </a:xfrm>
-          <a:prstGeom prst="rect">
-            <a:avLst/>
-          </a:prstGeom>
-        </p:spPr>
-      </p:pic>
-      <p:sp>
-        <p:nvSpPr>
-          <p:cNvPr id="8" name="TextBox 7">
-            <a:extLst>
-              <a:ext uri="{FF2B5EF4-FFF2-40B4-BE49-F238E27FC236}">
-                <a16:creationId xmlns:a16="http://schemas.microsoft.com/office/drawing/2014/main" id="{79792C11-A005-2C94-7E1F-75B676541FBD}"/>
-              </a:ext>
-            </a:extLst>
-          </p:cNvPr>
-          <p:cNvSpPr txBox="1"/>
-          <p:nvPr/>
-        </p:nvSpPr>
-        <p:spPr>
-          <a:xfrm>
-            <a:off x="4450394" y="1841480"/>
-            <a:ext cx="4572000" cy="3416320"/>
-          </a:xfrm>
-          <a:prstGeom prst="rect">
-            <a:avLst/>
-          </a:prstGeom>
-          <a:noFill/>
-        </p:spPr>
-        <p:txBody>
-          <a:bodyPr wrap="square">
-            <a:spAutoFit/>
-          </a:bodyPr>
-          <a:lstStyle/>
-          <a:p>
-            <a:r>
-              <a:rPr lang="en-US" altLang="ko-KR" dirty="0"/>
-              <a:t>Lex-rank</a:t>
-            </a:r>
-          </a:p>
-          <a:p>
-            <a:endParaRPr lang="en-US" altLang="ko-KR" dirty="0"/>
-          </a:p>
-          <a:p>
-            <a:pPr marL="342900" indent="-342900">
-              <a:buAutoNum type="arabicPeriod"/>
-            </a:pPr>
-            <a:r>
-              <a:rPr lang="en-US" altLang="ko-KR" dirty="0" err="1"/>
-              <a:t>tf-idf</a:t>
-            </a:r>
-            <a:r>
-              <a:rPr lang="ko-KR" altLang="en-US" dirty="0"/>
-              <a:t>를 사용하여 단어를 </a:t>
-            </a:r>
-            <a:r>
-              <a:rPr lang="ko-KR" altLang="en-US" dirty="0" err="1"/>
-              <a:t>임베딩</a:t>
-            </a:r>
-            <a:r>
-              <a:rPr lang="en-US" altLang="ko-KR" dirty="0"/>
-              <a:t>(</a:t>
-            </a:r>
-            <a:r>
-              <a:rPr lang="ko-KR" altLang="en-US" dirty="0" err="1"/>
-              <a:t>단어→벡터</a:t>
-            </a:r>
-            <a:r>
-              <a:rPr lang="en-US" altLang="ko-KR" dirty="0"/>
-              <a:t>)</a:t>
-            </a:r>
-          </a:p>
-          <a:p>
-            <a:pPr marL="342900" indent="-342900">
-              <a:buAutoNum type="arabicPeriod"/>
-            </a:pPr>
-            <a:endParaRPr lang="en-US" altLang="ko-KR" dirty="0"/>
-          </a:p>
-          <a:p>
-            <a:pPr marL="342900" indent="-342900">
-              <a:buFontTx/>
-              <a:buAutoNum type="arabicPeriod"/>
-            </a:pPr>
-            <a:r>
-              <a:rPr lang="ko-KR" altLang="en-US" dirty="0"/>
-              <a:t>단어의 </a:t>
-            </a:r>
-            <a:r>
-              <a:rPr lang="ko-KR" altLang="en-US" dirty="0" err="1"/>
-              <a:t>임베딩</a:t>
-            </a:r>
-            <a:r>
-              <a:rPr lang="ko-KR" altLang="en-US" dirty="0"/>
-              <a:t> 값을 이용하여 문장 </a:t>
-            </a:r>
-            <a:r>
-              <a:rPr lang="ko-KR" altLang="en-US" dirty="0" err="1"/>
-              <a:t>임베딩</a:t>
-            </a:r>
-            <a:endParaRPr lang="en-US" altLang="ko-KR" dirty="0"/>
-          </a:p>
-          <a:p>
-            <a:pPr marL="342900" indent="-342900">
-              <a:buFontTx/>
-              <a:buAutoNum type="arabicPeriod"/>
-            </a:pPr>
-            <a:endParaRPr lang="en-US" altLang="ko-KR" dirty="0"/>
-          </a:p>
-          <a:p>
-            <a:pPr marL="342900" indent="-342900">
-              <a:buFontTx/>
-              <a:buAutoNum type="arabicPeriod"/>
-            </a:pPr>
-            <a:r>
-              <a:rPr lang="ko-KR" altLang="en-US" dirty="0"/>
-              <a:t>문장을 노드</a:t>
-            </a:r>
-            <a:r>
-              <a:rPr lang="en-US" altLang="ko-KR" dirty="0"/>
-              <a:t>, </a:t>
-            </a:r>
-            <a:r>
-              <a:rPr lang="ko-KR" altLang="en-US" dirty="0"/>
-              <a:t>문장 사이의 코사인 유사도를 가중치로 하는 그래프</a:t>
-            </a:r>
-            <a:endParaRPr lang="en-US" altLang="ko-KR" dirty="0"/>
-          </a:p>
-          <a:p>
-            <a:pPr marL="342900" indent="-342900">
-              <a:buFontTx/>
-              <a:buAutoNum type="arabicPeriod"/>
-            </a:pPr>
-            <a:endParaRPr lang="en-US" altLang="ko-KR" dirty="0"/>
-          </a:p>
-          <a:p>
-            <a:pPr marL="342900" indent="-342900">
-              <a:buFontTx/>
-              <a:buAutoNum type="arabicPeriod"/>
-            </a:pPr>
-            <a:r>
-              <a:rPr lang="en-US" altLang="ko-KR" dirty="0"/>
-              <a:t>page-rank</a:t>
-            </a:r>
-            <a:r>
-              <a:rPr lang="ko-KR" altLang="en-US" dirty="0"/>
-              <a:t>를 학습하여 문장 별 </a:t>
-            </a:r>
-            <a:r>
-              <a:rPr lang="en-US" altLang="ko-KR" dirty="0"/>
-              <a:t>rank</a:t>
-            </a:r>
-          </a:p>
-        </p:txBody>
-      </p:sp>
-    </p:spTree>
-    <p:extLst>
-      <p:ext uri="{BB962C8B-B14F-4D97-AF65-F5344CB8AC3E}">
-        <p14:creationId xmlns:p14="http://schemas.microsoft.com/office/powerpoint/2010/main" val="2447452110"/>
-      </p:ext>
-    </p:extLst>
-  </p:cSld>
-  <p:clrMapOvr>
-    <a:masterClrMapping/>
-  </p:clrMapOvr>
-</p:sld>
-</file>
-
-<file path=ppt/slides/slide6.xml><?xml version="1.0" encoding="utf-8"?>
 <p:sld xmlns:a="http://schemas.openxmlformats.org/drawingml/2006/main" xmlns:r="http://schemas.openxmlformats.org/officeDocument/2006/relationships" xmlns:p="http://schemas.openxmlformats.org/presentationml/2006/main">
   <p:cSld>
     <p:spTree>
@@ -6071,6 +7349,94 @@
 </p:sld>
 </file>
 
+<file path=ppt/slides/slide6.xml><?xml version="1.0" encoding="utf-8"?>
+<p:sld xmlns:a="http://schemas.openxmlformats.org/drawingml/2006/main" xmlns:r="http://schemas.openxmlformats.org/officeDocument/2006/relationships" xmlns:p="http://schemas.openxmlformats.org/presentationml/2006/main">
+  <p:cSld>
+    <p:spTree>
+      <p:nvGrpSpPr>
+        <p:cNvPr id="1" name=""/>
+        <p:cNvGrpSpPr/>
+        <p:nvPr/>
+      </p:nvGrpSpPr>
+      <p:grpSpPr>
+        <a:xfrm>
+          <a:off x="0" y="0"/>
+          <a:ext cx="0" cy="0"/>
+          <a:chOff x="0" y="0"/>
+          <a:chExt cx="0" cy="0"/>
+        </a:xfrm>
+      </p:grpSpPr>
+      <p:sp>
+        <p:nvSpPr>
+          <p:cNvPr id="2" name="제목 1"/>
+          <p:cNvSpPr>
+            <a:spLocks noGrp="1"/>
+          </p:cNvSpPr>
+          <p:nvPr>
+            <p:ph type="title"/>
+          </p:nvPr>
+        </p:nvSpPr>
+        <p:spPr/>
+        <p:txBody>
+          <a:bodyPr>
+            <a:normAutofit/>
+          </a:bodyPr>
+          <a:lstStyle/>
+          <a:p>
+            <a:r>
+              <a:rPr lang="ko-KR" altLang="en-US" dirty="0"/>
+              <a:t>실행 계획</a:t>
+            </a:r>
+            <a:r>
+              <a:rPr lang="en-US" altLang="ko-KR" dirty="0"/>
+              <a:t>, </a:t>
+            </a:r>
+            <a:r>
+              <a:rPr lang="ko-KR" altLang="en-US" dirty="0"/>
+              <a:t>방법 및 설계</a:t>
+            </a:r>
+          </a:p>
+        </p:txBody>
+      </p:sp>
+      <p:sp>
+        <p:nvSpPr>
+          <p:cNvPr id="3" name="내용 개체 틀 2"/>
+          <p:cNvSpPr>
+            <a:spLocks noGrp="1"/>
+          </p:cNvSpPr>
+          <p:nvPr>
+            <p:ph idx="1"/>
+          </p:nvPr>
+        </p:nvSpPr>
+        <p:spPr/>
+        <p:txBody>
+          <a:bodyPr/>
+          <a:lstStyle/>
+          <a:p>
+            <a:r>
+              <a:rPr lang="ko-KR" altLang="en-US" dirty="0" err="1"/>
+              <a:t>음성→대본</a:t>
+            </a:r>
+            <a:r>
+              <a:rPr lang="ko-KR" altLang="en-US" dirty="0"/>
+              <a:t> 프로그램 사용 모델</a:t>
+            </a:r>
+          </a:p>
+        </p:txBody>
+      </p:sp>
+    </p:spTree>
+    <p:extLst>
+      <p:ext uri="{BB962C8B-B14F-4D97-AF65-F5344CB8AC3E}">
+        <p14:creationId xmlns:p14="http://schemas.microsoft.com/office/powerpoint/2010/main" val="1122541437"/>
+      </p:ext>
+    </p:extLst>
+  </p:cSld>
+  <p:clrMapOvr>
+    <a:masterClrMapping/>
+  </p:clrMapOvr>
+</p:sld>
+</file>
+
 <file path=ppt/slides/slide7.xml><?xml version="1.0" encoding="utf-8"?>
 <p:sld xmlns:a="http://schemas.openxmlformats.org/drawingml/2006/main" xmlns:r="http://schemas.openxmlformats.org/officeDocument/2006/relationships" xmlns:p="http://schemas.openxmlformats.org/presentationml/2006/main">
   <p:cSld>
@@ -6174,7 +7540,7 @@
         </p:blipFill>
         <p:spPr>
           <a:xfrm>
-            <a:off x="1662993" y="980728"/>
+            <a:off x="1619672" y="1169354"/>
             <a:ext cx="5818014" cy="5184576"/>
           </a:xfrm>
           <a:prstGeom prst="rect">

--- a/ppt/정보통신종합설계 중간발표 앞부분.pptx
+++ b/ppt/정보통신종합설계 중간발표 앞부분.pptx
@@ -5,7 +5,7 @@
     <p:sldMasterId id="2147483696" r:id="rId1"/>
   </p:sldMasterIdLst>
   <p:notesMasterIdLst>
-    <p:notesMasterId r:id="rId23"/>
+    <p:notesMasterId r:id="rId22"/>
   </p:notesMasterIdLst>
   <p:sldIdLst>
     <p:sldId id="276" r:id="rId2"/>
@@ -13,22 +13,21 @@
     <p:sldId id="269" r:id="rId4"/>
     <p:sldId id="277" r:id="rId5"/>
     <p:sldId id="271" r:id="rId6"/>
-    <p:sldId id="301" r:id="rId7"/>
-    <p:sldId id="280" r:id="rId8"/>
-    <p:sldId id="282" r:id="rId9"/>
-    <p:sldId id="283" r:id="rId10"/>
-    <p:sldId id="284" r:id="rId11"/>
-    <p:sldId id="286" r:id="rId12"/>
-    <p:sldId id="287" r:id="rId13"/>
-    <p:sldId id="289" r:id="rId14"/>
-    <p:sldId id="288" r:id="rId15"/>
-    <p:sldId id="300" r:id="rId16"/>
-    <p:sldId id="291" r:id="rId17"/>
-    <p:sldId id="290" r:id="rId18"/>
-    <p:sldId id="272" r:id="rId19"/>
-    <p:sldId id="273" r:id="rId20"/>
-    <p:sldId id="274" r:id="rId21"/>
-    <p:sldId id="275" r:id="rId22"/>
+    <p:sldId id="280" r:id="rId7"/>
+    <p:sldId id="282" r:id="rId8"/>
+    <p:sldId id="283" r:id="rId9"/>
+    <p:sldId id="284" r:id="rId10"/>
+    <p:sldId id="286" r:id="rId11"/>
+    <p:sldId id="287" r:id="rId12"/>
+    <p:sldId id="289" r:id="rId13"/>
+    <p:sldId id="288" r:id="rId14"/>
+    <p:sldId id="300" r:id="rId15"/>
+    <p:sldId id="291" r:id="rId16"/>
+    <p:sldId id="290" r:id="rId17"/>
+    <p:sldId id="272" r:id="rId18"/>
+    <p:sldId id="273" r:id="rId19"/>
+    <p:sldId id="274" r:id="rId20"/>
+    <p:sldId id="275" r:id="rId21"/>
   </p:sldIdLst>
   <p:sldSz cx="9144000" cy="6858000" type="screen4x3"/>
   <p:notesSz cx="6858000" cy="9144000"/>
@@ -768,7 +767,7 @@
           <a:p>
             <a:fld id="{928C4006-D583-4434-A25D-662BACC4BC65}" type="slidenum">
               <a:rPr lang="ko-KR" altLang="en-US" smtClean="0"/>
-              <a:t>15</a:t>
+              <a:t>14</a:t>
             </a:fld>
             <a:endParaRPr lang="ko-KR" altLang="en-US"/>
           </a:p>
@@ -4396,124 +4395,6 @@
           <a:lstStyle/>
           <a:p>
             <a:r>
-              <a:rPr lang="ko-KR" altLang="en-US" dirty="0" err="1"/>
-              <a:t>음성→대본</a:t>
-            </a:r>
-            <a:r>
-              <a:rPr lang="ko-KR" altLang="en-US" dirty="0"/>
-              <a:t> 프로그램 흐름도</a:t>
-            </a:r>
-          </a:p>
-        </p:txBody>
-      </p:sp>
-      <p:pic>
-        <p:nvPicPr>
-          <p:cNvPr id="6" name="그림 5">
-            <a:extLst>
-              <a:ext uri="{FF2B5EF4-FFF2-40B4-BE49-F238E27FC236}">
-                <a16:creationId xmlns:a16="http://schemas.microsoft.com/office/drawing/2014/main" id="{3B9B4185-18AC-64C2-5570-44CD0F334A02}"/>
-              </a:ext>
-            </a:extLst>
-          </p:cNvPr>
-          <p:cNvPicPr>
-            <a:picLocks noChangeAspect="1"/>
-          </p:cNvPicPr>
-          <p:nvPr/>
-        </p:nvPicPr>
-        <p:blipFill>
-          <a:blip r:embed="rId2"/>
-          <a:stretch>
-            <a:fillRect/>
-          </a:stretch>
-        </p:blipFill>
-        <p:spPr>
-          <a:xfrm>
-            <a:off x="611560" y="2105167"/>
-            <a:ext cx="7452320" cy="3916121"/>
-          </a:xfrm>
-          <a:prstGeom prst="rect">
-            <a:avLst/>
-          </a:prstGeom>
-        </p:spPr>
-      </p:pic>
-    </p:spTree>
-    <p:extLst>
-      <p:ext uri="{BB962C8B-B14F-4D97-AF65-F5344CB8AC3E}">
-        <p14:creationId xmlns:p14="http://schemas.microsoft.com/office/powerpoint/2010/main" val="2888607836"/>
-      </p:ext>
-    </p:extLst>
-  </p:cSld>
-  <p:clrMapOvr>
-    <a:masterClrMapping/>
-  </p:clrMapOvr>
-</p:sld>
-</file>
-
-<file path=ppt/slides/slide11.xml><?xml version="1.0" encoding="utf-8"?>
-<p:sld xmlns:a="http://schemas.openxmlformats.org/drawingml/2006/main" xmlns:r="http://schemas.openxmlformats.org/officeDocument/2006/relationships" xmlns:p="http://schemas.openxmlformats.org/presentationml/2006/main">
-  <p:cSld>
-    <p:spTree>
-      <p:nvGrpSpPr>
-        <p:cNvPr id="1" name=""/>
-        <p:cNvGrpSpPr/>
-        <p:nvPr/>
-      </p:nvGrpSpPr>
-      <p:grpSpPr>
-        <a:xfrm>
-          <a:off x="0" y="0"/>
-          <a:ext cx="0" cy="0"/>
-          <a:chOff x="0" y="0"/>
-          <a:chExt cx="0" cy="0"/>
-        </a:xfrm>
-      </p:grpSpPr>
-      <p:sp>
-        <p:nvSpPr>
-          <p:cNvPr id="2" name="제목 1"/>
-          <p:cNvSpPr>
-            <a:spLocks noGrp="1"/>
-          </p:cNvSpPr>
-          <p:nvPr>
-            <p:ph type="title"/>
-          </p:nvPr>
-        </p:nvSpPr>
-        <p:spPr/>
-        <p:txBody>
-          <a:bodyPr>
-            <a:normAutofit/>
-          </a:bodyPr>
-          <a:lstStyle/>
-          <a:p>
-            <a:r>
-              <a:rPr lang="ko-KR" altLang="en-US" dirty="0"/>
-              <a:t>실행 계획</a:t>
-            </a:r>
-            <a:r>
-              <a:rPr lang="en-US" altLang="ko-KR" dirty="0"/>
-              <a:t>, </a:t>
-            </a:r>
-            <a:r>
-              <a:rPr lang="ko-KR" altLang="en-US" dirty="0"/>
-              <a:t>방법 및 설계</a:t>
-            </a:r>
-          </a:p>
-        </p:txBody>
-      </p:sp>
-      <p:sp>
-        <p:nvSpPr>
-          <p:cNvPr id="3" name="내용 개체 틀 2"/>
-          <p:cNvSpPr>
-            <a:spLocks noGrp="1"/>
-          </p:cNvSpPr>
-          <p:nvPr>
-            <p:ph idx="1"/>
-          </p:nvPr>
-        </p:nvSpPr>
-        <p:spPr/>
-        <p:txBody>
-          <a:bodyPr/>
-          <a:lstStyle/>
-          <a:p>
-            <a:r>
               <a:rPr lang="ko-KR" altLang="en-US" dirty="0"/>
               <a:t>화자 별 중요도 산출</a:t>
             </a:r>
@@ -4769,7 +4650,7 @@
 </p:sld>
 </file>
 
-<file path=ppt/slides/slide12.xml><?xml version="1.0" encoding="utf-8"?>
+<file path=ppt/slides/slide11.xml><?xml version="1.0" encoding="utf-8"?>
 <p:sld xmlns:a="http://schemas.openxmlformats.org/drawingml/2006/main" xmlns:r="http://schemas.openxmlformats.org/officeDocument/2006/relationships" xmlns:p="http://schemas.openxmlformats.org/presentationml/2006/main">
   <p:cSld>
     <p:spTree>
@@ -4942,7 +4823,7 @@
 </p:sld>
 </file>
 
-<file path=ppt/slides/slide13.xml><?xml version="1.0" encoding="utf-8"?>
+<file path=ppt/slides/slide12.xml><?xml version="1.0" encoding="utf-8"?>
 <p:sld xmlns:a="http://schemas.openxmlformats.org/drawingml/2006/main" xmlns:r="http://schemas.openxmlformats.org/officeDocument/2006/relationships" xmlns:p="http://schemas.openxmlformats.org/presentationml/2006/main">
   <p:cSld>
     <p:spTree>
@@ -5026,7 +4907,7 @@
 </p:sld>
 </file>
 
-<file path=ppt/slides/slide14.xml><?xml version="1.0" encoding="utf-8"?>
+<file path=ppt/slides/slide13.xml><?xml version="1.0" encoding="utf-8"?>
 <p:sld xmlns:a="http://schemas.openxmlformats.org/drawingml/2006/main" xmlns:r="http://schemas.openxmlformats.org/officeDocument/2006/relationships" xmlns:p="http://schemas.openxmlformats.org/presentationml/2006/main">
   <p:cSld>
     <p:spTree>
@@ -5721,7 +5602,7 @@
 </p:sld>
 </file>
 
-<file path=ppt/slides/slide15.xml><?xml version="1.0" encoding="utf-8"?>
+<file path=ppt/slides/slide14.xml><?xml version="1.0" encoding="utf-8"?>
 <p:sld xmlns:a="http://schemas.openxmlformats.org/drawingml/2006/main" xmlns:r="http://schemas.openxmlformats.org/officeDocument/2006/relationships" xmlns:p="http://schemas.openxmlformats.org/presentationml/2006/main">
   <p:cSld>
     <p:spTree>
@@ -5904,7 +5785,7 @@
 </p:sld>
 </file>
 
-<file path=ppt/slides/slide16.xml><?xml version="1.0" encoding="utf-8"?>
+<file path=ppt/slides/slide15.xml><?xml version="1.0" encoding="utf-8"?>
 <p:sld xmlns:a="http://schemas.openxmlformats.org/drawingml/2006/main" xmlns:r="http://schemas.openxmlformats.org/officeDocument/2006/relationships" xmlns:p="http://schemas.openxmlformats.org/presentationml/2006/main">
   <p:cSld>
     <p:spTree>
@@ -6069,7 +5950,7 @@
 </p:sld>
 </file>
 
-<file path=ppt/slides/slide17.xml><?xml version="1.0" encoding="utf-8"?>
+<file path=ppt/slides/slide16.xml><?xml version="1.0" encoding="utf-8"?>
 <p:sld xmlns:a="http://schemas.openxmlformats.org/drawingml/2006/main" xmlns:r="http://schemas.openxmlformats.org/officeDocument/2006/relationships" xmlns:p="http://schemas.openxmlformats.org/presentationml/2006/main">
   <p:cSld>
     <p:spTree>
@@ -6187,6 +6068,85 @@
 </p:sld>
 </file>
 
+<file path=ppt/slides/slide17.xml><?xml version="1.0" encoding="utf-8"?>
+<p:sld xmlns:a="http://schemas.openxmlformats.org/drawingml/2006/main" xmlns:r="http://schemas.openxmlformats.org/officeDocument/2006/relationships" xmlns:p="http://schemas.openxmlformats.org/presentationml/2006/main">
+  <p:cSld>
+    <p:spTree>
+      <p:nvGrpSpPr>
+        <p:cNvPr id="1" name=""/>
+        <p:cNvGrpSpPr/>
+        <p:nvPr/>
+      </p:nvGrpSpPr>
+      <p:grpSpPr>
+        <a:xfrm>
+          <a:off x="0" y="0"/>
+          <a:ext cx="0" cy="0"/>
+          <a:chOff x="0" y="0"/>
+          <a:chExt cx="0" cy="0"/>
+        </a:xfrm>
+      </p:grpSpPr>
+      <p:sp>
+        <p:nvSpPr>
+          <p:cNvPr id="2" name="제목 1"/>
+          <p:cNvSpPr>
+            <a:spLocks noGrp="1"/>
+          </p:cNvSpPr>
+          <p:nvPr>
+            <p:ph type="title"/>
+          </p:nvPr>
+        </p:nvSpPr>
+        <p:spPr/>
+        <p:txBody>
+          <a:bodyPr/>
+          <a:lstStyle/>
+          <a:p>
+            <a:r>
+              <a:rPr lang="en-US" altLang="ko-KR" dirty="0"/>
+              <a:t>Contributions</a:t>
+            </a:r>
+            <a:endParaRPr lang="ko-KR" altLang="en-US" dirty="0"/>
+          </a:p>
+        </p:txBody>
+      </p:sp>
+      <p:sp>
+        <p:nvSpPr>
+          <p:cNvPr id="3" name="내용 개체 틀 2"/>
+          <p:cNvSpPr>
+            <a:spLocks noGrp="1"/>
+          </p:cNvSpPr>
+          <p:nvPr>
+            <p:ph idx="1"/>
+          </p:nvPr>
+        </p:nvSpPr>
+        <p:spPr/>
+        <p:txBody>
+          <a:bodyPr/>
+          <a:lstStyle/>
+          <a:p>
+            <a:r>
+              <a:rPr lang="ko-KR" altLang="en-US" dirty="0"/>
+              <a:t>수행한 프로젝트의 중요 기여 사항 강조</a:t>
+            </a:r>
+            <a:endParaRPr lang="en-US" altLang="ko-KR" dirty="0"/>
+          </a:p>
+          <a:p>
+            <a:endParaRPr lang="ko-KR" altLang="en-US" dirty="0"/>
+          </a:p>
+        </p:txBody>
+      </p:sp>
+    </p:spTree>
+    <p:extLst>
+      <p:ext uri="{BB962C8B-B14F-4D97-AF65-F5344CB8AC3E}">
+        <p14:creationId xmlns:p14="http://schemas.microsoft.com/office/powerpoint/2010/main" val="958563621"/>
+      </p:ext>
+    </p:extLst>
+  </p:cSld>
+  <p:clrMapOvr>
+    <a:masterClrMapping/>
+  </p:clrMapOvr>
+</p:sld>
+</file>
+
 <file path=ppt/slides/slide18.xml><?xml version="1.0" encoding="utf-8"?>
 <p:sld xmlns:a="http://schemas.openxmlformats.org/drawingml/2006/main" xmlns:r="http://schemas.openxmlformats.org/officeDocument/2006/relationships" xmlns:p="http://schemas.openxmlformats.org/presentationml/2006/main">
   <p:cSld>
@@ -6221,7 +6181,7 @@
           <a:p>
             <a:r>
               <a:rPr lang="en-US" altLang="ko-KR" dirty="0"/>
-              <a:t>Contributions</a:t>
+              <a:t>Conclusions and Expected results</a:t>
             </a:r>
             <a:endParaRPr lang="ko-KR" altLang="en-US" dirty="0"/>
           </a:p>
@@ -6242,21 +6202,14 @@
           <a:bodyPr/>
           <a:lstStyle/>
           <a:p>
-            <a:r>
-              <a:rPr lang="ko-KR" altLang="en-US" dirty="0"/>
-              <a:t>수행한 프로젝트의 중요 기여 사항 강조</a:t>
-            </a:r>
-            <a:endParaRPr lang="en-US" altLang="ko-KR" dirty="0"/>
-          </a:p>
-          <a:p>
-            <a:endParaRPr lang="ko-KR" altLang="en-US" dirty="0"/>
+            <a:endParaRPr lang="ko-KR" altLang="en-US"/>
           </a:p>
         </p:txBody>
       </p:sp>
     </p:spTree>
     <p:extLst>
       <p:ext uri="{BB962C8B-B14F-4D97-AF65-F5344CB8AC3E}">
-        <p14:creationId xmlns:p14="http://schemas.microsoft.com/office/powerpoint/2010/main" val="958563621"/>
+        <p14:creationId xmlns:p14="http://schemas.microsoft.com/office/powerpoint/2010/main" val="1357611919"/>
       </p:ext>
     </p:extLst>
   </p:cSld>
@@ -6300,7 +6253,7 @@
           <a:p>
             <a:r>
               <a:rPr lang="en-US" altLang="ko-KR" dirty="0"/>
-              <a:t>Conclusions and Expected results</a:t>
+              <a:t>Schedule</a:t>
             </a:r>
             <a:endParaRPr lang="ko-KR" altLang="en-US" dirty="0"/>
           </a:p>
@@ -6328,7 +6281,7 @@
     </p:spTree>
     <p:extLst>
       <p:ext uri="{BB962C8B-B14F-4D97-AF65-F5344CB8AC3E}">
-        <p14:creationId xmlns:p14="http://schemas.microsoft.com/office/powerpoint/2010/main" val="1357611919"/>
+        <p14:creationId xmlns:p14="http://schemas.microsoft.com/office/powerpoint/2010/main" val="3439183929"/>
       </p:ext>
     </p:extLst>
   </p:cSld>
@@ -6444,78 +6397,6 @@
 </file>
 
 <file path=ppt/slides/slide20.xml><?xml version="1.0" encoding="utf-8"?>
-<p:sld xmlns:a="http://schemas.openxmlformats.org/drawingml/2006/main" xmlns:r="http://schemas.openxmlformats.org/officeDocument/2006/relationships" xmlns:p="http://schemas.openxmlformats.org/presentationml/2006/main">
-  <p:cSld>
-    <p:spTree>
-      <p:nvGrpSpPr>
-        <p:cNvPr id="1" name=""/>
-        <p:cNvGrpSpPr/>
-        <p:nvPr/>
-      </p:nvGrpSpPr>
-      <p:grpSpPr>
-        <a:xfrm>
-          <a:off x="0" y="0"/>
-          <a:ext cx="0" cy="0"/>
-          <a:chOff x="0" y="0"/>
-          <a:chExt cx="0" cy="0"/>
-        </a:xfrm>
-      </p:grpSpPr>
-      <p:sp>
-        <p:nvSpPr>
-          <p:cNvPr id="2" name="제목 1"/>
-          <p:cNvSpPr>
-            <a:spLocks noGrp="1"/>
-          </p:cNvSpPr>
-          <p:nvPr>
-            <p:ph type="title"/>
-          </p:nvPr>
-        </p:nvSpPr>
-        <p:spPr/>
-        <p:txBody>
-          <a:bodyPr/>
-          <a:lstStyle/>
-          <a:p>
-            <a:r>
-              <a:rPr lang="en-US" altLang="ko-KR" dirty="0"/>
-              <a:t>Schedule</a:t>
-            </a:r>
-            <a:endParaRPr lang="ko-KR" altLang="en-US" dirty="0"/>
-          </a:p>
-        </p:txBody>
-      </p:sp>
-      <p:sp>
-        <p:nvSpPr>
-          <p:cNvPr id="3" name="내용 개체 틀 2"/>
-          <p:cNvSpPr>
-            <a:spLocks noGrp="1"/>
-          </p:cNvSpPr>
-          <p:nvPr>
-            <p:ph idx="1"/>
-          </p:nvPr>
-        </p:nvSpPr>
-        <p:spPr/>
-        <p:txBody>
-          <a:bodyPr/>
-          <a:lstStyle/>
-          <a:p>
-            <a:endParaRPr lang="ko-KR" altLang="en-US"/>
-          </a:p>
-        </p:txBody>
-      </p:sp>
-    </p:spTree>
-    <p:extLst>
-      <p:ext uri="{BB962C8B-B14F-4D97-AF65-F5344CB8AC3E}">
-        <p14:creationId xmlns:p14="http://schemas.microsoft.com/office/powerpoint/2010/main" val="3439183929"/>
-      </p:ext>
-    </p:extLst>
-  </p:cSld>
-  <p:clrMapOvr>
-    <a:masterClrMapping/>
-  </p:clrMapOvr>
-</p:sld>
-</file>
-
-<file path=ppt/slides/slide21.xml><?xml version="1.0" encoding="utf-8"?>
 <p:sld xmlns:a="http://schemas.openxmlformats.org/drawingml/2006/main" xmlns:r="http://schemas.openxmlformats.org/officeDocument/2006/relationships" xmlns:p="http://schemas.openxmlformats.org/presentationml/2006/main">
   <p:cSld>
     <p:spTree>
@@ -7350,94 +7231,6 @@
 </file>
 
 <file path=ppt/slides/slide6.xml><?xml version="1.0" encoding="utf-8"?>
-<p:sld xmlns:a="http://schemas.openxmlformats.org/drawingml/2006/main" xmlns:r="http://schemas.openxmlformats.org/officeDocument/2006/relationships" xmlns:p="http://schemas.openxmlformats.org/presentationml/2006/main">
-  <p:cSld>
-    <p:spTree>
-      <p:nvGrpSpPr>
-        <p:cNvPr id="1" name=""/>
-        <p:cNvGrpSpPr/>
-        <p:nvPr/>
-      </p:nvGrpSpPr>
-      <p:grpSpPr>
-        <a:xfrm>
-          <a:off x="0" y="0"/>
-          <a:ext cx="0" cy="0"/>
-          <a:chOff x="0" y="0"/>
-          <a:chExt cx="0" cy="0"/>
-        </a:xfrm>
-      </p:grpSpPr>
-      <p:sp>
-        <p:nvSpPr>
-          <p:cNvPr id="2" name="제목 1"/>
-          <p:cNvSpPr>
-            <a:spLocks noGrp="1"/>
-          </p:cNvSpPr>
-          <p:nvPr>
-            <p:ph type="title"/>
-          </p:nvPr>
-        </p:nvSpPr>
-        <p:spPr/>
-        <p:txBody>
-          <a:bodyPr>
-            <a:normAutofit/>
-          </a:bodyPr>
-          <a:lstStyle/>
-          <a:p>
-            <a:r>
-              <a:rPr lang="ko-KR" altLang="en-US" dirty="0"/>
-              <a:t>실행 계획</a:t>
-            </a:r>
-            <a:r>
-              <a:rPr lang="en-US" altLang="ko-KR" dirty="0"/>
-              <a:t>, </a:t>
-            </a:r>
-            <a:r>
-              <a:rPr lang="ko-KR" altLang="en-US" dirty="0"/>
-              <a:t>방법 및 설계</a:t>
-            </a:r>
-          </a:p>
-        </p:txBody>
-      </p:sp>
-      <p:sp>
-        <p:nvSpPr>
-          <p:cNvPr id="3" name="내용 개체 틀 2"/>
-          <p:cNvSpPr>
-            <a:spLocks noGrp="1"/>
-          </p:cNvSpPr>
-          <p:nvPr>
-            <p:ph idx="1"/>
-          </p:nvPr>
-        </p:nvSpPr>
-        <p:spPr/>
-        <p:txBody>
-          <a:bodyPr/>
-          <a:lstStyle/>
-          <a:p>
-            <a:r>
-              <a:rPr lang="ko-KR" altLang="en-US" dirty="0" err="1"/>
-              <a:t>음성→대본</a:t>
-            </a:r>
-            <a:r>
-              <a:rPr lang="ko-KR" altLang="en-US" dirty="0"/>
-              <a:t> 프로그램 사용 모델</a:t>
-            </a:r>
-          </a:p>
-        </p:txBody>
-      </p:sp>
-    </p:spTree>
-    <p:extLst>
-      <p:ext uri="{BB962C8B-B14F-4D97-AF65-F5344CB8AC3E}">
-        <p14:creationId xmlns:p14="http://schemas.microsoft.com/office/powerpoint/2010/main" val="1122541437"/>
-      </p:ext>
-    </p:extLst>
-  </p:cSld>
-  <p:clrMapOvr>
-    <a:masterClrMapping/>
-  </p:clrMapOvr>
-</p:sld>
-</file>
-
-<file path=ppt/slides/slide7.xml><?xml version="1.0" encoding="utf-8"?>
 <p:sld xmlns:a="http://schemas.openxmlformats.org/drawingml/2006/main" xmlns:r="http://schemas.openxmlformats.org/officeDocument/2006/relationships" xmlns:p="http://schemas.openxmlformats.org/presentationml/2006/main">
   <p:cSld>
     <p:spTree>
@@ -7636,7 +7429,7 @@
 </p:sld>
 </file>
 
-<file path=ppt/slides/slide8.xml><?xml version="1.0" encoding="utf-8"?>
+<file path=ppt/slides/slide7.xml><?xml version="1.0" encoding="utf-8"?>
 <p:sld xmlns:a="http://schemas.openxmlformats.org/drawingml/2006/main" xmlns:r="http://schemas.openxmlformats.org/officeDocument/2006/relationships" xmlns:p="http://schemas.openxmlformats.org/presentationml/2006/main">
   <p:cSld>
     <p:spTree>
@@ -7827,7 +7620,7 @@
 </p:sld>
 </file>
 
-<file path=ppt/slides/slide9.xml><?xml version="1.0" encoding="utf-8"?>
+<file path=ppt/slides/slide8.xml><?xml version="1.0" encoding="utf-8"?>
 <p:sld xmlns:a="http://schemas.openxmlformats.org/drawingml/2006/main" xmlns:r="http://schemas.openxmlformats.org/officeDocument/2006/relationships" xmlns:p="http://schemas.openxmlformats.org/presentationml/2006/main">
   <p:cSld>
     <p:spTree>
@@ -8100,6 +7893,124 @@
       </p:par>
     </p:tnLst>
   </p:timing>
+</p:sld>
+</file>
+
+<file path=ppt/slides/slide9.xml><?xml version="1.0" encoding="utf-8"?>
+<p:sld xmlns:a="http://schemas.openxmlformats.org/drawingml/2006/main" xmlns:r="http://schemas.openxmlformats.org/officeDocument/2006/relationships" xmlns:p="http://schemas.openxmlformats.org/presentationml/2006/main">
+  <p:cSld>
+    <p:spTree>
+      <p:nvGrpSpPr>
+        <p:cNvPr id="1" name=""/>
+        <p:cNvGrpSpPr/>
+        <p:nvPr/>
+      </p:nvGrpSpPr>
+      <p:grpSpPr>
+        <a:xfrm>
+          <a:off x="0" y="0"/>
+          <a:ext cx="0" cy="0"/>
+          <a:chOff x="0" y="0"/>
+          <a:chExt cx="0" cy="0"/>
+        </a:xfrm>
+      </p:grpSpPr>
+      <p:sp>
+        <p:nvSpPr>
+          <p:cNvPr id="2" name="제목 1"/>
+          <p:cNvSpPr>
+            <a:spLocks noGrp="1"/>
+          </p:cNvSpPr>
+          <p:nvPr>
+            <p:ph type="title"/>
+          </p:nvPr>
+        </p:nvSpPr>
+        <p:spPr/>
+        <p:txBody>
+          <a:bodyPr>
+            <a:normAutofit/>
+          </a:bodyPr>
+          <a:lstStyle/>
+          <a:p>
+            <a:r>
+              <a:rPr lang="ko-KR" altLang="en-US" dirty="0"/>
+              <a:t>실행 계획</a:t>
+            </a:r>
+            <a:r>
+              <a:rPr lang="en-US" altLang="ko-KR" dirty="0"/>
+              <a:t>, </a:t>
+            </a:r>
+            <a:r>
+              <a:rPr lang="ko-KR" altLang="en-US" dirty="0"/>
+              <a:t>방법 및 설계</a:t>
+            </a:r>
+          </a:p>
+        </p:txBody>
+      </p:sp>
+      <p:sp>
+        <p:nvSpPr>
+          <p:cNvPr id="3" name="내용 개체 틀 2"/>
+          <p:cNvSpPr>
+            <a:spLocks noGrp="1"/>
+          </p:cNvSpPr>
+          <p:nvPr>
+            <p:ph idx="1"/>
+          </p:nvPr>
+        </p:nvSpPr>
+        <p:spPr/>
+        <p:txBody>
+          <a:bodyPr/>
+          <a:lstStyle/>
+          <a:p>
+            <a:r>
+              <a:rPr lang="ko-KR" altLang="en-US" dirty="0" err="1"/>
+              <a:t>음성→대본</a:t>
+            </a:r>
+            <a:r>
+              <a:rPr lang="ko-KR" altLang="en-US" dirty="0"/>
+              <a:t> 프로그램 흐름도</a:t>
+            </a:r>
+          </a:p>
+        </p:txBody>
+      </p:sp>
+      <p:pic>
+        <p:nvPicPr>
+          <p:cNvPr id="6" name="그림 5">
+            <a:extLst>
+              <a:ext uri="{FF2B5EF4-FFF2-40B4-BE49-F238E27FC236}">
+                <a16:creationId xmlns:a16="http://schemas.microsoft.com/office/drawing/2014/main" id="{3B9B4185-18AC-64C2-5570-44CD0F334A02}"/>
+              </a:ext>
+            </a:extLst>
+          </p:cNvPr>
+          <p:cNvPicPr>
+            <a:picLocks noChangeAspect="1"/>
+          </p:cNvPicPr>
+          <p:nvPr/>
+        </p:nvPicPr>
+        <p:blipFill>
+          <a:blip r:embed="rId2"/>
+          <a:stretch>
+            <a:fillRect/>
+          </a:stretch>
+        </p:blipFill>
+        <p:spPr>
+          <a:xfrm>
+            <a:off x="611560" y="2105167"/>
+            <a:ext cx="7452320" cy="3916121"/>
+          </a:xfrm>
+          <a:prstGeom prst="rect">
+            <a:avLst/>
+          </a:prstGeom>
+        </p:spPr>
+      </p:pic>
+    </p:spTree>
+    <p:extLst>
+      <p:ext uri="{BB962C8B-B14F-4D97-AF65-F5344CB8AC3E}">
+        <p14:creationId xmlns:p14="http://schemas.microsoft.com/office/powerpoint/2010/main" val="2888607836"/>
+      </p:ext>
+    </p:extLst>
+  </p:cSld>
+  <p:clrMapOvr>
+    <a:masterClrMapping/>
+  </p:clrMapOvr>
 </p:sld>
 </file>
 

--- a/ppt/정보통신종합설계 중간발표 앞부분.pptx
+++ b/ppt/정보통신종합설계 중간발표 앞부분.pptx
@@ -5,7 +5,7 @@
     <p:sldMasterId id="2147483696" r:id="rId1"/>
   </p:sldMasterIdLst>
   <p:notesMasterIdLst>
-    <p:notesMasterId r:id="rId22"/>
+    <p:notesMasterId r:id="rId23"/>
   </p:notesMasterIdLst>
   <p:sldIdLst>
     <p:sldId id="276" r:id="rId2"/>
@@ -28,6 +28,7 @@
     <p:sldId id="273" r:id="rId19"/>
     <p:sldId id="274" r:id="rId20"/>
     <p:sldId id="275" r:id="rId21"/>
+    <p:sldId id="301" r:id="rId22"/>
   </p:sldIdLst>
   <p:sldSz cx="9144000" cy="6858000" type="screen4x3"/>
   <p:notesSz cx="6858000" cy="9144000"/>
@@ -148,6 +149,32 @@
 </p:presentation>
 </file>
 
+<file path=ppt/commentAuthors.xml><?xml version="1.0" encoding="utf-8"?>
+<p:cmAuthorLst xmlns:a="http://schemas.openxmlformats.org/drawingml/2006/main" xmlns:r="http://schemas.openxmlformats.org/officeDocument/2006/relationships" xmlns:p="http://schemas.openxmlformats.org/presentationml/2006/main">
+  <p:cmAuthor id="1" name="신 원철" initials="신원" lastIdx="1" clrIdx="0">
+    <p:extLst>
+      <p:ext uri="{19B8F6BF-5375-455C-9EA6-DF929625EA0E}">
+        <p15:presenceInfo xmlns:p15="http://schemas.microsoft.com/office/powerpoint/2012/main" userId="4318a7eb6ae12c5b" providerId="Windows Live"/>
+      </p:ext>
+    </p:extLst>
+  </p:cmAuthor>
+</p:cmAuthorLst>
+</file>
+
+<file path=ppt/comments/comment1.xml><?xml version="1.0" encoding="utf-8"?>
+<p:cmLst xmlns:a="http://schemas.openxmlformats.org/drawingml/2006/main" xmlns:r="http://schemas.openxmlformats.org/officeDocument/2006/relationships" xmlns:p="http://schemas.openxmlformats.org/presentationml/2006/main">
+  <p:cm authorId="1" dt="2023-05-11T23:27:07.991" idx="1">
+    <p:pos x="10" y="10"/>
+    <p:text/>
+    <p:extLst>
+      <p:ext uri="{C676402C-5697-4E1C-873F-D02D1690AC5C}">
+        <p15:threadingInfo xmlns:p15="http://schemas.microsoft.com/office/powerpoint/2012/main" timeZoneBias="-540"/>
+      </p:ext>
+    </p:extLst>
+  </p:cm>
+</p:cmLst>
+</file>
+
 <file path=ppt/notesMasters/notesMaster1.xml><?xml version="1.0" encoding="utf-8"?>
 <p:notesMaster xmlns:a="http://schemas.openxmlformats.org/drawingml/2006/main" xmlns:r="http://schemas.openxmlformats.org/officeDocument/2006/relationships" xmlns:p="http://schemas.openxmlformats.org/presentationml/2006/main">
   <p:cSld>
@@ -543,15 +570,7 @@
           <a:p>
             <a:r>
               <a:rPr lang="ko-KR" altLang="en-US" dirty="0"/>
-              <a:t>다음으로 관련된 논문으로는 저희의 큰 키워드인 </a:t>
-            </a:r>
-            <a:r>
-              <a:rPr lang="en-US" altLang="ko-KR" dirty="0"/>
-              <a:t>audio summarization</a:t>
-            </a:r>
-            <a:r>
-              <a:rPr lang="ko-KR" altLang="en-US" dirty="0"/>
-              <a:t>으로 관련 연구를 찾아보았습니다</a:t>
+              <a:t>저희 조의 주제명은 화자 분리와 대본을 활용한 뉴스 음성 요약 시스템입니다</a:t>
             </a:r>
             <a:r>
               <a:rPr lang="en-US" altLang="ko-KR" dirty="0"/>
@@ -559,63 +578,13 @@
             </a:r>
           </a:p>
           <a:p>
-            <a:r>
-              <a:rPr lang="ko-KR" altLang="en-US" dirty="0"/>
-              <a:t> </a:t>
-            </a:r>
-            <a:r>
-              <a:rPr lang="en-US" altLang="ko-KR" dirty="0"/>
-              <a:t>2020</a:t>
-            </a:r>
-            <a:r>
-              <a:rPr lang="ko-KR" altLang="en-US" dirty="0"/>
-              <a:t>년에 </a:t>
-            </a:r>
-            <a:r>
-              <a:rPr lang="en-US" altLang="ko-KR" dirty="0" err="1"/>
-              <a:t>submi</a:t>
-            </a:r>
-            <a:r>
-              <a:rPr lang="ko-KR" altLang="en-US" dirty="0"/>
-              <a:t>된 </a:t>
-            </a:r>
-            <a:r>
-              <a:rPr lang="en-US" altLang="ko-KR" dirty="0" err="1"/>
-              <a:t>podsumm</a:t>
-            </a:r>
-            <a:r>
-              <a:rPr lang="ko-KR" altLang="en-US" dirty="0"/>
-              <a:t>이라는 논문에서 발췌한 내용입니다</a:t>
-            </a:r>
-            <a:r>
-              <a:rPr lang="en-US" altLang="ko-KR" dirty="0"/>
-              <a:t>.</a:t>
-            </a:r>
-          </a:p>
-          <a:p>
-            <a:r>
-              <a:rPr lang="ko-KR" altLang="en-US" dirty="0"/>
-              <a:t>해당 연구는 </a:t>
-            </a:r>
-            <a:r>
-              <a:rPr lang="en-US" altLang="ko-KR" dirty="0"/>
-              <a:t>podcast</a:t>
-            </a:r>
-            <a:r>
-              <a:rPr lang="ko-KR" altLang="en-US" dirty="0"/>
-              <a:t>의 음성 데이터를 </a:t>
-            </a:r>
-            <a:r>
-              <a:rPr lang="en-US" altLang="ko-KR" dirty="0"/>
-              <a:t>text</a:t>
-            </a:r>
-            <a:r>
-              <a:rPr lang="ko-KR" altLang="en-US" dirty="0"/>
-              <a:t>로 추출한 뒤 </a:t>
-            </a:r>
-            <a:r>
-              <a:rPr lang="en-US" altLang="ko-KR" dirty="0" err="1"/>
-              <a:t>presumm</a:t>
+            <a:endParaRPr lang="en-US" altLang="ko-KR" dirty="0"/>
+          </a:p>
+          <a:p>
+            <a:pPr lvl="1"/>
+            <a:r>
+              <a:rPr lang="ko-KR" altLang="en-US" dirty="0"/>
+              <a:t>기존 음성 요약 시스템은 음성을 텍스트로 변환하여 요약하여</a:t>
             </a:r>
             <a:r>
               <a:rPr lang="en-US" altLang="ko-KR" dirty="0"/>
@@ -623,12 +592,17 @@
             </a:r>
             <a:r>
               <a:rPr lang="ko-KR" altLang="en-US" dirty="0"/>
-              <a:t>모델을 사용하여 요약을 하는 연구입니다</a:t>
+              <a:t>화자 별 발화 내용을 반영하지 않음</a:t>
             </a:r>
             <a:r>
               <a:rPr lang="en-US" altLang="ko-KR" dirty="0"/>
               <a:t>. </a:t>
             </a:r>
+            <a:r>
+              <a:rPr lang="ko-KR" altLang="en-US" dirty="0"/>
+              <a:t>이는 화자가 여러 명인 경우 음성의 정확한 내용을 요약문에 반영하지 못함</a:t>
+            </a:r>
+            <a:endParaRPr lang="en-US" altLang="ko-KR" dirty="0"/>
           </a:p>
         </p:txBody>
       </p:sp>
@@ -649,16 +623,566 @@
           <a:p>
             <a:fld id="{928C4006-D583-4434-A25D-662BACC4BC65}" type="slidenum">
               <a:rPr lang="ko-KR" altLang="en-US" smtClean="0"/>
-              <a:t>4</a:t>
+              <a:t>2</a:t>
             </a:fld>
-            <a:endParaRPr lang="ko-KR" altLang="en-US"/>
+            <a:endParaRPr lang="ko-KR" altLang="en-US" dirty="0"/>
           </a:p>
         </p:txBody>
       </p:sp>
     </p:spTree>
     <p:extLst>
       <p:ext uri="{BB962C8B-B14F-4D97-AF65-F5344CB8AC3E}">
-        <p14:creationId xmlns:p14="http://schemas.microsoft.com/office/powerpoint/2010/main" val="1978468292"/>
+        <p14:creationId xmlns:p14="http://schemas.microsoft.com/office/powerpoint/2010/main" val="3268972019"/>
+      </p:ext>
+    </p:extLst>
+  </p:cSld>
+  <p:clrMapOvr>
+    <a:masterClrMapping/>
+  </p:clrMapOvr>
+</p:notes>
+</file>
+
+<file path=ppt/notesSlides/notesSlide10.xml><?xml version="1.0" encoding="utf-8"?>
+<p:notes xmlns:a="http://schemas.openxmlformats.org/drawingml/2006/main" xmlns:r="http://schemas.openxmlformats.org/officeDocument/2006/relationships" xmlns:p="http://schemas.openxmlformats.org/presentationml/2006/main">
+  <p:cSld>
+    <p:spTree>
+      <p:nvGrpSpPr>
+        <p:cNvPr id="1" name=""/>
+        <p:cNvGrpSpPr/>
+        <p:nvPr/>
+      </p:nvGrpSpPr>
+      <p:grpSpPr>
+        <a:xfrm>
+          <a:off x="0" y="0"/>
+          <a:ext cx="0" cy="0"/>
+          <a:chOff x="0" y="0"/>
+          <a:chExt cx="0" cy="0"/>
+        </a:xfrm>
+      </p:grpSpPr>
+      <p:sp>
+        <p:nvSpPr>
+          <p:cNvPr id="2" name="슬라이드 이미지 개체 틀 1"/>
+          <p:cNvSpPr>
+            <a:spLocks noGrp="1" noRot="1" noChangeAspect="1"/>
+          </p:cNvSpPr>
+          <p:nvPr>
+            <p:ph type="sldImg"/>
+          </p:nvPr>
+        </p:nvSpPr>
+        <p:spPr/>
+      </p:sp>
+      <p:sp>
+        <p:nvSpPr>
+          <p:cNvPr id="3" name="슬라이드 노트 개체 틀 2"/>
+          <p:cNvSpPr>
+            <a:spLocks noGrp="1"/>
+          </p:cNvSpPr>
+          <p:nvPr>
+            <p:ph type="body" idx="1"/>
+          </p:nvPr>
+        </p:nvSpPr>
+        <p:spPr/>
+        <p:txBody>
+          <a:bodyPr/>
+          <a:lstStyle/>
+          <a:p>
+            <a:r>
+              <a:rPr lang="ko-KR" altLang="en-US" dirty="0"/>
+              <a:t>하지만 해당 논문에서 </a:t>
+            </a:r>
+            <a:r>
+              <a:rPr lang="ko-KR" altLang="en-US" dirty="0" err="1"/>
+              <a:t>임베딩시</a:t>
+            </a:r>
+            <a:r>
+              <a:rPr lang="ko-KR" altLang="en-US" dirty="0"/>
+              <a:t> 사용된 </a:t>
+            </a:r>
+            <a:r>
+              <a:rPr lang="en-US" altLang="ko-KR" dirty="0" err="1"/>
+              <a:t>tf-idf</a:t>
+            </a:r>
+            <a:r>
+              <a:rPr lang="ko-KR" altLang="en-US" dirty="0"/>
+              <a:t>의 경우 단어의 출현 횟수를 기반으로 하는 통계 기반의 </a:t>
+            </a:r>
+            <a:r>
+              <a:rPr lang="ko-KR" altLang="en-US" dirty="0" err="1"/>
+              <a:t>임베딩</a:t>
+            </a:r>
+            <a:r>
+              <a:rPr lang="ko-KR" altLang="en-US" dirty="0"/>
+              <a:t> 방식으로</a:t>
+            </a:r>
+            <a:r>
+              <a:rPr lang="en-US" altLang="ko-KR" dirty="0"/>
+              <a:t>, </a:t>
+            </a:r>
+            <a:r>
+              <a:rPr lang="ko-KR" altLang="en-US" dirty="0"/>
+              <a:t>해당 </a:t>
+            </a:r>
+            <a:r>
+              <a:rPr lang="ko-KR" altLang="en-US" dirty="0" err="1"/>
+              <a:t>임베딩은</a:t>
+            </a:r>
+            <a:r>
+              <a:rPr lang="ko-KR" altLang="en-US" dirty="0"/>
+              <a:t> 글의 순서와 맥락 등과 같은 정보를 고려하지 못한다는 단점이 있습니다</a:t>
+            </a:r>
+            <a:r>
+              <a:rPr lang="en-US" altLang="ko-KR" dirty="0"/>
+              <a:t>. </a:t>
+            </a:r>
+            <a:r>
+              <a:rPr lang="ko-KR" altLang="en-US" dirty="0"/>
+              <a:t>고로 딥러닝 기반의 문장 </a:t>
+            </a:r>
+            <a:r>
+              <a:rPr lang="ko-KR" altLang="en-US" dirty="0" err="1"/>
+              <a:t>임베딩</a:t>
+            </a:r>
+            <a:r>
+              <a:rPr lang="ko-KR" altLang="en-US" dirty="0"/>
+              <a:t> 모델을 사용하여 글의 순서와 </a:t>
+            </a:r>
+            <a:r>
+              <a:rPr lang="ko-KR" altLang="en-US" dirty="0" err="1"/>
+              <a:t>맥락등을</a:t>
+            </a:r>
+            <a:r>
+              <a:rPr lang="ko-KR" altLang="en-US" dirty="0"/>
+              <a:t> 고려하는 </a:t>
+            </a:r>
+            <a:r>
+              <a:rPr lang="ko-KR" altLang="en-US" dirty="0" err="1"/>
+              <a:t>임베딩을</a:t>
+            </a:r>
+            <a:r>
+              <a:rPr lang="ko-KR" altLang="en-US" dirty="0"/>
+              <a:t> 생성하고</a:t>
+            </a:r>
+            <a:r>
+              <a:rPr lang="en-US" altLang="ko-KR" dirty="0"/>
+              <a:t>, </a:t>
+            </a:r>
+            <a:r>
+              <a:rPr lang="ko-KR" altLang="en-US" dirty="0"/>
+              <a:t>이를 </a:t>
+            </a:r>
+            <a:r>
+              <a:rPr lang="en-US" altLang="ko-KR" dirty="0"/>
+              <a:t>rex-rank</a:t>
+            </a:r>
+            <a:r>
+              <a:rPr lang="ko-KR" altLang="en-US" dirty="0"/>
+              <a:t>에 사용하여 더 정확한 </a:t>
+            </a:r>
+            <a:r>
+              <a:rPr lang="en-US" altLang="ko-KR" dirty="0"/>
+              <a:t>rank</a:t>
+            </a:r>
+            <a:r>
+              <a:rPr lang="ko-KR" altLang="en-US" dirty="0"/>
+              <a:t>값을 추출할 예정입니다</a:t>
+            </a:r>
+            <a:r>
+              <a:rPr lang="en-US" altLang="ko-KR" dirty="0"/>
+              <a:t>. </a:t>
+            </a:r>
+            <a:r>
+              <a:rPr lang="ko-KR" altLang="en-US" dirty="0"/>
+              <a:t>저희가 단어 </a:t>
+            </a:r>
+            <a:r>
+              <a:rPr lang="ko-KR" altLang="en-US" dirty="0" err="1"/>
+              <a:t>임베딩에</a:t>
+            </a:r>
+            <a:r>
+              <a:rPr lang="ko-KR" altLang="en-US" dirty="0"/>
+              <a:t> 사용할 모델인 </a:t>
+            </a:r>
+            <a:r>
+              <a:rPr lang="en-US" altLang="ko-KR" dirty="0" err="1"/>
+              <a:t>KoSimCSE</a:t>
+            </a:r>
+            <a:r>
+              <a:rPr lang="en-US" altLang="ko-KR" dirty="0"/>
+              <a:t>-BERT-multitask</a:t>
+            </a:r>
+            <a:r>
+              <a:rPr lang="ko-KR" altLang="en-US" dirty="0"/>
+              <a:t>은 한국어 문장을 </a:t>
+            </a:r>
+            <a:r>
+              <a:rPr lang="ko-KR" altLang="en-US" dirty="0" err="1"/>
+              <a:t>임베딩하는</a:t>
+            </a:r>
+            <a:r>
+              <a:rPr lang="ko-KR" altLang="en-US" dirty="0"/>
+              <a:t> 언어 모델로</a:t>
+            </a:r>
+            <a:r>
+              <a:rPr lang="en-US" altLang="ko-KR" dirty="0"/>
+              <a:t>, </a:t>
+            </a:r>
+            <a:r>
+              <a:rPr lang="ko-KR" altLang="en-US" dirty="0"/>
+              <a:t>문장 사이의 의미론적 유사성을 잘 반영하는지 평가하는 지표인 </a:t>
+            </a:r>
+            <a:r>
+              <a:rPr lang="en-US" altLang="ko-KR" dirty="0"/>
+              <a:t>cosine </a:t>
+            </a:r>
+            <a:r>
+              <a:rPr lang="en-US" altLang="ko-KR" dirty="0" err="1"/>
+              <a:t>pearson</a:t>
+            </a:r>
+            <a:r>
+              <a:rPr lang="ko-KR" altLang="en-US" dirty="0"/>
+              <a:t>값이 높아 해당 모델을 선정하였습니다</a:t>
+            </a:r>
+            <a:r>
+              <a:rPr lang="en-US" altLang="ko-KR" dirty="0"/>
+              <a:t>. </a:t>
+            </a:r>
+            <a:endParaRPr lang="ko-KR" altLang="en-US" dirty="0"/>
+          </a:p>
+        </p:txBody>
+      </p:sp>
+      <p:sp>
+        <p:nvSpPr>
+          <p:cNvPr id="4" name="슬라이드 번호 개체 틀 3"/>
+          <p:cNvSpPr>
+            <a:spLocks noGrp="1"/>
+          </p:cNvSpPr>
+          <p:nvPr>
+            <p:ph type="sldNum" sz="quarter" idx="5"/>
+          </p:nvPr>
+        </p:nvSpPr>
+        <p:spPr/>
+        <p:txBody>
+          <a:bodyPr/>
+          <a:lstStyle/>
+          <a:p>
+            <a:fld id="{928C4006-D583-4434-A25D-662BACC4BC65}" type="slidenum">
+              <a:rPr lang="ko-KR" altLang="en-US" smtClean="0"/>
+              <a:t>11</a:t>
+            </a:fld>
+            <a:endParaRPr lang="ko-KR" altLang="en-US" dirty="0"/>
+          </a:p>
+        </p:txBody>
+      </p:sp>
+    </p:spTree>
+    <p:extLst>
+      <p:ext uri="{BB962C8B-B14F-4D97-AF65-F5344CB8AC3E}">
+        <p14:creationId xmlns:p14="http://schemas.microsoft.com/office/powerpoint/2010/main" val="2418335339"/>
+      </p:ext>
+    </p:extLst>
+  </p:cSld>
+  <p:clrMapOvr>
+    <a:masterClrMapping/>
+  </p:clrMapOvr>
+</p:notes>
+</file>
+
+<file path=ppt/notesSlides/notesSlide11.xml><?xml version="1.0" encoding="utf-8"?>
+<p:notes xmlns:a="http://schemas.openxmlformats.org/drawingml/2006/main" xmlns:r="http://schemas.openxmlformats.org/officeDocument/2006/relationships" xmlns:p="http://schemas.openxmlformats.org/presentationml/2006/main">
+  <p:cSld>
+    <p:spTree>
+      <p:nvGrpSpPr>
+        <p:cNvPr id="1" name=""/>
+        <p:cNvGrpSpPr/>
+        <p:nvPr/>
+      </p:nvGrpSpPr>
+      <p:grpSpPr>
+        <a:xfrm>
+          <a:off x="0" y="0"/>
+          <a:ext cx="0" cy="0"/>
+          <a:chOff x="0" y="0"/>
+          <a:chExt cx="0" cy="0"/>
+        </a:xfrm>
+      </p:grpSpPr>
+      <p:sp>
+        <p:nvSpPr>
+          <p:cNvPr id="2" name="슬라이드 이미지 개체 틀 1"/>
+          <p:cNvSpPr>
+            <a:spLocks noGrp="1" noRot="1" noChangeAspect="1"/>
+          </p:cNvSpPr>
+          <p:nvPr>
+            <p:ph type="sldImg"/>
+          </p:nvPr>
+        </p:nvSpPr>
+        <p:spPr/>
+      </p:sp>
+      <p:sp>
+        <p:nvSpPr>
+          <p:cNvPr id="3" name="슬라이드 노트 개체 틀 2"/>
+          <p:cNvSpPr>
+            <a:spLocks noGrp="1"/>
+          </p:cNvSpPr>
+          <p:nvPr>
+            <p:ph type="body" idx="1"/>
+          </p:nvPr>
+        </p:nvSpPr>
+        <p:spPr/>
+        <p:txBody>
+          <a:bodyPr/>
+          <a:lstStyle/>
+          <a:p>
+            <a:r>
+              <a:rPr lang="ko-KR" altLang="en-US" dirty="0"/>
+              <a:t>위와 같은 흐름도로 산출된 화자 별 </a:t>
+            </a:r>
+            <a:r>
+              <a:rPr lang="en-US" altLang="ko-KR" dirty="0"/>
+              <a:t>rank</a:t>
+            </a:r>
+            <a:r>
+              <a:rPr lang="ko-KR" altLang="en-US" dirty="0"/>
+              <a:t>값을 오른쪽 식을 이용하여 정규화하고</a:t>
+            </a:r>
+            <a:r>
+              <a:rPr lang="en-US" altLang="ko-KR" dirty="0"/>
+              <a:t>, </a:t>
+            </a:r>
+            <a:r>
+              <a:rPr lang="ko-KR" altLang="en-US" dirty="0"/>
+              <a:t>이를 </a:t>
+            </a:r>
+            <a:r>
+              <a:rPr lang="en-US" altLang="ko-KR" dirty="0" err="1"/>
+              <a:t>normalized_length</a:t>
+            </a:r>
+            <a:r>
+              <a:rPr lang="ko-KR" altLang="en-US" dirty="0"/>
+              <a:t>와 결합하여 최종 중요도를 산출합니다</a:t>
+            </a:r>
+            <a:r>
+              <a:rPr lang="en-US" altLang="ko-KR" dirty="0"/>
+              <a:t>. </a:t>
+            </a:r>
+            <a:endParaRPr lang="ko-KR" altLang="en-US" dirty="0"/>
+          </a:p>
+        </p:txBody>
+      </p:sp>
+      <p:sp>
+        <p:nvSpPr>
+          <p:cNvPr id="4" name="슬라이드 번호 개체 틀 3"/>
+          <p:cNvSpPr>
+            <a:spLocks noGrp="1"/>
+          </p:cNvSpPr>
+          <p:nvPr>
+            <p:ph type="sldNum" sz="quarter" idx="5"/>
+          </p:nvPr>
+        </p:nvSpPr>
+        <p:spPr/>
+        <p:txBody>
+          <a:bodyPr/>
+          <a:lstStyle/>
+          <a:p>
+            <a:fld id="{928C4006-D583-4434-A25D-662BACC4BC65}" type="slidenum">
+              <a:rPr lang="ko-KR" altLang="en-US" smtClean="0"/>
+              <a:t>12</a:t>
+            </a:fld>
+            <a:endParaRPr lang="ko-KR" altLang="en-US" dirty="0"/>
+          </a:p>
+        </p:txBody>
+      </p:sp>
+    </p:spTree>
+    <p:extLst>
+      <p:ext uri="{BB962C8B-B14F-4D97-AF65-F5344CB8AC3E}">
+        <p14:creationId xmlns:p14="http://schemas.microsoft.com/office/powerpoint/2010/main" val="2445118962"/>
+      </p:ext>
+    </p:extLst>
+  </p:cSld>
+  <p:clrMapOvr>
+    <a:masterClrMapping/>
+  </p:clrMapOvr>
+</p:notes>
+</file>
+
+<file path=ppt/notesSlides/notesSlide12.xml><?xml version="1.0" encoding="utf-8"?>
+<p:notes xmlns:a="http://schemas.openxmlformats.org/drawingml/2006/main" xmlns:r="http://schemas.openxmlformats.org/officeDocument/2006/relationships" xmlns:p="http://schemas.openxmlformats.org/presentationml/2006/main">
+  <p:cSld>
+    <p:spTree>
+      <p:nvGrpSpPr>
+        <p:cNvPr id="1" name=""/>
+        <p:cNvGrpSpPr/>
+        <p:nvPr/>
+      </p:nvGrpSpPr>
+      <p:grpSpPr>
+        <a:xfrm>
+          <a:off x="0" y="0"/>
+          <a:ext cx="0" cy="0"/>
+          <a:chOff x="0" y="0"/>
+          <a:chExt cx="0" cy="0"/>
+        </a:xfrm>
+      </p:grpSpPr>
+      <p:sp>
+        <p:nvSpPr>
+          <p:cNvPr id="2" name="슬라이드 이미지 개체 틀 1"/>
+          <p:cNvSpPr>
+            <a:spLocks noGrp="1" noRot="1" noChangeAspect="1"/>
+          </p:cNvSpPr>
+          <p:nvPr>
+            <p:ph type="sldImg"/>
+          </p:nvPr>
+        </p:nvSpPr>
+        <p:spPr/>
+      </p:sp>
+      <p:sp>
+        <p:nvSpPr>
+          <p:cNvPr id="3" name="슬라이드 노트 개체 틀 2"/>
+          <p:cNvSpPr>
+            <a:spLocks noGrp="1"/>
+          </p:cNvSpPr>
+          <p:nvPr>
+            <p:ph type="body" idx="1"/>
+          </p:nvPr>
+        </p:nvSpPr>
+        <p:spPr/>
+        <p:txBody>
+          <a:bodyPr/>
+          <a:lstStyle/>
+          <a:p>
+            <a:r>
+              <a:rPr lang="ko-KR" altLang="en-US" dirty="0"/>
+              <a:t>위 흐름도를 따라서 대본에서 화자 별 </a:t>
+            </a:r>
+            <a:r>
+              <a:rPr lang="en-US" altLang="ko-KR" dirty="0"/>
+              <a:t>rank</a:t>
+            </a:r>
+            <a:r>
+              <a:rPr lang="ko-KR" altLang="en-US" dirty="0"/>
+              <a:t>를 구하고 중심 화자를 선택한 결과는 다음과 같습니다</a:t>
+            </a:r>
+            <a:r>
+              <a:rPr lang="en-US" altLang="ko-KR" dirty="0"/>
+              <a:t>. </a:t>
+            </a:r>
+            <a:endParaRPr lang="ko-KR" altLang="en-US" dirty="0"/>
+          </a:p>
+        </p:txBody>
+      </p:sp>
+      <p:sp>
+        <p:nvSpPr>
+          <p:cNvPr id="4" name="슬라이드 번호 개체 틀 3"/>
+          <p:cNvSpPr>
+            <a:spLocks noGrp="1"/>
+          </p:cNvSpPr>
+          <p:nvPr>
+            <p:ph type="sldNum" sz="quarter" idx="5"/>
+          </p:nvPr>
+        </p:nvSpPr>
+        <p:spPr/>
+        <p:txBody>
+          <a:bodyPr/>
+          <a:lstStyle/>
+          <a:p>
+            <a:fld id="{928C4006-D583-4434-A25D-662BACC4BC65}" type="slidenum">
+              <a:rPr lang="ko-KR" altLang="en-US" smtClean="0"/>
+              <a:t>13</a:t>
+            </a:fld>
+            <a:endParaRPr lang="ko-KR" altLang="en-US" dirty="0"/>
+          </a:p>
+        </p:txBody>
+      </p:sp>
+    </p:spTree>
+    <p:extLst>
+      <p:ext uri="{BB962C8B-B14F-4D97-AF65-F5344CB8AC3E}">
+        <p14:creationId xmlns:p14="http://schemas.microsoft.com/office/powerpoint/2010/main" val="39654685"/>
+      </p:ext>
+    </p:extLst>
+  </p:cSld>
+  <p:clrMapOvr>
+    <a:masterClrMapping/>
+  </p:clrMapOvr>
+</p:notes>
+</file>
+
+<file path=ppt/notesSlides/notesSlide13.xml><?xml version="1.0" encoding="utf-8"?>
+<p:notes xmlns:a="http://schemas.openxmlformats.org/drawingml/2006/main" xmlns:r="http://schemas.openxmlformats.org/officeDocument/2006/relationships" xmlns:p="http://schemas.openxmlformats.org/presentationml/2006/main">
+  <p:cSld>
+    <p:spTree>
+      <p:nvGrpSpPr>
+        <p:cNvPr id="1" name=""/>
+        <p:cNvGrpSpPr/>
+        <p:nvPr/>
+      </p:nvGrpSpPr>
+      <p:grpSpPr>
+        <a:xfrm>
+          <a:off x="0" y="0"/>
+          <a:ext cx="0" cy="0"/>
+          <a:chOff x="0" y="0"/>
+          <a:chExt cx="0" cy="0"/>
+        </a:xfrm>
+      </p:grpSpPr>
+      <p:sp>
+        <p:nvSpPr>
+          <p:cNvPr id="2" name="슬라이드 이미지 개체 틀 1"/>
+          <p:cNvSpPr>
+            <a:spLocks noGrp="1" noRot="1" noChangeAspect="1"/>
+          </p:cNvSpPr>
+          <p:nvPr>
+            <p:ph type="sldImg"/>
+          </p:nvPr>
+        </p:nvSpPr>
+        <p:spPr/>
+      </p:sp>
+      <p:sp>
+        <p:nvSpPr>
+          <p:cNvPr id="3" name="슬라이드 노트 개체 틀 2"/>
+          <p:cNvSpPr>
+            <a:spLocks noGrp="1"/>
+          </p:cNvSpPr>
+          <p:nvPr>
+            <p:ph type="body" idx="1"/>
+          </p:nvPr>
+        </p:nvSpPr>
+        <p:spPr/>
+        <p:txBody>
+          <a:bodyPr/>
+          <a:lstStyle/>
+          <a:p>
+            <a:endParaRPr lang="en-US" altLang="ko-KR" b="0" i="0" dirty="0">
+              <a:solidFill>
+                <a:srgbClr val="374151"/>
+              </a:solidFill>
+              <a:effectLst/>
+              <a:latin typeface="Söhne"/>
+            </a:endParaRPr>
+          </a:p>
+        </p:txBody>
+      </p:sp>
+      <p:sp>
+        <p:nvSpPr>
+          <p:cNvPr id="4" name="슬라이드 번호 개체 틀 3"/>
+          <p:cNvSpPr>
+            <a:spLocks noGrp="1"/>
+          </p:cNvSpPr>
+          <p:nvPr>
+            <p:ph type="sldNum" sz="quarter" idx="5"/>
+          </p:nvPr>
+        </p:nvSpPr>
+        <p:spPr/>
+        <p:txBody>
+          <a:bodyPr/>
+          <a:lstStyle/>
+          <a:p>
+            <a:fld id="{928C4006-D583-4434-A25D-662BACC4BC65}" type="slidenum">
+              <a:rPr lang="ko-KR" altLang="en-US" smtClean="0"/>
+              <a:t>14</a:t>
+            </a:fld>
+            <a:endParaRPr lang="ko-KR" altLang="en-US"/>
+          </a:p>
+        </p:txBody>
+      </p:sp>
+    </p:spTree>
+    <p:extLst>
+      <p:ext uri="{BB962C8B-B14F-4D97-AF65-F5344CB8AC3E}">
+        <p14:creationId xmlns:p14="http://schemas.microsoft.com/office/powerpoint/2010/main" val="1554435056"/>
       </p:ext>
     </p:extLst>
   </p:cSld>
@@ -713,40 +1237,38 @@
           <a:lstStyle/>
           <a:p>
             <a:r>
-              <a:rPr lang="ko-KR" altLang="en-US" b="0" i="0" dirty="0">
-                <a:solidFill>
-                  <a:srgbClr val="374151"/>
-                </a:solidFill>
-                <a:effectLst/>
-                <a:latin typeface="Söhne"/>
-              </a:rPr>
-              <a:t>저희가 사용할 주요 화자 추출 모델은 </a:t>
-            </a:r>
-            <a:r>
-              <a:rPr lang="en-US" altLang="ko-KR" dirty="0" err="1"/>
-              <a:t>KoSimCSE</a:t>
+              <a:rPr lang="ko-KR" altLang="en-US" dirty="0"/>
+              <a:t>저희 프로젝트의 목표는 다음과 같습니다</a:t>
             </a:r>
             <a:r>
               <a:rPr lang="en-US" altLang="ko-KR" dirty="0"/>
-              <a:t>-</a:t>
-            </a:r>
-            <a:r>
-              <a:rPr lang="en-US" altLang="ko-KR" dirty="0" err="1"/>
-              <a:t>bert</a:t>
+              <a:t>. </a:t>
+            </a:r>
+            <a:r>
+              <a:rPr lang="ko-KR" altLang="en-US" dirty="0"/>
+              <a:t>기본 음성 요약 시스템에 화자 분리를 적용하여 요약의 성능을 개선하고</a:t>
             </a:r>
             <a:r>
               <a:rPr lang="en-US" altLang="ko-KR" dirty="0"/>
-              <a:t>-multitask</a:t>
-            </a:r>
-          </a:p>
-          <a:p>
-            <a:endParaRPr lang="en-US" altLang="ko-KR" b="0" i="0" dirty="0">
-              <a:solidFill>
-                <a:srgbClr val="374151"/>
-              </a:solidFill>
-              <a:effectLst/>
-              <a:latin typeface="Söhne"/>
-            </a:endParaRPr>
+              <a:t>, </a:t>
+            </a:r>
+            <a:r>
+              <a:rPr lang="ko-KR" altLang="en-US" dirty="0"/>
+              <a:t>화자 별 발화 내용을 바탕으로 중심화자를 선정하며</a:t>
+            </a:r>
+            <a:r>
+              <a:rPr lang="en-US" altLang="ko-KR" dirty="0"/>
+              <a:t>, </a:t>
+            </a:r>
+            <a:r>
+              <a:rPr lang="ko-KR" altLang="en-US" dirty="0"/>
+              <a:t>전체 요약 및 화자 별 요약을 제공하고 평가합니다</a:t>
+            </a:r>
+            <a:r>
+              <a:rPr lang="en-US" altLang="ko-KR" dirty="0"/>
+              <a:t>. </a:t>
+            </a:r>
+            <a:endParaRPr lang="ko-KR" altLang="en-US" dirty="0"/>
           </a:p>
         </p:txBody>
       </p:sp>
@@ -767,16 +1289,1014 @@
           <a:p>
             <a:fld id="{928C4006-D583-4434-A25D-662BACC4BC65}" type="slidenum">
               <a:rPr lang="ko-KR" altLang="en-US" smtClean="0"/>
-              <a:t>14</a:t>
+              <a:t>3</a:t>
             </a:fld>
-            <a:endParaRPr lang="ko-KR" altLang="en-US"/>
+            <a:endParaRPr lang="ko-KR" altLang="en-US" dirty="0"/>
           </a:p>
         </p:txBody>
       </p:sp>
     </p:spTree>
     <p:extLst>
       <p:ext uri="{BB962C8B-B14F-4D97-AF65-F5344CB8AC3E}">
-        <p14:creationId xmlns:p14="http://schemas.microsoft.com/office/powerpoint/2010/main" val="1554435056"/>
+        <p14:creationId xmlns:p14="http://schemas.microsoft.com/office/powerpoint/2010/main" val="2826081950"/>
+      </p:ext>
+    </p:extLst>
+  </p:cSld>
+  <p:clrMapOvr>
+    <a:masterClrMapping/>
+  </p:clrMapOvr>
+</p:notes>
+</file>
+
+<file path=ppt/notesSlides/notesSlide3.xml><?xml version="1.0" encoding="utf-8"?>
+<p:notes xmlns:a="http://schemas.openxmlformats.org/drawingml/2006/main" xmlns:r="http://schemas.openxmlformats.org/officeDocument/2006/relationships" xmlns:p="http://schemas.openxmlformats.org/presentationml/2006/main">
+  <p:cSld>
+    <p:spTree>
+      <p:nvGrpSpPr>
+        <p:cNvPr id="1" name=""/>
+        <p:cNvGrpSpPr/>
+        <p:nvPr/>
+      </p:nvGrpSpPr>
+      <p:grpSpPr>
+        <a:xfrm>
+          <a:off x="0" y="0"/>
+          <a:ext cx="0" cy="0"/>
+          <a:chOff x="0" y="0"/>
+          <a:chExt cx="0" cy="0"/>
+        </a:xfrm>
+      </p:grpSpPr>
+      <p:sp>
+        <p:nvSpPr>
+          <p:cNvPr id="2" name="슬라이드 이미지 개체 틀 1"/>
+          <p:cNvSpPr>
+            <a:spLocks noGrp="1" noRot="1" noChangeAspect="1"/>
+          </p:cNvSpPr>
+          <p:nvPr>
+            <p:ph type="sldImg"/>
+          </p:nvPr>
+        </p:nvSpPr>
+        <p:spPr/>
+      </p:sp>
+      <p:sp>
+        <p:nvSpPr>
+          <p:cNvPr id="3" name="슬라이드 노트 개체 틀 2"/>
+          <p:cNvSpPr>
+            <a:spLocks noGrp="1"/>
+          </p:cNvSpPr>
+          <p:nvPr>
+            <p:ph type="body" idx="1"/>
+          </p:nvPr>
+        </p:nvSpPr>
+        <p:spPr/>
+        <p:txBody>
+          <a:bodyPr/>
+          <a:lstStyle/>
+          <a:p>
+            <a:r>
+              <a:rPr lang="ko-KR" altLang="en-US" dirty="0"/>
+              <a:t>음성 요약에 관련된 논문으로는 </a:t>
+            </a:r>
+            <a:r>
+              <a:rPr lang="en-US" altLang="ko-KR" dirty="0"/>
+              <a:t>2020</a:t>
+            </a:r>
+            <a:r>
+              <a:rPr lang="ko-KR" altLang="en-US" dirty="0"/>
+              <a:t>년에 </a:t>
+            </a:r>
+            <a:r>
+              <a:rPr lang="en-US" altLang="ko-KR" dirty="0" err="1"/>
+              <a:t>submi</a:t>
+            </a:r>
+            <a:r>
+              <a:rPr lang="ko-KR" altLang="en-US" dirty="0"/>
+              <a:t>된 </a:t>
+            </a:r>
+            <a:r>
+              <a:rPr lang="en-US" altLang="ko-KR" dirty="0" err="1"/>
+              <a:t>podsumm</a:t>
+            </a:r>
+            <a:r>
+              <a:rPr lang="ko-KR" altLang="en-US" dirty="0"/>
+              <a:t>이라는 논문입니다</a:t>
+            </a:r>
+            <a:r>
+              <a:rPr lang="en-US" altLang="ko-KR" dirty="0"/>
+              <a:t>. </a:t>
+            </a:r>
+            <a:r>
+              <a:rPr lang="ko-KR" altLang="en-US" dirty="0"/>
+              <a:t>해당 연구는 </a:t>
+            </a:r>
+            <a:r>
+              <a:rPr lang="en-US" altLang="ko-KR" dirty="0"/>
+              <a:t>podcast</a:t>
+            </a:r>
+            <a:r>
+              <a:rPr lang="ko-KR" altLang="en-US" dirty="0"/>
+              <a:t>의 음성 데이터를 </a:t>
+            </a:r>
+            <a:r>
+              <a:rPr lang="en-US" altLang="ko-KR" dirty="0"/>
+              <a:t>text</a:t>
+            </a:r>
+            <a:r>
+              <a:rPr lang="ko-KR" altLang="en-US" dirty="0"/>
+              <a:t>로 추출한 뒤 </a:t>
+            </a:r>
+            <a:r>
+              <a:rPr lang="en-US" altLang="ko-KR" dirty="0" err="1"/>
+              <a:t>presumm</a:t>
+            </a:r>
+            <a:r>
+              <a:rPr lang="en-US" altLang="ko-KR" dirty="0"/>
+              <a:t> </a:t>
+            </a:r>
+            <a:r>
+              <a:rPr lang="ko-KR" altLang="en-US" dirty="0"/>
+              <a:t>모델을 사용하여 요약을 하는 연구입니다</a:t>
+            </a:r>
+            <a:r>
+              <a:rPr lang="en-US" altLang="ko-KR" dirty="0"/>
+              <a:t>. </a:t>
+            </a:r>
+            <a:r>
+              <a:rPr lang="ko-KR" altLang="en-US" dirty="0"/>
+              <a:t>해당 시스템은 앞서 언급했던 화자의 수가 늘어나면 결과가 부정확해 지는 문제점이 있습니다</a:t>
+            </a:r>
+            <a:r>
+              <a:rPr lang="en-US" altLang="ko-KR" dirty="0"/>
+              <a:t>. </a:t>
+            </a:r>
+          </a:p>
+        </p:txBody>
+      </p:sp>
+      <p:sp>
+        <p:nvSpPr>
+          <p:cNvPr id="4" name="슬라이드 번호 개체 틀 3"/>
+          <p:cNvSpPr>
+            <a:spLocks noGrp="1"/>
+          </p:cNvSpPr>
+          <p:nvPr>
+            <p:ph type="sldNum" sz="quarter" idx="5"/>
+          </p:nvPr>
+        </p:nvSpPr>
+        <p:spPr/>
+        <p:txBody>
+          <a:bodyPr/>
+          <a:lstStyle/>
+          <a:p>
+            <a:fld id="{928C4006-D583-4434-A25D-662BACC4BC65}" type="slidenum">
+              <a:rPr lang="ko-KR" altLang="en-US" smtClean="0"/>
+              <a:t>4</a:t>
+            </a:fld>
+            <a:endParaRPr lang="ko-KR" altLang="en-US"/>
+          </a:p>
+        </p:txBody>
+      </p:sp>
+    </p:spTree>
+    <p:extLst>
+      <p:ext uri="{BB962C8B-B14F-4D97-AF65-F5344CB8AC3E}">
+        <p14:creationId xmlns:p14="http://schemas.microsoft.com/office/powerpoint/2010/main" val="1978468292"/>
+      </p:ext>
+    </p:extLst>
+  </p:cSld>
+  <p:clrMapOvr>
+    <a:masterClrMapping/>
+  </p:clrMapOvr>
+</p:notes>
+</file>
+
+<file path=ppt/notesSlides/notesSlide4.xml><?xml version="1.0" encoding="utf-8"?>
+<p:notes xmlns:a="http://schemas.openxmlformats.org/drawingml/2006/main" xmlns:r="http://schemas.openxmlformats.org/officeDocument/2006/relationships" xmlns:p="http://schemas.openxmlformats.org/presentationml/2006/main">
+  <p:cSld>
+    <p:spTree>
+      <p:nvGrpSpPr>
+        <p:cNvPr id="1" name=""/>
+        <p:cNvGrpSpPr/>
+        <p:nvPr/>
+      </p:nvGrpSpPr>
+      <p:grpSpPr>
+        <a:xfrm>
+          <a:off x="0" y="0"/>
+          <a:ext cx="0" cy="0"/>
+          <a:chOff x="0" y="0"/>
+          <a:chExt cx="0" cy="0"/>
+        </a:xfrm>
+      </p:grpSpPr>
+      <p:sp>
+        <p:nvSpPr>
+          <p:cNvPr id="2" name="슬라이드 이미지 개체 틀 1"/>
+          <p:cNvSpPr>
+            <a:spLocks noGrp="1" noRot="1" noChangeAspect="1"/>
+          </p:cNvSpPr>
+          <p:nvPr>
+            <p:ph type="sldImg"/>
+          </p:nvPr>
+        </p:nvSpPr>
+        <p:spPr/>
+      </p:sp>
+      <p:sp>
+        <p:nvSpPr>
+          <p:cNvPr id="3" name="슬라이드 노트 개체 틀 2"/>
+          <p:cNvSpPr>
+            <a:spLocks noGrp="1"/>
+          </p:cNvSpPr>
+          <p:nvPr>
+            <p:ph type="body" idx="1"/>
+          </p:nvPr>
+        </p:nvSpPr>
+        <p:spPr/>
+        <p:txBody>
+          <a:bodyPr/>
+          <a:lstStyle/>
+          <a:p>
+            <a:r>
+              <a:rPr lang="ko-KR" altLang="en-US" dirty="0"/>
+              <a:t>이러한 점을 개선하기 위한 저희의 시스템 전체 흐름도 입니다</a:t>
+            </a:r>
+            <a:r>
+              <a:rPr lang="en-US" altLang="ko-KR" dirty="0"/>
+              <a:t>. </a:t>
+            </a:r>
+            <a:r>
+              <a:rPr lang="ko-KR" altLang="en-US" dirty="0"/>
+              <a:t>원본 음성에서 화자 분리</a:t>
+            </a:r>
+            <a:r>
+              <a:rPr lang="en-US" altLang="ko-KR" dirty="0"/>
+              <a:t>, </a:t>
+            </a:r>
+            <a:r>
+              <a:rPr lang="ko-KR" altLang="en-US" dirty="0"/>
+              <a:t>화자 인식</a:t>
+            </a:r>
+            <a:r>
+              <a:rPr lang="en-US" altLang="ko-KR" dirty="0"/>
+              <a:t>, STT</a:t>
+            </a:r>
+            <a:r>
+              <a:rPr lang="ko-KR" altLang="en-US" dirty="0"/>
+              <a:t>등의 모델을 사용하여 대본 형식의 </a:t>
+            </a:r>
+            <a:r>
+              <a:rPr lang="en-US" altLang="ko-KR" dirty="0"/>
+              <a:t>text</a:t>
+            </a:r>
+            <a:r>
+              <a:rPr lang="ko-KR" altLang="en-US" dirty="0"/>
+              <a:t>로 </a:t>
+            </a:r>
+            <a:r>
+              <a:rPr lang="ko-KR" altLang="en-US" dirty="0" err="1"/>
+              <a:t>변홥합니다</a:t>
+            </a:r>
+            <a:r>
+              <a:rPr lang="en-US" altLang="ko-KR" dirty="0"/>
+              <a:t>. </a:t>
+            </a:r>
+            <a:r>
+              <a:rPr lang="ko-KR" altLang="en-US" dirty="0"/>
+              <a:t>이 대본 형식의 </a:t>
+            </a:r>
+            <a:r>
+              <a:rPr lang="en-US" altLang="ko-KR" dirty="0"/>
+              <a:t>text</a:t>
+            </a:r>
+            <a:r>
+              <a:rPr lang="ko-KR" altLang="en-US" dirty="0"/>
+              <a:t>를 사용하여 전체 요약문 및 화자 별 요약을 생성하게 되는데 자세한 과정은 뒤에 설명하겠습니다</a:t>
+            </a:r>
+            <a:r>
+              <a:rPr lang="en-US" altLang="ko-KR" dirty="0"/>
+              <a:t>. </a:t>
+            </a:r>
+            <a:endParaRPr lang="ko-KR" altLang="en-US" dirty="0"/>
+          </a:p>
+        </p:txBody>
+      </p:sp>
+      <p:sp>
+        <p:nvSpPr>
+          <p:cNvPr id="4" name="슬라이드 번호 개체 틀 3"/>
+          <p:cNvSpPr>
+            <a:spLocks noGrp="1"/>
+          </p:cNvSpPr>
+          <p:nvPr>
+            <p:ph type="sldNum" sz="quarter" idx="5"/>
+          </p:nvPr>
+        </p:nvSpPr>
+        <p:spPr/>
+        <p:txBody>
+          <a:bodyPr/>
+          <a:lstStyle/>
+          <a:p>
+            <a:fld id="{928C4006-D583-4434-A25D-662BACC4BC65}" type="slidenum">
+              <a:rPr lang="ko-KR" altLang="en-US" smtClean="0"/>
+              <a:t>5</a:t>
+            </a:fld>
+            <a:endParaRPr lang="ko-KR" altLang="en-US" dirty="0"/>
+          </a:p>
+        </p:txBody>
+      </p:sp>
+    </p:spTree>
+    <p:extLst>
+      <p:ext uri="{BB962C8B-B14F-4D97-AF65-F5344CB8AC3E}">
+        <p14:creationId xmlns:p14="http://schemas.microsoft.com/office/powerpoint/2010/main" val="693077246"/>
+      </p:ext>
+    </p:extLst>
+  </p:cSld>
+  <p:clrMapOvr>
+    <a:masterClrMapping/>
+  </p:clrMapOvr>
+</p:notes>
+</file>
+
+<file path=ppt/notesSlides/notesSlide5.xml><?xml version="1.0" encoding="utf-8"?>
+<p:notes xmlns:a="http://schemas.openxmlformats.org/drawingml/2006/main" xmlns:r="http://schemas.openxmlformats.org/officeDocument/2006/relationships" xmlns:p="http://schemas.openxmlformats.org/presentationml/2006/main">
+  <p:cSld>
+    <p:spTree>
+      <p:nvGrpSpPr>
+        <p:cNvPr id="1" name=""/>
+        <p:cNvGrpSpPr/>
+        <p:nvPr/>
+      </p:nvGrpSpPr>
+      <p:grpSpPr>
+        <a:xfrm>
+          <a:off x="0" y="0"/>
+          <a:ext cx="0" cy="0"/>
+          <a:chOff x="0" y="0"/>
+          <a:chExt cx="0" cy="0"/>
+        </a:xfrm>
+      </p:grpSpPr>
+      <p:sp>
+        <p:nvSpPr>
+          <p:cNvPr id="2" name="슬라이드 이미지 개체 틀 1"/>
+          <p:cNvSpPr>
+            <a:spLocks noGrp="1" noRot="1" noChangeAspect="1"/>
+          </p:cNvSpPr>
+          <p:nvPr>
+            <p:ph type="sldImg"/>
+          </p:nvPr>
+        </p:nvSpPr>
+        <p:spPr/>
+      </p:sp>
+      <p:sp>
+        <p:nvSpPr>
+          <p:cNvPr id="3" name="슬라이드 노트 개체 틀 2"/>
+          <p:cNvSpPr>
+            <a:spLocks noGrp="1"/>
+          </p:cNvSpPr>
+          <p:nvPr>
+            <p:ph type="body" idx="1"/>
+          </p:nvPr>
+        </p:nvSpPr>
+        <p:spPr/>
+        <p:txBody>
+          <a:bodyPr/>
+          <a:lstStyle/>
+          <a:p>
+            <a:r>
+              <a:rPr lang="ko-KR" altLang="en-US" dirty="0"/>
+              <a:t>먼저 음성을 통해 대본 형식을 만드는 시스템의 흐름도 입니다</a:t>
+            </a:r>
+            <a:r>
+              <a:rPr lang="en-US" altLang="ko-KR" dirty="0"/>
+              <a:t>. </a:t>
+            </a:r>
+            <a:r>
+              <a:rPr lang="ko-KR" altLang="en-US" dirty="0"/>
+              <a:t>위 흐름도를 요약하면</a:t>
+            </a:r>
+            <a:r>
+              <a:rPr lang="en-US" altLang="ko-KR" dirty="0"/>
+              <a:t>, </a:t>
+            </a:r>
+            <a:r>
+              <a:rPr lang="ko-KR" altLang="en-US" dirty="0"/>
+              <a:t>원본 음성에서 시간 및 </a:t>
+            </a:r>
+            <a:r>
+              <a:rPr lang="en-US" altLang="ko-KR" dirty="0"/>
+              <a:t>VAD</a:t>
+            </a:r>
+            <a:r>
+              <a:rPr lang="ko-KR" altLang="en-US" dirty="0"/>
+              <a:t>알고리즘을 기준으로 여러 개의 </a:t>
+            </a:r>
+            <a:r>
+              <a:rPr lang="en-US" altLang="ko-KR" dirty="0"/>
+              <a:t>segment</a:t>
+            </a:r>
+            <a:r>
+              <a:rPr lang="ko-KR" altLang="en-US" dirty="0"/>
+              <a:t>로 분리합니다</a:t>
+            </a:r>
+            <a:r>
+              <a:rPr lang="en-US" altLang="ko-KR" dirty="0"/>
+              <a:t>. </a:t>
+            </a:r>
+            <a:r>
+              <a:rPr lang="ko-KR" altLang="en-US" dirty="0"/>
+              <a:t>각각의 </a:t>
+            </a:r>
+            <a:r>
+              <a:rPr lang="en-US" altLang="ko-KR" dirty="0"/>
+              <a:t>segment</a:t>
+            </a:r>
+            <a:r>
+              <a:rPr lang="ko-KR" altLang="en-US" dirty="0"/>
+              <a:t>에 대해 화자 분리를 이용하여 여러 개의 분리된 </a:t>
+            </a:r>
+            <a:r>
+              <a:rPr lang="en-US" altLang="ko-KR" dirty="0"/>
+              <a:t>segment</a:t>
+            </a:r>
+            <a:r>
+              <a:rPr lang="ko-KR" altLang="en-US" dirty="0"/>
+              <a:t>로 나누고</a:t>
+            </a:r>
+            <a:r>
+              <a:rPr lang="en-US" altLang="ko-KR" dirty="0"/>
+              <a:t>, </a:t>
+            </a:r>
+            <a:r>
+              <a:rPr lang="ko-KR" altLang="en-US" dirty="0"/>
+              <a:t>화자 인식을 사용하여 각각의 음성을 화자 별로 구분한 뒤 시간 순서로 정렬하여 </a:t>
+            </a:r>
+            <a:r>
+              <a:rPr lang="en-US" altLang="ko-KR" dirty="0"/>
+              <a:t>STT</a:t>
+            </a:r>
+            <a:r>
+              <a:rPr lang="ko-KR" altLang="en-US" dirty="0"/>
+              <a:t>를 수행합니다</a:t>
+            </a:r>
+            <a:r>
+              <a:rPr lang="en-US" altLang="ko-KR" dirty="0"/>
+              <a:t>. </a:t>
+            </a:r>
+            <a:endParaRPr lang="ko-KR" altLang="en-US" dirty="0"/>
+          </a:p>
+        </p:txBody>
+      </p:sp>
+      <p:sp>
+        <p:nvSpPr>
+          <p:cNvPr id="4" name="슬라이드 번호 개체 틀 3"/>
+          <p:cNvSpPr>
+            <a:spLocks noGrp="1"/>
+          </p:cNvSpPr>
+          <p:nvPr>
+            <p:ph type="sldNum" sz="quarter" idx="5"/>
+          </p:nvPr>
+        </p:nvSpPr>
+        <p:spPr/>
+        <p:txBody>
+          <a:bodyPr/>
+          <a:lstStyle/>
+          <a:p>
+            <a:fld id="{928C4006-D583-4434-A25D-662BACC4BC65}" type="slidenum">
+              <a:rPr lang="ko-KR" altLang="en-US" smtClean="0"/>
+              <a:t>6</a:t>
+            </a:fld>
+            <a:endParaRPr lang="ko-KR" altLang="en-US" dirty="0"/>
+          </a:p>
+        </p:txBody>
+      </p:sp>
+    </p:spTree>
+    <p:extLst>
+      <p:ext uri="{BB962C8B-B14F-4D97-AF65-F5344CB8AC3E}">
+        <p14:creationId xmlns:p14="http://schemas.microsoft.com/office/powerpoint/2010/main" val="3850146490"/>
+      </p:ext>
+    </p:extLst>
+  </p:cSld>
+  <p:clrMapOvr>
+    <a:masterClrMapping/>
+  </p:clrMapOvr>
+</p:notes>
+</file>
+
+<file path=ppt/notesSlides/notesSlide6.xml><?xml version="1.0" encoding="utf-8"?>
+<p:notes xmlns:a="http://schemas.openxmlformats.org/drawingml/2006/main" xmlns:r="http://schemas.openxmlformats.org/officeDocument/2006/relationships" xmlns:p="http://schemas.openxmlformats.org/presentationml/2006/main">
+  <p:cSld>
+    <p:spTree>
+      <p:nvGrpSpPr>
+        <p:cNvPr id="1" name=""/>
+        <p:cNvGrpSpPr/>
+        <p:nvPr/>
+      </p:nvGrpSpPr>
+      <p:grpSpPr>
+        <a:xfrm>
+          <a:off x="0" y="0"/>
+          <a:ext cx="0" cy="0"/>
+          <a:chOff x="0" y="0"/>
+          <a:chExt cx="0" cy="0"/>
+        </a:xfrm>
+      </p:grpSpPr>
+      <p:sp>
+        <p:nvSpPr>
+          <p:cNvPr id="2" name="슬라이드 이미지 개체 틀 1"/>
+          <p:cNvSpPr>
+            <a:spLocks noGrp="1" noRot="1" noChangeAspect="1"/>
+          </p:cNvSpPr>
+          <p:nvPr>
+            <p:ph type="sldImg"/>
+          </p:nvPr>
+        </p:nvSpPr>
+        <p:spPr/>
+      </p:sp>
+      <p:sp>
+        <p:nvSpPr>
+          <p:cNvPr id="3" name="슬라이드 노트 개체 틀 2"/>
+          <p:cNvSpPr>
+            <a:spLocks noGrp="1"/>
+          </p:cNvSpPr>
+          <p:nvPr>
+            <p:ph type="body" idx="1"/>
+          </p:nvPr>
+        </p:nvSpPr>
+        <p:spPr/>
+        <p:txBody>
+          <a:bodyPr/>
+          <a:lstStyle/>
+          <a:p>
+            <a:r>
+              <a:rPr lang="ko-KR" altLang="en-US" dirty="0"/>
+              <a:t>위 흐름도를 바탕으로 만든 시스템의 결과는 다음과 같았습니다</a:t>
+            </a:r>
+            <a:r>
+              <a:rPr lang="en-US" altLang="ko-KR" dirty="0"/>
+              <a:t>. </a:t>
+            </a:r>
+            <a:r>
+              <a:rPr lang="ko-KR" altLang="en-US" dirty="0"/>
+              <a:t>전체적으로 봤을 때 여러 명의 화자가 포함된 경우에 각각의 화자를 다소 정확하게 인식하는 사실을 확인할 수 있었습니다</a:t>
+            </a:r>
+            <a:r>
+              <a:rPr lang="en-US" altLang="ko-KR" dirty="0"/>
+              <a:t>. </a:t>
+            </a:r>
+            <a:r>
+              <a:rPr lang="ko-KR" altLang="en-US" dirty="0"/>
+              <a:t>다만</a:t>
+            </a:r>
+            <a:r>
+              <a:rPr lang="en-US" altLang="ko-KR" dirty="0"/>
+              <a:t>,</a:t>
+            </a:r>
+            <a:r>
+              <a:rPr lang="ko-KR" altLang="en-US" dirty="0"/>
+              <a:t> 첫번째 예시의 경우 잘못된 결과가 출력되는 이유를 분석해 보았는데</a:t>
+            </a:r>
+            <a:r>
+              <a:rPr lang="en-US" altLang="ko-KR" dirty="0"/>
+              <a:t>, </a:t>
+            </a:r>
+            <a:r>
+              <a:rPr lang="ko-KR" altLang="en-US" dirty="0"/>
+              <a:t>화자가 말을 하는 중간에 </a:t>
+            </a:r>
+            <a:r>
+              <a:rPr lang="en-US" altLang="ko-KR" dirty="0" err="1"/>
+              <a:t>segmentaion</a:t>
+            </a:r>
+            <a:r>
+              <a:rPr lang="ko-KR" altLang="en-US" dirty="0"/>
+              <a:t>단계에서 잘리는 바람에 부정확한 결과가 출력이 되는 것을 확인할 수 있었습니다</a:t>
+            </a:r>
+            <a:r>
+              <a:rPr lang="en-US" altLang="ko-KR" dirty="0"/>
+              <a:t>. </a:t>
+            </a:r>
+            <a:endParaRPr lang="ko-KR" altLang="en-US" dirty="0"/>
+          </a:p>
+        </p:txBody>
+      </p:sp>
+      <p:sp>
+        <p:nvSpPr>
+          <p:cNvPr id="4" name="슬라이드 번호 개체 틀 3"/>
+          <p:cNvSpPr>
+            <a:spLocks noGrp="1"/>
+          </p:cNvSpPr>
+          <p:nvPr>
+            <p:ph type="sldNum" sz="quarter" idx="5"/>
+          </p:nvPr>
+        </p:nvSpPr>
+        <p:spPr/>
+        <p:txBody>
+          <a:bodyPr/>
+          <a:lstStyle/>
+          <a:p>
+            <a:fld id="{928C4006-D583-4434-A25D-662BACC4BC65}" type="slidenum">
+              <a:rPr lang="ko-KR" altLang="en-US" smtClean="0"/>
+              <a:t>7</a:t>
+            </a:fld>
+            <a:endParaRPr lang="ko-KR" altLang="en-US" dirty="0"/>
+          </a:p>
+        </p:txBody>
+      </p:sp>
+    </p:spTree>
+    <p:extLst>
+      <p:ext uri="{BB962C8B-B14F-4D97-AF65-F5344CB8AC3E}">
+        <p14:creationId xmlns:p14="http://schemas.microsoft.com/office/powerpoint/2010/main" val="388520339"/>
+      </p:ext>
+    </p:extLst>
+  </p:cSld>
+  <p:clrMapOvr>
+    <a:masterClrMapping/>
+  </p:clrMapOvr>
+</p:notes>
+</file>
+
+<file path=ppt/notesSlides/notesSlide7.xml><?xml version="1.0" encoding="utf-8"?>
+<p:notes xmlns:a="http://schemas.openxmlformats.org/drawingml/2006/main" xmlns:r="http://schemas.openxmlformats.org/officeDocument/2006/relationships" xmlns:p="http://schemas.openxmlformats.org/presentationml/2006/main">
+  <p:cSld>
+    <p:spTree>
+      <p:nvGrpSpPr>
+        <p:cNvPr id="1" name=""/>
+        <p:cNvGrpSpPr/>
+        <p:nvPr/>
+      </p:nvGrpSpPr>
+      <p:grpSpPr>
+        <a:xfrm>
+          <a:off x="0" y="0"/>
+          <a:ext cx="0" cy="0"/>
+          <a:chOff x="0" y="0"/>
+          <a:chExt cx="0" cy="0"/>
+        </a:xfrm>
+      </p:grpSpPr>
+      <p:sp>
+        <p:nvSpPr>
+          <p:cNvPr id="2" name="슬라이드 이미지 개체 틀 1"/>
+          <p:cNvSpPr>
+            <a:spLocks noGrp="1" noRot="1" noChangeAspect="1"/>
+          </p:cNvSpPr>
+          <p:nvPr>
+            <p:ph type="sldImg"/>
+          </p:nvPr>
+        </p:nvSpPr>
+        <p:spPr/>
+      </p:sp>
+      <p:sp>
+        <p:nvSpPr>
+          <p:cNvPr id="3" name="슬라이드 노트 개체 틀 2"/>
+          <p:cNvSpPr>
+            <a:spLocks noGrp="1"/>
+          </p:cNvSpPr>
+          <p:nvPr>
+            <p:ph type="body" idx="1"/>
+          </p:nvPr>
+        </p:nvSpPr>
+        <p:spPr/>
+        <p:txBody>
+          <a:bodyPr/>
+          <a:lstStyle/>
+          <a:p>
+            <a:r>
+              <a:rPr lang="ko-KR" altLang="en-US" dirty="0"/>
+              <a:t>두번째 예시의 경우</a:t>
+            </a:r>
+            <a:r>
+              <a:rPr lang="en-US" altLang="ko-KR" dirty="0"/>
+              <a:t>, </a:t>
+            </a:r>
+            <a:r>
+              <a:rPr lang="ko-KR" altLang="en-US" dirty="0"/>
+              <a:t>음성 내에 무음구간이 존재하는 경우에 발생하였습니다</a:t>
+            </a:r>
+            <a:r>
+              <a:rPr lang="en-US" altLang="ko-KR" dirty="0"/>
+              <a:t>. </a:t>
+            </a:r>
+            <a:r>
+              <a:rPr lang="ko-KR" altLang="en-US" dirty="0"/>
+              <a:t>이 두가지 문제점을 해결하기 연속되는 음성의 두 음성을 합친 다음에 </a:t>
+            </a:r>
+            <a:r>
+              <a:rPr lang="en-US" altLang="ko-KR" dirty="0"/>
+              <a:t>STT</a:t>
+            </a:r>
+            <a:r>
+              <a:rPr lang="ko-KR" altLang="en-US" dirty="0"/>
+              <a:t>를 수행하였습니다</a:t>
+            </a:r>
+            <a:r>
+              <a:rPr lang="en-US" altLang="ko-KR" dirty="0"/>
+              <a:t>. </a:t>
+            </a:r>
+            <a:r>
+              <a:rPr lang="ko-KR" altLang="en-US" dirty="0"/>
+              <a:t>추가적으로 </a:t>
+            </a:r>
+            <a:r>
+              <a:rPr lang="en-US" altLang="ko-KR" dirty="0"/>
+              <a:t>STT</a:t>
+            </a:r>
+            <a:r>
+              <a:rPr lang="ko-KR" altLang="en-US" dirty="0"/>
+              <a:t>를 수행하기 이전에</a:t>
+            </a:r>
+            <a:r>
+              <a:rPr lang="en-US" altLang="ko-KR" dirty="0"/>
+              <a:t> </a:t>
+            </a:r>
+            <a:r>
+              <a:rPr lang="ko-KR" altLang="en-US" dirty="0"/>
+              <a:t>무음 구간을 제거하는 부분을 추가하였습니다</a:t>
+            </a:r>
+            <a:r>
+              <a:rPr lang="en-US" altLang="ko-KR" dirty="0"/>
+              <a:t>. </a:t>
+            </a:r>
+            <a:endParaRPr lang="ko-KR" altLang="en-US" dirty="0"/>
+          </a:p>
+        </p:txBody>
+      </p:sp>
+      <p:sp>
+        <p:nvSpPr>
+          <p:cNvPr id="4" name="슬라이드 번호 개체 틀 3"/>
+          <p:cNvSpPr>
+            <a:spLocks noGrp="1"/>
+          </p:cNvSpPr>
+          <p:nvPr>
+            <p:ph type="sldNum" sz="quarter" idx="5"/>
+          </p:nvPr>
+        </p:nvSpPr>
+        <p:spPr/>
+        <p:txBody>
+          <a:bodyPr/>
+          <a:lstStyle/>
+          <a:p>
+            <a:fld id="{928C4006-D583-4434-A25D-662BACC4BC65}" type="slidenum">
+              <a:rPr lang="ko-KR" altLang="en-US" smtClean="0"/>
+              <a:t>8</a:t>
+            </a:fld>
+            <a:endParaRPr lang="ko-KR" altLang="en-US" dirty="0"/>
+          </a:p>
+        </p:txBody>
+      </p:sp>
+    </p:spTree>
+    <p:extLst>
+      <p:ext uri="{BB962C8B-B14F-4D97-AF65-F5344CB8AC3E}">
+        <p14:creationId xmlns:p14="http://schemas.microsoft.com/office/powerpoint/2010/main" val="2077984629"/>
+      </p:ext>
+    </p:extLst>
+  </p:cSld>
+  <p:clrMapOvr>
+    <a:masterClrMapping/>
+  </p:clrMapOvr>
+</p:notes>
+</file>
+
+<file path=ppt/notesSlides/notesSlide8.xml><?xml version="1.0" encoding="utf-8"?>
+<p:notes xmlns:a="http://schemas.openxmlformats.org/drawingml/2006/main" xmlns:r="http://schemas.openxmlformats.org/officeDocument/2006/relationships" xmlns:p="http://schemas.openxmlformats.org/presentationml/2006/main">
+  <p:cSld>
+    <p:spTree>
+      <p:nvGrpSpPr>
+        <p:cNvPr id="1" name=""/>
+        <p:cNvGrpSpPr/>
+        <p:nvPr/>
+      </p:nvGrpSpPr>
+      <p:grpSpPr>
+        <a:xfrm>
+          <a:off x="0" y="0"/>
+          <a:ext cx="0" cy="0"/>
+          <a:chOff x="0" y="0"/>
+          <a:chExt cx="0" cy="0"/>
+        </a:xfrm>
+      </p:grpSpPr>
+      <p:sp>
+        <p:nvSpPr>
+          <p:cNvPr id="2" name="슬라이드 이미지 개체 틀 1"/>
+          <p:cNvSpPr>
+            <a:spLocks noGrp="1" noRot="1" noChangeAspect="1"/>
+          </p:cNvSpPr>
+          <p:nvPr>
+            <p:ph type="sldImg"/>
+          </p:nvPr>
+        </p:nvSpPr>
+        <p:spPr/>
+      </p:sp>
+      <p:sp>
+        <p:nvSpPr>
+          <p:cNvPr id="3" name="슬라이드 노트 개체 틀 2"/>
+          <p:cNvSpPr>
+            <a:spLocks noGrp="1"/>
+          </p:cNvSpPr>
+          <p:nvPr>
+            <p:ph type="body" idx="1"/>
+          </p:nvPr>
+        </p:nvSpPr>
+        <p:spPr/>
+        <p:txBody>
+          <a:bodyPr/>
+          <a:lstStyle/>
+          <a:p>
+            <a:r>
+              <a:rPr lang="ko-KR" altLang="en-US" dirty="0"/>
+              <a:t>이를 반영한 흐름도의 일부입니다</a:t>
+            </a:r>
+            <a:r>
+              <a:rPr lang="en-US" altLang="ko-KR" dirty="0"/>
+              <a:t>. </a:t>
+            </a:r>
+            <a:endParaRPr lang="ko-KR" altLang="en-US" dirty="0"/>
+          </a:p>
+        </p:txBody>
+      </p:sp>
+      <p:sp>
+        <p:nvSpPr>
+          <p:cNvPr id="4" name="슬라이드 번호 개체 틀 3"/>
+          <p:cNvSpPr>
+            <a:spLocks noGrp="1"/>
+          </p:cNvSpPr>
+          <p:nvPr>
+            <p:ph type="sldNum" sz="quarter" idx="5"/>
+          </p:nvPr>
+        </p:nvSpPr>
+        <p:spPr/>
+        <p:txBody>
+          <a:bodyPr/>
+          <a:lstStyle/>
+          <a:p>
+            <a:fld id="{928C4006-D583-4434-A25D-662BACC4BC65}" type="slidenum">
+              <a:rPr lang="ko-KR" altLang="en-US" smtClean="0"/>
+              <a:t>9</a:t>
+            </a:fld>
+            <a:endParaRPr lang="ko-KR" altLang="en-US" dirty="0"/>
+          </a:p>
+        </p:txBody>
+      </p:sp>
+    </p:spTree>
+    <p:extLst>
+      <p:ext uri="{BB962C8B-B14F-4D97-AF65-F5344CB8AC3E}">
+        <p14:creationId xmlns:p14="http://schemas.microsoft.com/office/powerpoint/2010/main" val="3677343101"/>
+      </p:ext>
+    </p:extLst>
+  </p:cSld>
+  <p:clrMapOvr>
+    <a:masterClrMapping/>
+  </p:clrMapOvr>
+</p:notes>
+</file>
+
+<file path=ppt/notesSlides/notesSlide9.xml><?xml version="1.0" encoding="utf-8"?>
+<p:notes xmlns:a="http://schemas.openxmlformats.org/drawingml/2006/main" xmlns:r="http://schemas.openxmlformats.org/officeDocument/2006/relationships" xmlns:p="http://schemas.openxmlformats.org/presentationml/2006/main">
+  <p:cSld>
+    <p:spTree>
+      <p:nvGrpSpPr>
+        <p:cNvPr id="1" name=""/>
+        <p:cNvGrpSpPr/>
+        <p:nvPr/>
+      </p:nvGrpSpPr>
+      <p:grpSpPr>
+        <a:xfrm>
+          <a:off x="0" y="0"/>
+          <a:ext cx="0" cy="0"/>
+          <a:chOff x="0" y="0"/>
+          <a:chExt cx="0" cy="0"/>
+        </a:xfrm>
+      </p:grpSpPr>
+      <p:sp>
+        <p:nvSpPr>
+          <p:cNvPr id="2" name="슬라이드 이미지 개체 틀 1"/>
+          <p:cNvSpPr>
+            <a:spLocks noGrp="1" noRot="1" noChangeAspect="1"/>
+          </p:cNvSpPr>
+          <p:nvPr>
+            <p:ph type="sldImg"/>
+          </p:nvPr>
+        </p:nvSpPr>
+        <p:spPr/>
+      </p:sp>
+      <p:sp>
+        <p:nvSpPr>
+          <p:cNvPr id="3" name="슬라이드 노트 개체 틀 2"/>
+          <p:cNvSpPr>
+            <a:spLocks noGrp="1"/>
+          </p:cNvSpPr>
+          <p:nvPr>
+            <p:ph type="body" idx="1"/>
+          </p:nvPr>
+        </p:nvSpPr>
+        <p:spPr/>
+        <p:txBody>
+          <a:bodyPr/>
+          <a:lstStyle/>
+          <a:p>
+            <a:r>
+              <a:rPr lang="ko-KR" altLang="en-US" dirty="0"/>
+              <a:t>다음은 화자 별 중요도를 산출하는 방법입니다</a:t>
+            </a:r>
+            <a:r>
+              <a:rPr lang="en-US" altLang="ko-KR" dirty="0"/>
+              <a:t>. </a:t>
+            </a:r>
+            <a:r>
+              <a:rPr lang="ko-KR" altLang="en-US" dirty="0"/>
+              <a:t>위 참고자료에서는 문장 별 중요도를 그래프 이론에 기반하여 산출하는 방법을 고안하였습니다</a:t>
+            </a:r>
+            <a:r>
+              <a:rPr lang="en-US" altLang="ko-KR" dirty="0"/>
+              <a:t>. </a:t>
+            </a:r>
+            <a:r>
+              <a:rPr lang="ko-KR" altLang="en-US" dirty="0"/>
+              <a:t>전체적인 내용은 단어의 </a:t>
+            </a:r>
+            <a:r>
+              <a:rPr lang="ko-KR" altLang="en-US" dirty="0" err="1"/>
+              <a:t>임베딩</a:t>
+            </a:r>
+            <a:r>
+              <a:rPr lang="ko-KR" altLang="en-US" dirty="0"/>
+              <a:t> 값을 기반으로 문장의 </a:t>
+            </a:r>
+            <a:r>
+              <a:rPr lang="ko-KR" altLang="en-US" dirty="0" err="1"/>
+              <a:t>임베딩</a:t>
+            </a:r>
+            <a:r>
+              <a:rPr lang="ko-KR" altLang="en-US" dirty="0"/>
+              <a:t> 값을 산출하고</a:t>
+            </a:r>
+            <a:r>
+              <a:rPr lang="en-US" altLang="ko-KR" dirty="0"/>
+              <a:t>. </a:t>
+            </a:r>
+            <a:r>
+              <a:rPr lang="ko-KR" altLang="en-US" dirty="0"/>
+              <a:t>문장 사이의 코사인 유사도를 가중치로 하는 그래프를 만든 뒤</a:t>
+            </a:r>
+            <a:r>
+              <a:rPr lang="en-US" altLang="ko-KR" dirty="0"/>
+              <a:t>. Page-rank</a:t>
+            </a:r>
+            <a:r>
+              <a:rPr lang="ko-KR" altLang="en-US" dirty="0"/>
+              <a:t>를 학습하여 문장 별 </a:t>
+            </a:r>
+            <a:r>
+              <a:rPr lang="en-US" altLang="ko-KR" dirty="0"/>
+              <a:t>rank</a:t>
+            </a:r>
+            <a:r>
+              <a:rPr lang="ko-KR" altLang="en-US" dirty="0"/>
+              <a:t>를 구하는 방법입니다</a:t>
+            </a:r>
+            <a:r>
+              <a:rPr lang="en-US" altLang="ko-KR" dirty="0"/>
+              <a:t>. </a:t>
+            </a:r>
+            <a:r>
+              <a:rPr lang="ko-KR" altLang="en-US" dirty="0"/>
+              <a:t>여기서 사용되는 </a:t>
+            </a:r>
+            <a:r>
+              <a:rPr lang="en-US" altLang="ko-KR" dirty="0"/>
+              <a:t>page-rank</a:t>
+            </a:r>
+            <a:r>
+              <a:rPr lang="ko-KR" altLang="en-US" dirty="0"/>
+              <a:t>의 경우 구글에서 검색어를 기반으로 페이지를 추천할 때 사용되는 그래프 기반 추천 알고리즘 입니다</a:t>
+            </a:r>
+            <a:r>
+              <a:rPr lang="en-US" altLang="ko-KR" dirty="0"/>
+              <a:t>. </a:t>
+            </a:r>
+            <a:r>
+              <a:rPr lang="ko-KR" altLang="en-US" dirty="0"/>
+              <a:t> </a:t>
+            </a:r>
+          </a:p>
+        </p:txBody>
+      </p:sp>
+      <p:sp>
+        <p:nvSpPr>
+          <p:cNvPr id="4" name="슬라이드 번호 개체 틀 3"/>
+          <p:cNvSpPr>
+            <a:spLocks noGrp="1"/>
+          </p:cNvSpPr>
+          <p:nvPr>
+            <p:ph type="sldNum" sz="quarter" idx="5"/>
+          </p:nvPr>
+        </p:nvSpPr>
+        <p:spPr/>
+        <p:txBody>
+          <a:bodyPr/>
+          <a:lstStyle/>
+          <a:p>
+            <a:fld id="{928C4006-D583-4434-A25D-662BACC4BC65}" type="slidenum">
+              <a:rPr lang="ko-KR" altLang="en-US" smtClean="0"/>
+              <a:t>10</a:t>
+            </a:fld>
+            <a:endParaRPr lang="ko-KR" altLang="en-US" dirty="0"/>
+          </a:p>
+        </p:txBody>
+      </p:sp>
+    </p:spTree>
+    <p:extLst>
+      <p:ext uri="{BB962C8B-B14F-4D97-AF65-F5344CB8AC3E}">
+        <p14:creationId xmlns:p14="http://schemas.microsoft.com/office/powerpoint/2010/main" val="3270231245"/>
       </p:ext>
     </p:extLst>
   </p:cSld>
@@ -4416,7 +5936,7 @@
           <p:nvPr/>
         </p:nvPicPr>
         <p:blipFill>
-          <a:blip r:embed="rId2"/>
+          <a:blip r:embed="rId3"/>
           <a:stretch>
             <a:fillRect/>
           </a:stretch>
@@ -4736,7 +6256,7 @@
           <p:nvPr/>
         </p:nvPicPr>
         <p:blipFill>
-          <a:blip r:embed="rId2"/>
+          <a:blip r:embed="rId3"/>
           <a:stretch>
             <a:fillRect/>
           </a:stretch>
@@ -4765,7 +6285,7 @@
         </p:nvSpPr>
         <p:spPr>
           <a:xfrm>
-            <a:off x="611561" y="5157192"/>
+            <a:off x="610239" y="5005772"/>
             <a:ext cx="2448272" cy="504056"/>
           </a:xfrm>
           <a:prstGeom prst="rect">
@@ -4894,6 +6414,148 @@
           </a:p>
         </p:txBody>
       </p:sp>
+      <p:sp>
+        <p:nvSpPr>
+          <p:cNvPr id="4" name="TextBox 3">
+            <a:extLst>
+              <a:ext uri="{FF2B5EF4-FFF2-40B4-BE49-F238E27FC236}">
+                <a16:creationId xmlns:a16="http://schemas.microsoft.com/office/drawing/2014/main" id="{1A2B7618-156D-63D1-6E77-FBC70F60B8E6}"/>
+              </a:ext>
+            </a:extLst>
+          </p:cNvPr>
+          <p:cNvSpPr txBox="1"/>
+          <p:nvPr/>
+        </p:nvSpPr>
+        <p:spPr>
+          <a:xfrm>
+            <a:off x="5220072" y="3134142"/>
+            <a:ext cx="3528392" cy="2123658"/>
+          </a:xfrm>
+          <a:prstGeom prst="rect">
+            <a:avLst/>
+          </a:prstGeom>
+          <a:noFill/>
+        </p:spPr>
+        <p:txBody>
+          <a:bodyPr wrap="square" rtlCol="0">
+            <a:spAutoFit/>
+          </a:bodyPr>
+          <a:lstStyle/>
+          <a:p>
+            <a:r>
+              <a:rPr lang="en-US" altLang="ko-KR" sz="1200" dirty="0" err="1"/>
+              <a:t>Normalized_rank</a:t>
+            </a:r>
+            <a:r>
+              <a:rPr lang="en-US" altLang="ko-KR" sz="1200" dirty="0"/>
+              <a:t> = </a:t>
+            </a:r>
+          </a:p>
+          <a:p>
+            <a:r>
+              <a:rPr lang="en-US" altLang="ko-KR" sz="1200" dirty="0"/>
+              <a:t>(</a:t>
+            </a:r>
+            <a:r>
+              <a:rPr lang="ko-KR" altLang="en-US" sz="1200" dirty="0"/>
+              <a:t>화자 </a:t>
+            </a:r>
+            <a:r>
+              <a:rPr lang="en-US" altLang="ko-KR" sz="1200" dirty="0"/>
+              <a:t>rank - </a:t>
+            </a:r>
+            <a:r>
+              <a:rPr lang="en-US" altLang="ko-KR" sz="1200" dirty="0" err="1"/>
+              <a:t>min_rank</a:t>
+            </a:r>
+            <a:r>
+              <a:rPr lang="en-US" altLang="ko-KR" sz="1200" dirty="0"/>
+              <a:t>) / (</a:t>
+            </a:r>
+            <a:r>
+              <a:rPr lang="en-US" altLang="ko-KR" sz="1200" dirty="0" err="1"/>
+              <a:t>max_rank</a:t>
+            </a:r>
+            <a:r>
+              <a:rPr lang="en-US" altLang="ko-KR" sz="1200" dirty="0"/>
+              <a:t> - </a:t>
+            </a:r>
+            <a:r>
+              <a:rPr lang="en-US" altLang="ko-KR" sz="1200" dirty="0" err="1"/>
+              <a:t>min_rank</a:t>
+            </a:r>
+            <a:r>
+              <a:rPr lang="en-US" altLang="ko-KR" sz="1200" dirty="0"/>
+              <a:t>)</a:t>
+            </a:r>
+          </a:p>
+          <a:p>
+            <a:endParaRPr lang="en-US" altLang="ko-KR" sz="1200" dirty="0"/>
+          </a:p>
+          <a:p>
+            <a:r>
+              <a:rPr lang="en-US" altLang="ko-KR" sz="1200" dirty="0" err="1"/>
+              <a:t>Normalized_length</a:t>
+            </a:r>
+            <a:r>
+              <a:rPr lang="en-US" altLang="ko-KR" sz="1200" dirty="0"/>
+              <a:t> =</a:t>
+            </a:r>
+          </a:p>
+          <a:p>
+            <a:r>
+              <a:rPr lang="ko-KR" altLang="en-US" sz="1200" dirty="0"/>
+              <a:t>화자 </a:t>
+            </a:r>
+            <a:r>
+              <a:rPr lang="en-US" altLang="ko-KR" sz="1200" dirty="0"/>
+              <a:t>length / total length</a:t>
+            </a:r>
+          </a:p>
+          <a:p>
+            <a:endParaRPr lang="en-US" altLang="ko-KR" sz="1200" dirty="0"/>
+          </a:p>
+          <a:p>
+            <a:r>
+              <a:rPr lang="ko-KR" altLang="en-US" sz="1200" dirty="0"/>
+              <a:t>화자의 중요도 </a:t>
+            </a:r>
+            <a:r>
+              <a:rPr lang="en-US" altLang="ko-KR" sz="1200" dirty="0"/>
+              <a:t>= </a:t>
+            </a:r>
+          </a:p>
+          <a:p>
+            <a:r>
+              <a:rPr lang="en-US" altLang="ko-KR" sz="1200" dirty="0"/>
+              <a:t>0.5*</a:t>
+            </a:r>
+            <a:r>
+              <a:rPr lang="en-US" altLang="ko-KR" sz="1200" dirty="0" err="1"/>
+              <a:t>normalized_rank</a:t>
+            </a:r>
+            <a:r>
+              <a:rPr lang="en-US" altLang="ko-KR" sz="1200" dirty="0"/>
+              <a:t> + 0.5 * </a:t>
+            </a:r>
+            <a:r>
+              <a:rPr lang="en-US" altLang="ko-KR" sz="1200" dirty="0" err="1"/>
+              <a:t>normalized_length</a:t>
+            </a:r>
+            <a:r>
+              <a:rPr lang="en-US" altLang="ko-KR" sz="1200" dirty="0"/>
+              <a:t> </a:t>
+            </a:r>
+            <a:endParaRPr lang="ko-KR" altLang="en-US" sz="1200" dirty="0"/>
+          </a:p>
+          <a:p>
+            <a:endParaRPr lang="ko-KR" altLang="en-US" dirty="0"/>
+          </a:p>
+          <a:p>
+            <a:endParaRPr lang="ko-KR" altLang="en-US" dirty="0"/>
+          </a:p>
+        </p:txBody>
+      </p:sp>
     </p:spTree>
     <p:extLst>
       <p:ext uri="{BB962C8B-B14F-4D97-AF65-F5344CB8AC3E}">
@@ -5574,7 +7236,7 @@
           <p:nvPr/>
         </p:nvPicPr>
         <p:blipFill>
-          <a:blip r:embed="rId2"/>
+          <a:blip r:embed="rId3"/>
           <a:stretch>
             <a:fillRect/>
           </a:stretch>
@@ -6373,12 +8035,20 @@
             <a:pPr lvl="1"/>
             <a:r>
               <a:rPr lang="ko-KR" altLang="en-US" dirty="0"/>
-              <a:t>기존 음성 요약 시스템에 화자 분리 기술을 적용하여 요약 품질 향상 기대</a:t>
+              <a:t>기존 음성 요약 시스템은 음성을 텍스트로 변환하여 요약</a:t>
             </a:r>
             <a:endParaRPr lang="en-US" altLang="ko-KR" dirty="0"/>
           </a:p>
           <a:p>
             <a:pPr lvl="1"/>
+            <a:endParaRPr lang="en-US" altLang="ko-KR" dirty="0"/>
+          </a:p>
+          <a:p>
+            <a:pPr lvl="1"/>
+            <a:r>
+              <a:rPr lang="ko-KR" altLang="en-US" dirty="0"/>
+              <a:t>화자 별 발화 내용을 반영하지 않음</a:t>
+            </a:r>
             <a:endParaRPr lang="en-US" altLang="ko-KR" dirty="0"/>
           </a:p>
         </p:txBody>
@@ -6448,11 +8118,13 @@
         </p:nvSpPr>
         <p:spPr/>
         <p:txBody>
-          <a:bodyPr/>
+          <a:bodyPr>
+            <a:normAutofit/>
+          </a:bodyPr>
           <a:lstStyle/>
           <a:p>
             <a:r>
-              <a:rPr lang="en-US" altLang="ko-KR" sz="2400" b="0" i="0" dirty="0" err="1">
+              <a:rPr lang="en-US" altLang="ko-KR" sz="1700" b="0" i="0" dirty="0" err="1">
                 <a:solidFill>
                   <a:srgbClr val="374151"/>
                 </a:solidFill>
@@ -6462,7 +8134,7 @@
               <a:t>Cosentino</a:t>
             </a:r>
             <a:r>
-              <a:rPr lang="en-US" altLang="ko-KR" sz="2400" b="0" i="0" dirty="0">
+              <a:rPr lang="en-US" altLang="ko-KR" sz="1700" b="0" i="0" dirty="0">
                 <a:solidFill>
                   <a:srgbClr val="374151"/>
                 </a:solidFill>
@@ -6472,7 +8144,7 @@
               <a:t>, J., </a:t>
             </a:r>
             <a:r>
-              <a:rPr lang="en-US" altLang="ko-KR" sz="2400" b="0" i="0" dirty="0" err="1">
+              <a:rPr lang="en-US" altLang="ko-KR" sz="1700" b="0" i="0" dirty="0" err="1">
                 <a:solidFill>
                   <a:srgbClr val="374151"/>
                 </a:solidFill>
@@ -6482,7 +8154,7 @@
               <a:t>Pariente</a:t>
             </a:r>
             <a:r>
-              <a:rPr lang="en-US" altLang="ko-KR" sz="2400" b="0" i="0" dirty="0">
+              <a:rPr lang="en-US" altLang="ko-KR" sz="1700" b="0" i="0" dirty="0">
                 <a:solidFill>
                   <a:srgbClr val="374151"/>
                 </a:solidFill>
@@ -6492,7 +8164,7 @@
               <a:t>, M., Cornell, S., </a:t>
             </a:r>
             <a:r>
-              <a:rPr lang="en-US" altLang="ko-KR" sz="2400" b="0" i="0" dirty="0" err="1">
+              <a:rPr lang="en-US" altLang="ko-KR" sz="1700" b="0" i="0" dirty="0" err="1">
                 <a:solidFill>
                   <a:srgbClr val="374151"/>
                 </a:solidFill>
@@ -6502,7 +8174,7 @@
               <a:t>Deleforge</a:t>
             </a:r>
             <a:r>
-              <a:rPr lang="en-US" altLang="ko-KR" sz="2400" b="0" i="0" dirty="0">
+              <a:rPr lang="en-US" altLang="ko-KR" sz="1700" b="0" i="0" dirty="0">
                 <a:solidFill>
                   <a:srgbClr val="374151"/>
                 </a:solidFill>
@@ -6512,7 +8184,7 @@
               <a:t>, A., &amp; Vincent, E. (2020). </a:t>
             </a:r>
             <a:r>
-              <a:rPr lang="en-US" altLang="ko-KR" sz="2400" b="0" i="0" dirty="0" err="1">
+              <a:rPr lang="en-US" altLang="ko-KR" sz="1700" b="0" i="0" dirty="0" err="1">
                 <a:solidFill>
                   <a:srgbClr val="374151"/>
                 </a:solidFill>
@@ -6522,7 +8194,7 @@
               <a:t>LibriMix</a:t>
             </a:r>
             <a:r>
-              <a:rPr lang="en-US" altLang="ko-KR" sz="2400" b="0" i="0" dirty="0">
+              <a:rPr lang="en-US" altLang="ko-KR" sz="1700" b="0" i="0" dirty="0">
                 <a:solidFill>
                   <a:srgbClr val="374151"/>
                 </a:solidFill>
@@ -6534,7 +8206,7 @@
           </a:p>
           <a:p>
             <a:r>
-              <a:rPr lang="en-US" altLang="ko-KR" b="0" i="0" dirty="0" err="1">
+              <a:rPr lang="en-US" altLang="ko-KR" sz="1700" b="0" i="0" dirty="0" err="1">
                 <a:solidFill>
                   <a:srgbClr val="374151"/>
                 </a:solidFill>
@@ -6544,7 +8216,7 @@
               <a:t>Subakan</a:t>
             </a:r>
             <a:r>
-              <a:rPr lang="en-US" altLang="ko-KR" b="0" i="0" dirty="0">
+              <a:rPr lang="en-US" altLang="ko-KR" sz="1700" b="0" i="0" dirty="0">
                 <a:solidFill>
                   <a:srgbClr val="374151"/>
                 </a:solidFill>
@@ -6554,7 +8226,7 @@
               <a:t>, C., </a:t>
             </a:r>
             <a:r>
-              <a:rPr lang="en-US" altLang="ko-KR" b="0" i="0" dirty="0" err="1">
+              <a:rPr lang="en-US" altLang="ko-KR" sz="1700" b="0" i="0" dirty="0" err="1">
                 <a:solidFill>
                   <a:srgbClr val="374151"/>
                 </a:solidFill>
@@ -6564,7 +8236,7 @@
               <a:t>Ravanelli</a:t>
             </a:r>
             <a:r>
-              <a:rPr lang="en-US" altLang="ko-KR" b="0" i="0" dirty="0">
+              <a:rPr lang="en-US" altLang="ko-KR" sz="1700" b="0" i="0" dirty="0">
                 <a:solidFill>
                   <a:srgbClr val="374151"/>
                 </a:solidFill>
@@ -6574,7 +8246,7 @@
               <a:t>, M., Cornell, S., </a:t>
             </a:r>
             <a:r>
-              <a:rPr lang="en-US" altLang="ko-KR" b="0" i="0" dirty="0" err="1">
+              <a:rPr lang="en-US" altLang="ko-KR" sz="1700" b="0" i="0" dirty="0" err="1">
                 <a:solidFill>
                   <a:srgbClr val="374151"/>
                 </a:solidFill>
@@ -6584,7 +8256,7 @@
               <a:t>Bronzi</a:t>
             </a:r>
             <a:r>
-              <a:rPr lang="en-US" altLang="ko-KR" b="0" i="0" dirty="0">
+              <a:rPr lang="en-US" altLang="ko-KR" sz="1700" b="0" i="0" dirty="0">
                 <a:solidFill>
                   <a:srgbClr val="374151"/>
                 </a:solidFill>
@@ -6596,7 +8268,7 @@
           </a:p>
           <a:p>
             <a:r>
-              <a:rPr lang="en-US" altLang="ko-KR" sz="2400" dirty="0">
+              <a:rPr lang="en-US" altLang="ko-KR" sz="1700" dirty="0">
                 <a:solidFill>
                   <a:srgbClr val="374151"/>
                 </a:solidFill>
@@ -6605,7 +8277,7 @@
               <a:t>Aneesh </a:t>
             </a:r>
             <a:r>
-              <a:rPr lang="en-US" altLang="ko-KR" sz="2400" dirty="0" err="1">
+              <a:rPr lang="en-US" altLang="ko-KR" sz="1700" dirty="0" err="1">
                 <a:solidFill>
                   <a:srgbClr val="374151"/>
                 </a:solidFill>
@@ -6614,7 +8286,7 @@
               <a:t>Vartakavi</a:t>
             </a:r>
             <a:r>
-              <a:rPr lang="en-US" altLang="ko-KR" dirty="0">
+              <a:rPr lang="en-US" altLang="ko-KR" sz="1700" dirty="0">
                 <a:solidFill>
                   <a:srgbClr val="374151"/>
                 </a:solidFill>
@@ -6623,7 +8295,7 @@
               <a:t>, </a:t>
             </a:r>
             <a:r>
-              <a:rPr lang="en-US" altLang="ko-KR" dirty="0" err="1">
+              <a:rPr lang="en-US" altLang="ko-KR" sz="1700" dirty="0" err="1">
                 <a:solidFill>
                   <a:srgbClr val="374151"/>
                 </a:solidFill>
@@ -6632,7 +8304,7 @@
               <a:t>Amanment</a:t>
             </a:r>
             <a:r>
-              <a:rPr lang="en-US" altLang="ko-KR" dirty="0">
+              <a:rPr lang="en-US" altLang="ko-KR" sz="1700" dirty="0">
                 <a:solidFill>
                   <a:srgbClr val="374151"/>
                 </a:solidFill>
@@ -6641,7 +8313,7 @@
               <a:t> </a:t>
             </a:r>
             <a:r>
-              <a:rPr lang="en-US" altLang="ko-KR" dirty="0" err="1">
+              <a:rPr lang="en-US" altLang="ko-KR" sz="1700" dirty="0" err="1">
                 <a:solidFill>
                   <a:srgbClr val="374151"/>
                 </a:solidFill>
@@ -6650,7 +8322,7 @@
               <a:t>Grag</a:t>
             </a:r>
             <a:r>
-              <a:rPr lang="en-US" altLang="ko-KR" dirty="0">
+              <a:rPr lang="en-US" altLang="ko-KR" sz="1700" dirty="0">
                 <a:solidFill>
                   <a:srgbClr val="374151"/>
                 </a:solidFill>
@@ -6659,7 +8331,7 @@
               <a:t>(2020). </a:t>
             </a:r>
             <a:r>
-              <a:rPr lang="en-US" altLang="ko-KR" dirty="0" err="1">
+              <a:rPr lang="en-US" altLang="ko-KR" sz="1700" dirty="0" err="1">
                 <a:solidFill>
                   <a:srgbClr val="374151"/>
                 </a:solidFill>
@@ -6668,7 +8340,7 @@
               <a:t>Podsumm</a:t>
             </a:r>
             <a:r>
-              <a:rPr lang="en-US" altLang="ko-KR" dirty="0">
+              <a:rPr lang="en-US" altLang="ko-KR" sz="1700" dirty="0">
                 <a:solidFill>
                   <a:srgbClr val="374151"/>
                 </a:solidFill>
@@ -6677,7 +8349,7 @@
               <a:t>—podcast audio summarization.</a:t>
             </a:r>
             <a:r>
-              <a:rPr lang="en-US" altLang="ko-KR" sz="2400" b="0" i="0" dirty="0">
+              <a:rPr lang="en-US" altLang="ko-KR" sz="1700" b="0" i="0" dirty="0">
                 <a:solidFill>
                   <a:srgbClr val="374151"/>
                 </a:solidFill>
@@ -6687,7 +8359,7 @@
               <a:t> Submitted to </a:t>
             </a:r>
             <a:r>
-              <a:rPr lang="en-US" altLang="ko-KR" sz="2400" b="0" i="0" dirty="0" err="1">
+              <a:rPr lang="en-US" altLang="ko-KR" sz="1700" b="0" i="0" dirty="0" err="1">
                 <a:solidFill>
                   <a:srgbClr val="374151"/>
                 </a:solidFill>
@@ -6697,7 +8369,7 @@
               <a:t>arXiv</a:t>
             </a:r>
             <a:r>
-              <a:rPr lang="en-US" altLang="ko-KR" sz="2400" b="0" i="0" dirty="0">
+              <a:rPr lang="en-US" altLang="ko-KR" sz="1700" b="0" i="0" dirty="0">
                 <a:solidFill>
                   <a:srgbClr val="374151"/>
                 </a:solidFill>
@@ -6706,6 +8378,235 @@
               </a:rPr>
               <a:t> 2020</a:t>
             </a:r>
+          </a:p>
+          <a:p>
+            <a:r>
+              <a:rPr lang="en-US" altLang="ko-KR" sz="1700" dirty="0">
+                <a:solidFill>
+                  <a:srgbClr val="374151"/>
+                </a:solidFill>
+                <a:latin typeface="Söhne"/>
+              </a:rPr>
+              <a:t>Alec Radford, Jong Wook Kim, Tao Xu, “Robust Speech Recognition via Large-Scale Weak Supervision”. 2022</a:t>
+            </a:r>
+          </a:p>
+          <a:p>
+            <a:r>
+              <a:rPr lang="en-US" altLang="ko-KR" sz="1700" dirty="0" err="1">
+                <a:solidFill>
+                  <a:srgbClr val="374151"/>
+                </a:solidFill>
+                <a:latin typeface="Söhne"/>
+              </a:rPr>
+              <a:t>Tianyu</a:t>
+            </a:r>
+            <a:r>
+              <a:rPr lang="en-US" altLang="ko-KR" sz="1700" dirty="0">
+                <a:solidFill>
+                  <a:srgbClr val="374151"/>
+                </a:solidFill>
+                <a:latin typeface="Söhne"/>
+              </a:rPr>
+              <a:t> Gao, </a:t>
+            </a:r>
+            <a:r>
+              <a:rPr lang="en-US" altLang="ko-KR" sz="1700" dirty="0" err="1">
+                <a:solidFill>
+                  <a:srgbClr val="374151"/>
+                </a:solidFill>
+                <a:latin typeface="Söhne"/>
+              </a:rPr>
+              <a:t>Xingcheng</a:t>
+            </a:r>
+            <a:r>
+              <a:rPr lang="en-US" altLang="ko-KR" sz="1700" dirty="0">
+                <a:solidFill>
+                  <a:srgbClr val="374151"/>
+                </a:solidFill>
+                <a:latin typeface="Söhne"/>
+              </a:rPr>
+              <a:t> Yao, </a:t>
+            </a:r>
+            <a:r>
+              <a:rPr lang="en-US" altLang="ko-KR" sz="1700" dirty="0" err="1">
+                <a:solidFill>
+                  <a:srgbClr val="374151"/>
+                </a:solidFill>
+                <a:latin typeface="Söhne"/>
+              </a:rPr>
+              <a:t>Danqi</a:t>
+            </a:r>
+            <a:r>
+              <a:rPr lang="en-US" altLang="ko-KR" sz="1700" dirty="0">
+                <a:solidFill>
+                  <a:srgbClr val="374151"/>
+                </a:solidFill>
+                <a:latin typeface="Söhne"/>
+              </a:rPr>
+              <a:t> Chen, “</a:t>
+            </a:r>
+            <a:r>
+              <a:rPr lang="en-US" altLang="ko-KR" sz="1700" dirty="0" err="1">
+                <a:solidFill>
+                  <a:srgbClr val="374151"/>
+                </a:solidFill>
+                <a:latin typeface="Söhne"/>
+              </a:rPr>
+              <a:t>SimCSE</a:t>
+            </a:r>
+            <a:r>
+              <a:rPr lang="en-US" altLang="ko-KR" sz="1700" dirty="0">
+                <a:solidFill>
+                  <a:srgbClr val="374151"/>
+                </a:solidFill>
+                <a:latin typeface="Söhne"/>
+              </a:rPr>
+              <a:t>: Simple Contrastive Learning of Sentence Embeddings” ,(2021)</a:t>
+            </a:r>
+          </a:p>
+          <a:p>
+            <a:r>
+              <a:rPr lang="en-US" altLang="ko-KR" sz="1700" dirty="0">
+                <a:solidFill>
+                  <a:srgbClr val="374151"/>
+                </a:solidFill>
+                <a:latin typeface="Söhne"/>
+              </a:rPr>
+              <a:t>Yujun Wen, Hui Yuan and </a:t>
+            </a:r>
+            <a:r>
+              <a:rPr lang="en-US" altLang="ko-KR" sz="1700" dirty="0" err="1">
+                <a:solidFill>
+                  <a:srgbClr val="374151"/>
+                </a:solidFill>
+                <a:latin typeface="Söhne"/>
+              </a:rPr>
+              <a:t>Pengzhou</a:t>
+            </a:r>
+            <a:r>
+              <a:rPr lang="en-US" altLang="ko-KR" sz="1700" dirty="0">
+                <a:solidFill>
+                  <a:srgbClr val="374151"/>
+                </a:solidFill>
+                <a:latin typeface="Söhne"/>
+              </a:rPr>
+              <a:t> Zhang, "Research on keyword extraction based on Word2Vec weighted </a:t>
+            </a:r>
+            <a:r>
+              <a:rPr lang="en-US" altLang="ko-KR" sz="1700" dirty="0" err="1">
+                <a:solidFill>
+                  <a:srgbClr val="374151"/>
+                </a:solidFill>
+                <a:latin typeface="Söhne"/>
+              </a:rPr>
+              <a:t>TextRank</a:t>
+            </a:r>
+            <a:r>
+              <a:rPr lang="en-US" altLang="ko-KR" sz="1700" dirty="0">
+                <a:solidFill>
+                  <a:srgbClr val="374151"/>
+                </a:solidFill>
+                <a:latin typeface="Söhne"/>
+              </a:rPr>
+              <a:t>," 2016 2nd IEEE International Conference on Computer and Communications (ICCC), Chengdu, 2016, pp. 2109-2113, </a:t>
+            </a:r>
+            <a:r>
+              <a:rPr lang="en-US" altLang="ko-KR" sz="1700" dirty="0" err="1">
+                <a:solidFill>
+                  <a:srgbClr val="374151"/>
+                </a:solidFill>
+                <a:latin typeface="Söhne"/>
+              </a:rPr>
+              <a:t>doi</a:t>
+            </a:r>
+            <a:r>
+              <a:rPr lang="en-US" altLang="ko-KR" sz="1700" dirty="0">
+                <a:solidFill>
+                  <a:srgbClr val="374151"/>
+                </a:solidFill>
+                <a:latin typeface="Söhne"/>
+              </a:rPr>
+              <a:t>: 10.1109/CompComm.2016.7925072.</a:t>
+            </a:r>
+          </a:p>
+          <a:p>
+            <a:r>
+              <a:rPr lang="en-US" altLang="ko-KR" sz="1700" dirty="0">
+                <a:solidFill>
+                  <a:srgbClr val="374151"/>
+                </a:solidFill>
+                <a:latin typeface="Söhne"/>
+              </a:rPr>
+              <a:t>Rada </a:t>
+            </a:r>
+            <a:r>
+              <a:rPr lang="en-US" altLang="ko-KR" sz="1700" dirty="0" err="1">
+                <a:solidFill>
+                  <a:srgbClr val="374151"/>
+                </a:solidFill>
+                <a:latin typeface="Söhne"/>
+              </a:rPr>
+              <a:t>Mihalcea</a:t>
+            </a:r>
+            <a:r>
+              <a:rPr lang="en-US" altLang="ko-KR" sz="1700" dirty="0">
+                <a:solidFill>
+                  <a:srgbClr val="374151"/>
+                </a:solidFill>
+                <a:latin typeface="Söhne"/>
+              </a:rPr>
+              <a:t>, Paul </a:t>
+            </a:r>
+            <a:r>
+              <a:rPr lang="en-US" altLang="ko-KR" sz="1700" dirty="0" err="1">
+                <a:solidFill>
+                  <a:srgbClr val="374151"/>
+                </a:solidFill>
+                <a:latin typeface="Söhne"/>
+              </a:rPr>
+              <a:t>Tarau</a:t>
+            </a:r>
+            <a:r>
+              <a:rPr lang="en-US" altLang="ko-KR" sz="1700" dirty="0">
+                <a:solidFill>
+                  <a:srgbClr val="374151"/>
+                </a:solidFill>
+                <a:latin typeface="Söhne"/>
+              </a:rPr>
+              <a:t> (2004). </a:t>
+            </a:r>
+            <a:r>
+              <a:rPr lang="en-US" altLang="ko-KR" sz="1700" dirty="0" err="1">
+                <a:solidFill>
+                  <a:srgbClr val="374151"/>
+                </a:solidFill>
+                <a:latin typeface="Söhne"/>
+              </a:rPr>
+              <a:t>TextRank</a:t>
+            </a:r>
+            <a:r>
+              <a:rPr lang="en-US" altLang="ko-KR" sz="1700" dirty="0">
+                <a:solidFill>
+                  <a:srgbClr val="374151"/>
+                </a:solidFill>
+                <a:latin typeface="Söhne"/>
+              </a:rPr>
+              <a:t>: Bringing order into texts </a:t>
+            </a:r>
+            <a:endParaRPr lang="ko-KR" altLang="en-US" sz="1700" dirty="0">
+              <a:solidFill>
+                <a:srgbClr val="374151"/>
+              </a:solidFill>
+              <a:latin typeface="Söhne"/>
+            </a:endParaRPr>
+          </a:p>
+          <a:p>
+            <a:endParaRPr lang="en-US" altLang="ko-KR" sz="1700" dirty="0"/>
+          </a:p>
+          <a:p>
+            <a:endParaRPr lang="ko-KR" altLang="en-US" sz="2400" dirty="0"/>
+          </a:p>
+          <a:p>
             <a:endParaRPr lang="ko-KR" altLang="en-US" sz="2400" dirty="0"/>
           </a:p>
           <a:p>
@@ -6717,6 +8618,115 @@
     <p:extLst>
       <p:ext uri="{BB962C8B-B14F-4D97-AF65-F5344CB8AC3E}">
         <p14:creationId xmlns:p14="http://schemas.microsoft.com/office/powerpoint/2010/main" val="555703855"/>
+      </p:ext>
+    </p:extLst>
+  </p:cSld>
+  <p:clrMapOvr>
+    <a:masterClrMapping/>
+  </p:clrMapOvr>
+</p:sld>
+</file>
+
+<file path=ppt/slides/slide21.xml><?xml version="1.0" encoding="utf-8"?>
+<p:sld xmlns:a="http://schemas.openxmlformats.org/drawingml/2006/main" xmlns:r="http://schemas.openxmlformats.org/officeDocument/2006/relationships" xmlns:p="http://schemas.openxmlformats.org/presentationml/2006/main">
+  <p:cSld>
+    <p:spTree>
+      <p:nvGrpSpPr>
+        <p:cNvPr id="1" name=""/>
+        <p:cNvGrpSpPr/>
+        <p:nvPr/>
+      </p:nvGrpSpPr>
+      <p:grpSpPr>
+        <a:xfrm>
+          <a:off x="0" y="0"/>
+          <a:ext cx="0" cy="0"/>
+          <a:chOff x="0" y="0"/>
+          <a:chExt cx="0" cy="0"/>
+        </a:xfrm>
+      </p:grpSpPr>
+      <p:sp>
+        <p:nvSpPr>
+          <p:cNvPr id="2" name="제목 1"/>
+          <p:cNvSpPr>
+            <a:spLocks noGrp="1"/>
+          </p:cNvSpPr>
+          <p:nvPr>
+            <p:ph type="title"/>
+          </p:nvPr>
+        </p:nvSpPr>
+        <p:spPr/>
+        <p:txBody>
+          <a:bodyPr/>
+          <a:lstStyle/>
+          <a:p>
+            <a:r>
+              <a:rPr lang="en-US" altLang="ko-KR" dirty="0"/>
+              <a:t>References</a:t>
+            </a:r>
+            <a:endParaRPr lang="ko-KR" altLang="en-US" dirty="0"/>
+          </a:p>
+        </p:txBody>
+      </p:sp>
+      <p:sp>
+        <p:nvSpPr>
+          <p:cNvPr id="3" name="내용 개체 틀 2"/>
+          <p:cNvSpPr>
+            <a:spLocks noGrp="1"/>
+          </p:cNvSpPr>
+          <p:nvPr>
+            <p:ph idx="1"/>
+          </p:nvPr>
+        </p:nvSpPr>
+        <p:spPr/>
+        <p:txBody>
+          <a:bodyPr>
+            <a:normAutofit/>
+          </a:bodyPr>
+          <a:lstStyle/>
+          <a:p>
+            <a:r>
+              <a:rPr lang="en-US" altLang="ko-KR" sz="1700" dirty="0">
+                <a:solidFill>
+                  <a:srgbClr val="374151"/>
+                </a:solidFill>
+                <a:latin typeface="Söhne"/>
+              </a:rPr>
+              <a:t>Keping Bi, Rahul Jha, Bruce Croft, and Asli </a:t>
+            </a:r>
+            <a:r>
+              <a:rPr lang="en-US" altLang="ko-KR" sz="1700" dirty="0" err="1">
+                <a:solidFill>
+                  <a:srgbClr val="374151"/>
+                </a:solidFill>
+                <a:latin typeface="Söhne"/>
+              </a:rPr>
+              <a:t>Celikyilmaz</a:t>
+            </a:r>
+            <a:r>
+              <a:rPr lang="en-US" altLang="ko-KR" sz="1700" dirty="0">
+                <a:solidFill>
+                  <a:srgbClr val="374151"/>
+                </a:solidFill>
+                <a:latin typeface="Söhne"/>
+              </a:rPr>
+              <a:t>. 2021. AREDSUM: Adaptive Redundancy-Aware Iterative Sentence Ranking for Extractive Document Summarization. In Proceedings of the 16th Conference of the European Chapter of the Association for Computational Linguistics: Main Volume, pages 281–291, Online. Association for Computational Linguistics.</a:t>
+            </a:r>
+          </a:p>
+          <a:p>
+            <a:endParaRPr lang="ko-KR" altLang="en-US" sz="2400" dirty="0"/>
+          </a:p>
+          <a:p>
+            <a:pPr marL="0" indent="0">
+              <a:buNone/>
+            </a:pPr>
+            <a:endParaRPr lang="ko-KR" altLang="en-US" dirty="0"/>
+          </a:p>
+        </p:txBody>
+      </p:sp>
+    </p:spTree>
+    <p:extLst>
+      <p:ext uri="{BB962C8B-B14F-4D97-AF65-F5344CB8AC3E}">
+        <p14:creationId xmlns:p14="http://schemas.microsoft.com/office/powerpoint/2010/main" val="893322849"/>
       </p:ext>
     </p:extLst>
   </p:cSld>
@@ -7202,7 +9212,7 @@
           <p:nvPr/>
         </p:nvPicPr>
         <p:blipFill>
-          <a:blip r:embed="rId2"/>
+          <a:blip r:embed="rId3"/>
           <a:stretch>
             <a:fillRect/>
           </a:stretch>
@@ -7320,7 +9330,7 @@
           <p:nvPr/>
         </p:nvPicPr>
         <p:blipFill>
-          <a:blip r:embed="rId2" cstate="print">
+          <a:blip r:embed="rId3" cstate="print">
             <a:extLst>
               <a:ext uri="{28A0092B-C50C-407E-A947-70E740481C1C}">
                 <a14:useLocalDpi xmlns:a14="http://schemas.microsoft.com/office/drawing/2010/main" val="0"/>
@@ -7562,7 +9572,7 @@
           <p:nvPr/>
         </p:nvPicPr>
         <p:blipFill>
-          <a:blip r:embed="rId2"/>
+          <a:blip r:embed="rId3"/>
           <a:stretch>
             <a:fillRect/>
           </a:stretch>
@@ -7592,7 +9602,7 @@
           <p:nvPr/>
         </p:nvPicPr>
         <p:blipFill>
-          <a:blip r:embed="rId3"/>
+          <a:blip r:embed="rId4"/>
           <a:stretch>
             <a:fillRect/>
           </a:stretch>
@@ -7746,7 +9756,7 @@
           <p:nvPr/>
         </p:nvPicPr>
         <p:blipFill>
-          <a:blip r:embed="rId4"/>
+          <a:blip r:embed="rId5"/>
           <a:stretch>
             <a:fillRect/>
           </a:stretch>
@@ -7784,7 +9794,7 @@
           </p:nvPr>
         </p:nvPicPr>
         <p:blipFill>
-          <a:blip r:embed="rId5"/>
+          <a:blip r:embed="rId6"/>
           <a:stretch>
             <a:fillRect/>
           </a:stretch>
@@ -7986,7 +9996,7 @@
           <p:nvPr/>
         </p:nvPicPr>
         <p:blipFill>
-          <a:blip r:embed="rId2"/>
+          <a:blip r:embed="rId3"/>
           <a:stretch>
             <a:fillRect/>
           </a:stretch>

--- a/ppt/정보통신종합설계 중간발표 앞부분.pptx
+++ b/ppt/정보통신종합설계 중간발표 앞부분.pptx
@@ -257,7 +257,7 @@
           <a:p>
             <a:fld id="{50138154-59DF-461E-B1C9-8D189C980A7E}" type="datetimeFigureOut">
               <a:rPr lang="ko-KR" altLang="en-US" smtClean="0"/>
-              <a:t>2023-05-11</a:t>
+              <a:t>2023-05-12</a:t>
             </a:fld>
             <a:endParaRPr lang="ko-KR" altLang="en-US" dirty="0"/>
           </a:p>
@@ -2245,7 +2245,7 @@
             </a:r>
             <a:r>
               <a:rPr lang="en-US" altLang="ko-KR" dirty="0"/>
-              <a:t>. </a:t>
+              <a:t>. (</a:t>
             </a:r>
             <a:r>
               <a:rPr lang="ko-KR" altLang="en-US" dirty="0"/>
@@ -2267,6 +2267,11 @@
               <a:rPr lang="ko-KR" altLang="en-US" dirty="0"/>
               <a:t> </a:t>
             </a:r>
+            <a:r>
+              <a:rPr lang="en-US" altLang="ko-KR" dirty="0"/>
+              <a:t>)</a:t>
+            </a:r>
+            <a:endParaRPr lang="ko-KR" altLang="en-US" dirty="0"/>
           </a:p>
         </p:txBody>
       </p:sp>
@@ -6264,7 +6269,7 @@
         <p:spPr>
           <a:xfrm>
             <a:off x="539553" y="2158606"/>
-            <a:ext cx="5090114" cy="3934690"/>
+            <a:ext cx="4438042" cy="3430634"/>
           </a:xfrm>
           <a:prstGeom prst="rect">
             <a:avLst/>
@@ -6327,6 +6332,71 @@
           <a:p>
             <a:pPr algn="ctr"/>
             <a:endParaRPr lang="ko-KR" altLang="en-US"/>
+          </a:p>
+        </p:txBody>
+      </p:sp>
+      <p:sp>
+        <p:nvSpPr>
+          <p:cNvPr id="5" name="TextBox 4">
+            <a:extLst>
+              <a:ext uri="{FF2B5EF4-FFF2-40B4-BE49-F238E27FC236}">
+                <a16:creationId xmlns:a16="http://schemas.microsoft.com/office/drawing/2014/main" id="{BC3B41F9-19D5-8BE9-4F53-51F559816640}"/>
+              </a:ext>
+            </a:extLst>
+          </p:cNvPr>
+          <p:cNvSpPr txBox="1"/>
+          <p:nvPr/>
+        </p:nvSpPr>
+        <p:spPr>
+          <a:xfrm>
+            <a:off x="5055283" y="2158606"/>
+            <a:ext cx="3713870" cy="1477328"/>
+          </a:xfrm>
+          <a:prstGeom prst="rect">
+            <a:avLst/>
+          </a:prstGeom>
+          <a:noFill/>
+        </p:spPr>
+        <p:txBody>
+          <a:bodyPr wrap="square">
+            <a:spAutoFit/>
+          </a:bodyPr>
+          <a:lstStyle/>
+          <a:p>
+            <a:pPr marL="342900" indent="-342900">
+              <a:buFont typeface="Arial" panose="020B0604020202020204" pitchFamily="34" charset="0"/>
+              <a:buAutoNum type="arabicPeriod"/>
+            </a:pPr>
+            <a:r>
+              <a:rPr lang="en-US" altLang="ko-KR" dirty="0" err="1"/>
+              <a:t>tf-idf</a:t>
+            </a:r>
+            <a:r>
+              <a:rPr lang="ko-KR" altLang="en-US" dirty="0"/>
+              <a:t>방식이 단어의 빈도수를 기반한 수치화 기법</a:t>
+            </a:r>
+            <a:endParaRPr lang="en-US" altLang="ko-KR" dirty="0"/>
+          </a:p>
+          <a:p>
+            <a:pPr marL="342900" indent="-342900">
+              <a:buFont typeface="Arial" panose="020B0604020202020204" pitchFamily="34" charset="0"/>
+              <a:buAutoNum type="arabicPeriod"/>
+            </a:pPr>
+            <a:endParaRPr lang="en-US" altLang="ko-KR" dirty="0"/>
+          </a:p>
+          <a:p>
+            <a:pPr marL="342900" indent="-342900">
+              <a:buFont typeface="Arial" panose="020B0604020202020204" pitchFamily="34" charset="0"/>
+              <a:buAutoNum type="arabicPeriod"/>
+            </a:pPr>
+            <a:r>
+              <a:rPr lang="ko-KR" altLang="en-US" dirty="0" err="1"/>
+              <a:t>임베딩</a:t>
+            </a:r>
+            <a:r>
+              <a:rPr lang="ko-KR" altLang="en-US" dirty="0"/>
+              <a:t> 결과가 단어의 정확한 의미를 반영하지 않는다</a:t>
+            </a:r>
           </a:p>
         </p:txBody>
       </p:sp>
@@ -9516,8 +9586,52 @@
           <a:p>
             <a:pPr lvl="1"/>
             <a:r>
-              <a:rPr lang="ko-KR" altLang="en-US" dirty="0"/>
+              <a:rPr lang="ko-KR" altLang="en-US" sz="1800" dirty="0"/>
               <a:t>결과</a:t>
+            </a:r>
+            <a:r>
+              <a:rPr lang="en-US" altLang="ko-KR" sz="1800" dirty="0"/>
+              <a:t>1:</a:t>
+            </a:r>
+            <a:r>
+              <a:rPr lang="ko-KR" altLang="en-US" sz="1800" dirty="0"/>
+              <a:t> 화자가 말을 하는 중간에 </a:t>
+            </a:r>
+            <a:r>
+              <a:rPr lang="en-US" altLang="ko-KR" sz="1800" dirty="0" err="1"/>
+              <a:t>segmentaion</a:t>
+            </a:r>
+            <a:r>
+              <a:rPr lang="ko-KR" altLang="en-US" sz="1800" dirty="0"/>
+              <a:t>단계에서 잘리는 바람에 부정확한 결과가 출력</a:t>
+            </a:r>
+            <a:endParaRPr lang="en-US" altLang="ko-KR" sz="1800" dirty="0"/>
+          </a:p>
+          <a:p>
+            <a:pPr lvl="1"/>
+            <a:endParaRPr lang="en-US" altLang="ko-KR" dirty="0"/>
+          </a:p>
+          <a:p>
+            <a:pPr lvl="1"/>
+            <a:endParaRPr lang="en-US" altLang="ko-KR" dirty="0"/>
+          </a:p>
+          <a:p>
+            <a:pPr lvl="1"/>
+            <a:endParaRPr lang="en-US" altLang="ko-KR" dirty="0"/>
+          </a:p>
+          <a:p>
+            <a:pPr lvl="1"/>
+            <a:endParaRPr lang="en-US" altLang="ko-KR" dirty="0"/>
+          </a:p>
+          <a:p>
+            <a:pPr lvl="1"/>
+            <a:endParaRPr lang="en-US" altLang="ko-KR" dirty="0"/>
+          </a:p>
+          <a:p>
+            <a:pPr lvl="1"/>
+            <a:r>
+              <a:rPr lang="ko-KR" altLang="en-US" dirty="0"/>
+              <a:t>원본</a:t>
             </a:r>
             <a:r>
               <a:rPr lang="en-US" altLang="ko-KR" dirty="0"/>
@@ -9531,29 +9645,6 @@
           <a:p>
             <a:pPr lvl="1"/>
             <a:endParaRPr lang="en-US" altLang="ko-KR" dirty="0"/>
-          </a:p>
-          <a:p>
-            <a:pPr lvl="1"/>
-            <a:endParaRPr lang="en-US" altLang="ko-KR" dirty="0"/>
-          </a:p>
-          <a:p>
-            <a:pPr lvl="1"/>
-            <a:endParaRPr lang="en-US" altLang="ko-KR" dirty="0"/>
-          </a:p>
-          <a:p>
-            <a:pPr lvl="1"/>
-            <a:endParaRPr lang="en-US" altLang="ko-KR" dirty="0"/>
-          </a:p>
-          <a:p>
-            <a:pPr lvl="1"/>
-            <a:r>
-              <a:rPr lang="ko-KR" altLang="en-US" dirty="0"/>
-              <a:t>원본</a:t>
-            </a:r>
-            <a:r>
-              <a:rPr lang="en-US" altLang="ko-KR" dirty="0"/>
-              <a:t>1:</a:t>
-            </a:r>
           </a:p>
         </p:txBody>
       </p:sp>
@@ -9579,8 +9670,8 @@
         </p:blipFill>
         <p:spPr>
           <a:xfrm>
-            <a:off x="122644" y="2490305"/>
-            <a:ext cx="8306232" cy="1634991"/>
+            <a:off x="1043607" y="2708920"/>
+            <a:ext cx="7571763" cy="1490419"/>
           </a:xfrm>
           <a:prstGeom prst="rect">
             <a:avLst/>
@@ -9609,8 +9700,8 @@
         </p:blipFill>
         <p:spPr>
           <a:xfrm>
-            <a:off x="122644" y="4656788"/>
-            <a:ext cx="7761724" cy="738168"/>
+            <a:off x="1043607" y="4869160"/>
+            <a:ext cx="6703348" cy="637512"/>
           </a:xfrm>
           <a:prstGeom prst="rect">
             <a:avLst/>
@@ -9714,6 +9805,11 @@
               <a:rPr lang="en-US" altLang="ko-KR" dirty="0"/>
               <a:t>2:</a:t>
             </a:r>
+            <a:r>
+              <a:rPr lang="ko-KR" altLang="en-US" dirty="0"/>
+              <a:t> 음성 내에 무음구간이 존재하는 경우 오류 발생</a:t>
+            </a:r>
+            <a:endParaRPr lang="en-US" altLang="ko-KR" dirty="0"/>
           </a:p>
           <a:p>
             <a:pPr lvl="1"/>
@@ -9763,8 +9859,8 @@
         </p:blipFill>
         <p:spPr>
           <a:xfrm>
-            <a:off x="215516" y="2842221"/>
-            <a:ext cx="8712968" cy="627790"/>
+            <a:off x="1010072" y="2545200"/>
+            <a:ext cx="6984776" cy="503270"/>
           </a:xfrm>
           <a:prstGeom prst="rect">
             <a:avLst/>

--- a/ppt/정보통신종합설계 중간발표 앞부분.pptx
+++ b/ppt/정보통신종합설계 중간발표 앞부분.pptx
@@ -158,7 +158,105 @@
       </p:ext>
     </p:extLst>
   </p:cmAuthor>
+  <p:cmAuthor id="2" name="나 현희" initials="나현" lastIdx="1" clrIdx="1">
+    <p:extLst>
+      <p:ext uri="{19B8F6BF-5375-455C-9EA6-DF929625EA0E}">
+        <p15:presenceInfo xmlns:p15="http://schemas.microsoft.com/office/powerpoint/2012/main" userId="a7b73e83492eed8a" providerId="Windows Live"/>
+      </p:ext>
+    </p:extLst>
+  </p:cmAuthor>
 </p:cmAuthorLst>
+</file>
+
+<file path=ppt/revisionInfo.xml><?xml version="1.0" encoding="utf-8"?>
+<p1510:revInfo xmlns:a="http://schemas.openxmlformats.org/drawingml/2006/main" xmlns:r="http://schemas.openxmlformats.org/officeDocument/2006/relationships" xmlns:p1510="http://schemas.microsoft.com/office/powerpoint/2015/10/main">
+  <p1510:revLst>
+    <p1510:client id="{64AD838D-9C5E-4924-A2B9-9E61F63567BB}" v="1" dt="2023-05-12T01:59:51.271"/>
+  </p1510:revLst>
+</p1510:revInfo>
+</file>
+
+<file path=ppt/changesInfos/changesInfo1.xml><?xml version="1.0" encoding="utf-8"?>
+<pc:chgInfo xmlns:a="http://schemas.openxmlformats.org/drawingml/2006/main" xmlns:r="http://schemas.openxmlformats.org/officeDocument/2006/relationships" xmlns:ac="http://schemas.microsoft.com/office/drawing/2013/main/command" xmlns:pc="http://schemas.microsoft.com/office/powerpoint/2013/main/command">
+  <pc:docChgLst>
+    <pc:chgData name="나 현희" userId="a7b73e83492eed8a" providerId="LiveId" clId="{64AD838D-9C5E-4924-A2B9-9E61F63567BB}"/>
+    <pc:docChg chg="undo custSel modSld">
+      <pc:chgData name="나 현희" userId="a7b73e83492eed8a" providerId="LiveId" clId="{64AD838D-9C5E-4924-A2B9-9E61F63567BB}" dt="2023-05-12T02:03:36.438" v="38"/>
+      <pc:docMkLst>
+        <pc:docMk/>
+      </pc:docMkLst>
+      <pc:sldChg chg="modSp mod">
+        <pc:chgData name="나 현희" userId="a7b73e83492eed8a" providerId="LiveId" clId="{64AD838D-9C5E-4924-A2B9-9E61F63567BB}" dt="2023-05-12T02:03:36.438" v="38"/>
+        <pc:sldMkLst>
+          <pc:docMk/>
+          <pc:sldMk cId="1357611919" sldId="273"/>
+        </pc:sldMkLst>
+        <pc:spChg chg="mod">
+          <ac:chgData name="나 현희" userId="a7b73e83492eed8a" providerId="LiveId" clId="{64AD838D-9C5E-4924-A2B9-9E61F63567BB}" dt="2023-05-12T02:03:33.292" v="37"/>
+          <ac:spMkLst>
+            <pc:docMk/>
+            <pc:sldMk cId="1357611919" sldId="273"/>
+            <ac:spMk id="2" creationId="{00000000-0000-0000-0000-000000000000}"/>
+          </ac:spMkLst>
+        </pc:spChg>
+        <pc:spChg chg="mod">
+          <ac:chgData name="나 현희" userId="a7b73e83492eed8a" providerId="LiveId" clId="{64AD838D-9C5E-4924-A2B9-9E61F63567BB}" dt="2023-05-12T02:03:36.438" v="38"/>
+          <ac:spMkLst>
+            <pc:docMk/>
+            <pc:sldMk cId="1357611919" sldId="273"/>
+            <ac:spMk id="3" creationId="{00000000-0000-0000-0000-000000000000}"/>
+          </ac:spMkLst>
+        </pc:spChg>
+      </pc:sldChg>
+      <pc:sldChg chg="addSp delSp modSp mod addCm delCm">
+        <pc:chgData name="나 현희" userId="a7b73e83492eed8a" providerId="LiveId" clId="{64AD838D-9C5E-4924-A2B9-9E61F63567BB}" dt="2023-05-12T02:00:14.353" v="31" actId="1076"/>
+        <pc:sldMkLst>
+          <pc:docMk/>
+          <pc:sldMk cId="3439183929" sldId="274"/>
+        </pc:sldMkLst>
+        <pc:spChg chg="mod">
+          <ac:chgData name="나 현희" userId="a7b73e83492eed8a" providerId="LiveId" clId="{64AD838D-9C5E-4924-A2B9-9E61F63567BB}" dt="2023-05-12T01:59:24.372" v="25" actId="20577"/>
+          <ac:spMkLst>
+            <pc:docMk/>
+            <pc:sldMk cId="3439183929" sldId="274"/>
+            <ac:spMk id="2" creationId="{00000000-0000-0000-0000-000000000000}"/>
+          </ac:spMkLst>
+        </pc:spChg>
+        <pc:spChg chg="del mod">
+          <ac:chgData name="나 현희" userId="a7b73e83492eed8a" providerId="LiveId" clId="{64AD838D-9C5E-4924-A2B9-9E61F63567BB}" dt="2023-05-12T01:59:49.064" v="27" actId="21"/>
+          <ac:spMkLst>
+            <pc:docMk/>
+            <pc:sldMk cId="3439183929" sldId="274"/>
+            <ac:spMk id="3" creationId="{00000000-0000-0000-0000-000000000000}"/>
+          </ac:spMkLst>
+        </pc:spChg>
+        <pc:graphicFrameChg chg="add mod">
+          <ac:chgData name="나 현희" userId="a7b73e83492eed8a" providerId="LiveId" clId="{64AD838D-9C5E-4924-A2B9-9E61F63567BB}" dt="2023-05-12T02:00:14.353" v="31" actId="1076"/>
+          <ac:graphicFrameMkLst>
+            <pc:docMk/>
+            <pc:sldMk cId="3439183929" sldId="274"/>
+            <ac:graphicFrameMk id="4" creationId="{B867C856-EA33-3271-E886-DBB6E3B0CEAD}"/>
+          </ac:graphicFrameMkLst>
+        </pc:graphicFrameChg>
+      </pc:sldChg>
+      <pc:sldChg chg="modSp mod">
+        <pc:chgData name="나 현희" userId="a7b73e83492eed8a" providerId="LiveId" clId="{64AD838D-9C5E-4924-A2B9-9E61F63567BB}" dt="2023-05-12T02:03:18.382" v="35" actId="2711"/>
+        <pc:sldMkLst>
+          <pc:docMk/>
+          <pc:sldMk cId="893322849" sldId="301"/>
+        </pc:sldMkLst>
+        <pc:spChg chg="mod">
+          <ac:chgData name="나 현희" userId="a7b73e83492eed8a" providerId="LiveId" clId="{64AD838D-9C5E-4924-A2B9-9E61F63567BB}" dt="2023-05-12T02:03:18.382" v="35" actId="2711"/>
+          <ac:spMkLst>
+            <pc:docMk/>
+            <pc:sldMk cId="893322849" sldId="301"/>
+            <ac:spMk id="3" creationId="{00000000-0000-0000-0000-000000000000}"/>
+          </ac:spMkLst>
+        </pc:spChg>
+      </pc:sldChg>
+    </pc:docChg>
+  </pc:docChgLst>
+</pc:chgInfo>
 </file>
 
 <file path=ppt/comments/comment1.xml><?xml version="1.0" encoding="utf-8"?>
@@ -7912,8 +8010,8 @@
           <a:lstStyle/>
           <a:p>
             <a:r>
-              <a:rPr lang="en-US" altLang="ko-KR" dirty="0"/>
-              <a:t>Conclusions and Expected results</a:t>
+              <a:rPr lang="ko-KR" altLang="en-US" b="1" dirty="0"/>
+              <a:t>결론 및 예상 결과 </a:t>
             </a:r>
             <a:endParaRPr lang="ko-KR" altLang="en-US" dirty="0"/>
           </a:p>
@@ -7934,7 +8032,104 @@
           <a:bodyPr/>
           <a:lstStyle/>
           <a:p>
-            <a:endParaRPr lang="ko-KR" altLang="en-US"/>
+            <a:pPr marL="0" indent="0">
+              <a:buNone/>
+            </a:pPr>
+            <a:r>
+              <a:rPr lang="en-US" altLang="ko-KR" dirty="0">
+                <a:latin typeface="맑은 고딕" panose="020B0503020000020004" pitchFamily="50" charset="-127"/>
+                <a:ea typeface="맑은 고딕" panose="020B0503020000020004" pitchFamily="50" charset="-127"/>
+              </a:rPr>
+              <a:t>1) </a:t>
+            </a:r>
+            <a:r>
+              <a:rPr lang="ko-KR" altLang="en-US" dirty="0">
+                <a:latin typeface="맑은 고딕" panose="020B0503020000020004" pitchFamily="50" charset="-127"/>
+                <a:ea typeface="맑은 고딕" panose="020B0503020000020004" pitchFamily="50" charset="-127"/>
+              </a:rPr>
+              <a:t>음성이 중첩된 상황에서 요약 성능 개선 기대</a:t>
+            </a:r>
+            <a:endParaRPr lang="en-US" altLang="ko-KR" dirty="0">
+              <a:latin typeface="맑은 고딕" panose="020B0503020000020004" pitchFamily="50" charset="-127"/>
+              <a:ea typeface="맑은 고딕" panose="020B0503020000020004" pitchFamily="50" charset="-127"/>
+            </a:endParaRPr>
+          </a:p>
+          <a:p>
+            <a:pPr marL="457200" indent="-457200">
+              <a:buAutoNum type="arabicParenR"/>
+            </a:pPr>
+            <a:endParaRPr lang="en-US" altLang="ko-KR" dirty="0">
+              <a:latin typeface="맑은 고딕" panose="020B0503020000020004" pitchFamily="50" charset="-127"/>
+              <a:ea typeface="맑은 고딕" panose="020B0503020000020004" pitchFamily="50" charset="-127"/>
+            </a:endParaRPr>
+          </a:p>
+          <a:p>
+            <a:pPr marL="0" indent="0">
+              <a:buNone/>
+            </a:pPr>
+            <a:r>
+              <a:rPr lang="en-US" altLang="ko-KR" dirty="0">
+                <a:latin typeface="맑은 고딕" panose="020B0503020000020004" pitchFamily="50" charset="-127"/>
+                <a:ea typeface="맑은 고딕" panose="020B0503020000020004" pitchFamily="50" charset="-127"/>
+              </a:rPr>
+              <a:t>2) </a:t>
+            </a:r>
+            <a:r>
+              <a:rPr lang="ko-KR" altLang="en-US" dirty="0">
+                <a:latin typeface="맑은 고딕" panose="020B0503020000020004" pitchFamily="50" charset="-127"/>
+                <a:ea typeface="맑은 고딕" panose="020B0503020000020004" pitchFamily="50" charset="-127"/>
+              </a:rPr>
+              <a:t>화자 별 음성을 </a:t>
+            </a:r>
+            <a:r>
+              <a:rPr lang="en-US" altLang="ko-KR" dirty="0">
+                <a:latin typeface="맑은 고딕" panose="020B0503020000020004" pitchFamily="50" charset="-127"/>
+                <a:ea typeface="맑은 고딕" panose="020B0503020000020004" pitchFamily="50" charset="-127"/>
+              </a:rPr>
+              <a:t>transcript(</a:t>
+            </a:r>
+            <a:r>
+              <a:rPr lang="ko-KR" altLang="en-US" dirty="0">
+                <a:latin typeface="맑은 고딕" panose="020B0503020000020004" pitchFamily="50" charset="-127"/>
+                <a:ea typeface="맑은 고딕" panose="020B0503020000020004" pitchFamily="50" charset="-127"/>
+              </a:rPr>
+              <a:t>대본</a:t>
+            </a:r>
+            <a:r>
+              <a:rPr lang="en-US" altLang="ko-KR" dirty="0">
+                <a:latin typeface="맑은 고딕" panose="020B0503020000020004" pitchFamily="50" charset="-127"/>
+                <a:ea typeface="맑은 고딕" panose="020B0503020000020004" pitchFamily="50" charset="-127"/>
+              </a:rPr>
+              <a:t>)</a:t>
+            </a:r>
+            <a:r>
+              <a:rPr lang="ko-KR" altLang="en-US" dirty="0">
+                <a:latin typeface="맑은 고딕" panose="020B0503020000020004" pitchFamily="50" charset="-127"/>
+                <a:ea typeface="맑은 고딕" panose="020B0503020000020004" pitchFamily="50" charset="-127"/>
+              </a:rPr>
+              <a:t>형태로 변환 하고 </a:t>
+            </a:r>
+            <a:r>
+              <a:rPr lang="ko-KR" altLang="en-US" dirty="0" err="1">
+                <a:latin typeface="맑은 고딕" panose="020B0503020000020004" pitchFamily="50" charset="-127"/>
+                <a:ea typeface="맑은 고딕" panose="020B0503020000020004" pitchFamily="50" charset="-127"/>
+              </a:rPr>
+              <a:t>화자별</a:t>
+            </a:r>
+            <a:r>
+              <a:rPr lang="ko-KR" altLang="en-US" dirty="0">
+                <a:latin typeface="맑은 고딕" panose="020B0503020000020004" pitchFamily="50" charset="-127"/>
+                <a:ea typeface="맑은 고딕" panose="020B0503020000020004" pitchFamily="50" charset="-127"/>
+              </a:rPr>
+              <a:t> 중요도 수치를 기반으로 요약을 생성하여 성능 개선 기대</a:t>
+            </a:r>
+            <a:endParaRPr lang="en-US" altLang="ko-KR" dirty="0">
+              <a:latin typeface="맑은 고딕" panose="020B0503020000020004" pitchFamily="50" charset="-127"/>
+              <a:ea typeface="맑은 고딕" panose="020B0503020000020004" pitchFamily="50" charset="-127"/>
+            </a:endParaRPr>
+          </a:p>
+          <a:p>
+            <a:endParaRPr lang="ko-KR" altLang="en-US" dirty="0"/>
           </a:p>
         </p:txBody>
       </p:sp>
@@ -7984,32 +8179,486 @@
           <a:lstStyle/>
           <a:p>
             <a:r>
-              <a:rPr lang="en-US" altLang="ko-KR" dirty="0"/>
-              <a:t>Schedule</a:t>
-            </a:r>
-            <a:endParaRPr lang="ko-KR" altLang="en-US" dirty="0"/>
-          </a:p>
-        </p:txBody>
-      </p:sp>
-      <p:sp>
-        <p:nvSpPr>
-          <p:cNvPr id="3" name="내용 개체 틀 2"/>
-          <p:cNvSpPr>
-            <a:spLocks noGrp="1"/>
-          </p:cNvSpPr>
-          <p:nvPr>
-            <p:ph idx="1"/>
-          </p:nvPr>
-        </p:nvSpPr>
-        <p:spPr/>
-        <p:txBody>
-          <a:bodyPr/>
-          <a:lstStyle/>
-          <a:p>
-            <a:endParaRPr lang="ko-KR" altLang="en-US"/>
-          </a:p>
-        </p:txBody>
-      </p:sp>
+              <a:rPr lang="ko-KR" altLang="en-US" dirty="0"/>
+              <a:t>스케줄</a:t>
+            </a:r>
+          </a:p>
+        </p:txBody>
+      </p:sp>
+      <p:graphicFrame>
+        <p:nvGraphicFramePr>
+          <p:cNvPr id="4" name="표 5">
+            <a:extLst>
+              <a:ext uri="{FF2B5EF4-FFF2-40B4-BE49-F238E27FC236}">
+                <a16:creationId xmlns:a16="http://schemas.microsoft.com/office/drawing/2014/main" id="{B867C856-EA33-3271-E886-DBB6E3B0CEAD}"/>
+              </a:ext>
+            </a:extLst>
+          </p:cNvPr>
+          <p:cNvGraphicFramePr>
+            <a:graphicFrameLocks noGrp="1"/>
+          </p:cNvGraphicFramePr>
+          <p:nvPr>
+            <p:extLst>
+              <p:ext uri="{D42A27DB-BD31-4B8C-83A1-F6EECF244321}">
+                <p14:modId xmlns:p14="http://schemas.microsoft.com/office/powerpoint/2010/main" val="761245464"/>
+              </p:ext>
+            </p:extLst>
+          </p:nvPr>
+        </p:nvGraphicFramePr>
+        <p:xfrm>
+          <a:off x="518862" y="2492896"/>
+          <a:ext cx="8291262" cy="2771272"/>
+        </p:xfrm>
+        <a:graphic>
+          <a:graphicData uri="http://schemas.openxmlformats.org/drawingml/2006/table">
+            <a:tbl>
+              <a:tblPr firstRow="1" bandRow="1">
+                <a:tableStyleId>{5C22544A-7EE6-4342-B048-85BDC9FD1C3A}</a:tableStyleId>
+              </a:tblPr>
+              <a:tblGrid>
+                <a:gridCol w="1522512">
+                  <a:extLst>
+                    <a:ext uri="{9D8B030D-6E8A-4147-A177-3AD203B41FA5}">
+                      <a16:colId xmlns:a16="http://schemas.microsoft.com/office/drawing/2014/main" val="2050116187"/>
+                    </a:ext>
+                  </a:extLst>
+                </a:gridCol>
+                <a:gridCol w="1241242">
+                  <a:extLst>
+                    <a:ext uri="{9D8B030D-6E8A-4147-A177-3AD203B41FA5}">
+                      <a16:colId xmlns:a16="http://schemas.microsoft.com/office/drawing/2014/main" val="3017589319"/>
+                    </a:ext>
+                  </a:extLst>
+                </a:gridCol>
+                <a:gridCol w="1381877">
+                  <a:extLst>
+                    <a:ext uri="{9D8B030D-6E8A-4147-A177-3AD203B41FA5}">
+                      <a16:colId xmlns:a16="http://schemas.microsoft.com/office/drawing/2014/main" val="506849997"/>
+                    </a:ext>
+                  </a:extLst>
+                </a:gridCol>
+                <a:gridCol w="1381877">
+                  <a:extLst>
+                    <a:ext uri="{9D8B030D-6E8A-4147-A177-3AD203B41FA5}">
+                      <a16:colId xmlns:a16="http://schemas.microsoft.com/office/drawing/2014/main" val="204373099"/>
+                    </a:ext>
+                  </a:extLst>
+                </a:gridCol>
+                <a:gridCol w="1381877">
+                  <a:extLst>
+                    <a:ext uri="{9D8B030D-6E8A-4147-A177-3AD203B41FA5}">
+                      <a16:colId xmlns:a16="http://schemas.microsoft.com/office/drawing/2014/main" val="2861379214"/>
+                    </a:ext>
+                  </a:extLst>
+                </a:gridCol>
+                <a:gridCol w="1381877">
+                  <a:extLst>
+                    <a:ext uri="{9D8B030D-6E8A-4147-A177-3AD203B41FA5}">
+                      <a16:colId xmlns:a16="http://schemas.microsoft.com/office/drawing/2014/main" val="210715431"/>
+                    </a:ext>
+                  </a:extLst>
+                </a:gridCol>
+              </a:tblGrid>
+              <a:tr h="472168">
+                <a:tc>
+                  <a:txBody>
+                    <a:bodyPr/>
+                    <a:lstStyle/>
+                    <a:p>
+                      <a:pPr latinLnBrk="1"/>
+                      <a:endParaRPr lang="ko-KR" altLang="en-US" dirty="0"/>
+                    </a:p>
+                  </a:txBody>
+                  <a:tcPr/>
+                </a:tc>
+                <a:tc>
+                  <a:txBody>
+                    <a:bodyPr/>
+                    <a:lstStyle/>
+                    <a:p>
+                      <a:pPr latinLnBrk="1"/>
+                      <a:r>
+                        <a:rPr lang="en-US" altLang="ko-KR" dirty="0"/>
+                        <a:t>5</a:t>
+                      </a:r>
+                      <a:r>
+                        <a:rPr lang="ko-KR" altLang="en-US" dirty="0"/>
+                        <a:t>월</a:t>
+                      </a:r>
+                      <a:r>
+                        <a:rPr lang="en-US" altLang="ko-KR" dirty="0"/>
+                        <a:t>3</a:t>
+                      </a:r>
+                      <a:r>
+                        <a:rPr lang="ko-KR" altLang="en-US" dirty="0"/>
+                        <a:t>주</a:t>
+                      </a:r>
+                    </a:p>
+                  </a:txBody>
+                  <a:tcPr/>
+                </a:tc>
+                <a:tc>
+                  <a:txBody>
+                    <a:bodyPr/>
+                    <a:lstStyle/>
+                    <a:p>
+                      <a:pPr latinLnBrk="1"/>
+                      <a:r>
+                        <a:rPr lang="en-US" altLang="ko-KR" dirty="0"/>
+                        <a:t>5</a:t>
+                      </a:r>
+                      <a:r>
+                        <a:rPr lang="ko-KR" altLang="en-US" dirty="0"/>
+                        <a:t>월</a:t>
+                      </a:r>
+                      <a:r>
+                        <a:rPr lang="en-US" altLang="ko-KR" dirty="0"/>
+                        <a:t>4</a:t>
+                      </a:r>
+                      <a:r>
+                        <a:rPr lang="ko-KR" altLang="en-US" dirty="0"/>
+                        <a:t>주</a:t>
+                      </a:r>
+                    </a:p>
+                  </a:txBody>
+                  <a:tcPr/>
+                </a:tc>
+                <a:tc>
+                  <a:txBody>
+                    <a:bodyPr/>
+                    <a:lstStyle/>
+                    <a:p>
+                      <a:pPr latinLnBrk="1"/>
+                      <a:r>
+                        <a:rPr lang="en-US" altLang="ko-KR" dirty="0"/>
+                        <a:t>5</a:t>
+                      </a:r>
+                      <a:r>
+                        <a:rPr lang="ko-KR" altLang="en-US" dirty="0"/>
+                        <a:t>월</a:t>
+                      </a:r>
+                      <a:r>
+                        <a:rPr lang="en-US" altLang="ko-KR" dirty="0"/>
+                        <a:t>5</a:t>
+                      </a:r>
+                      <a:r>
+                        <a:rPr lang="ko-KR" altLang="en-US" dirty="0"/>
+                        <a:t>주</a:t>
+                      </a:r>
+                    </a:p>
+                  </a:txBody>
+                  <a:tcPr/>
+                </a:tc>
+                <a:tc>
+                  <a:txBody>
+                    <a:bodyPr/>
+                    <a:lstStyle/>
+                    <a:p>
+                      <a:pPr latinLnBrk="1"/>
+                      <a:r>
+                        <a:rPr lang="en-US" altLang="ko-KR" dirty="0"/>
+                        <a:t>6</a:t>
+                      </a:r>
+                      <a:r>
+                        <a:rPr lang="ko-KR" altLang="en-US" dirty="0"/>
+                        <a:t>월</a:t>
+                      </a:r>
+                      <a:r>
+                        <a:rPr lang="en-US" altLang="ko-KR" dirty="0"/>
+                        <a:t>1</a:t>
+                      </a:r>
+                      <a:r>
+                        <a:rPr lang="ko-KR" altLang="en-US" dirty="0"/>
+                        <a:t>주</a:t>
+                      </a:r>
+                    </a:p>
+                  </a:txBody>
+                  <a:tcPr/>
+                </a:tc>
+                <a:tc>
+                  <a:txBody>
+                    <a:bodyPr/>
+                    <a:lstStyle/>
+                    <a:p>
+                      <a:pPr latinLnBrk="1"/>
+                      <a:r>
+                        <a:rPr lang="en-US" altLang="ko-KR" dirty="0"/>
+                        <a:t>6</a:t>
+                      </a:r>
+                      <a:r>
+                        <a:rPr lang="ko-KR" altLang="en-US" dirty="0"/>
+                        <a:t>월</a:t>
+                      </a:r>
+                      <a:r>
+                        <a:rPr lang="en-US" altLang="ko-KR" dirty="0"/>
+                        <a:t>2</a:t>
+                      </a:r>
+                      <a:r>
+                        <a:rPr lang="ko-KR" altLang="en-US" dirty="0"/>
+                        <a:t>주</a:t>
+                      </a:r>
+                    </a:p>
+                  </a:txBody>
+                  <a:tcPr/>
+                </a:tc>
+                <a:extLst>
+                  <a:ext uri="{0D108BD9-81ED-4DB2-BD59-A6C34878D82A}">
+                    <a16:rowId xmlns:a16="http://schemas.microsoft.com/office/drawing/2014/main" val="1877940969"/>
+                  </a:ext>
+                </a:extLst>
+              </a:tr>
+              <a:tr h="723160">
+                <a:tc>
+                  <a:txBody>
+                    <a:bodyPr/>
+                    <a:lstStyle/>
+                    <a:p>
+                      <a:pPr latinLnBrk="1"/>
+                      <a:r>
+                        <a:rPr lang="ko-KR" altLang="en-US" b="1" dirty="0"/>
+                        <a:t>학습 데이터 제작</a:t>
+                      </a:r>
+                    </a:p>
+                  </a:txBody>
+                  <a:tcPr/>
+                </a:tc>
+                <a:tc>
+                  <a:txBody>
+                    <a:bodyPr/>
+                    <a:lstStyle/>
+                    <a:p>
+                      <a:pPr latinLnBrk="1"/>
+                      <a:endParaRPr lang="ko-KR" altLang="en-US" dirty="0"/>
+                    </a:p>
+                  </a:txBody>
+                  <a:tcPr>
+                    <a:solidFill>
+                      <a:srgbClr val="FFC000"/>
+                    </a:solidFill>
+                  </a:tcPr>
+                </a:tc>
+                <a:tc>
+                  <a:txBody>
+                    <a:bodyPr/>
+                    <a:lstStyle/>
+                    <a:p>
+                      <a:pPr latinLnBrk="1"/>
+                      <a:endParaRPr lang="ko-KR" altLang="en-US" dirty="0"/>
+                    </a:p>
+                  </a:txBody>
+                  <a:tcPr>
+                    <a:solidFill>
+                      <a:srgbClr val="FFC000"/>
+                    </a:solidFill>
+                  </a:tcPr>
+                </a:tc>
+                <a:tc>
+                  <a:txBody>
+                    <a:bodyPr/>
+                    <a:lstStyle/>
+                    <a:p>
+                      <a:pPr latinLnBrk="1"/>
+                      <a:endParaRPr lang="ko-KR" altLang="en-US" dirty="0"/>
+                    </a:p>
+                  </a:txBody>
+                  <a:tcPr/>
+                </a:tc>
+                <a:tc>
+                  <a:txBody>
+                    <a:bodyPr/>
+                    <a:lstStyle/>
+                    <a:p>
+                      <a:pPr latinLnBrk="1"/>
+                      <a:endParaRPr lang="ko-KR" altLang="en-US" dirty="0"/>
+                    </a:p>
+                  </a:txBody>
+                  <a:tcPr/>
+                </a:tc>
+                <a:tc>
+                  <a:txBody>
+                    <a:bodyPr/>
+                    <a:lstStyle/>
+                    <a:p>
+                      <a:pPr latinLnBrk="1"/>
+                      <a:endParaRPr lang="ko-KR" altLang="en-US" dirty="0"/>
+                    </a:p>
+                  </a:txBody>
+                  <a:tcPr/>
+                </a:tc>
+                <a:extLst>
+                  <a:ext uri="{0D108BD9-81ED-4DB2-BD59-A6C34878D82A}">
+                    <a16:rowId xmlns:a16="http://schemas.microsoft.com/office/drawing/2014/main" val="411901945"/>
+                  </a:ext>
+                </a:extLst>
+              </a:tr>
+              <a:tr h="760969">
+                <a:tc>
+                  <a:txBody>
+                    <a:bodyPr/>
+                    <a:lstStyle/>
+                    <a:p>
+                      <a:pPr latinLnBrk="1"/>
+                      <a:r>
+                        <a:rPr lang="ko-KR" altLang="en-US" b="1" dirty="0"/>
+                        <a:t>요약 생성</a:t>
+                      </a:r>
+                    </a:p>
+                  </a:txBody>
+                  <a:tcPr/>
+                </a:tc>
+                <a:tc>
+                  <a:txBody>
+                    <a:bodyPr/>
+                    <a:lstStyle/>
+                    <a:p>
+                      <a:pPr latinLnBrk="1"/>
+                      <a:endParaRPr lang="ko-KR" altLang="en-US"/>
+                    </a:p>
+                  </a:txBody>
+                  <a:tcPr/>
+                </a:tc>
+                <a:tc>
+                  <a:txBody>
+                    <a:bodyPr/>
+                    <a:lstStyle/>
+                    <a:p>
+                      <a:pPr latinLnBrk="1"/>
+                      <a:endParaRPr lang="ko-KR" altLang="en-US"/>
+                    </a:p>
+                  </a:txBody>
+                  <a:tcPr/>
+                </a:tc>
+                <a:tc>
+                  <a:txBody>
+                    <a:bodyPr/>
+                    <a:lstStyle/>
+                    <a:p>
+                      <a:pPr latinLnBrk="1"/>
+                      <a:endParaRPr lang="ko-KR" altLang="en-US" dirty="0"/>
+                    </a:p>
+                  </a:txBody>
+                  <a:tcPr>
+                    <a:solidFill>
+                      <a:srgbClr val="FFC000"/>
+                    </a:solidFill>
+                  </a:tcPr>
+                </a:tc>
+                <a:tc>
+                  <a:txBody>
+                    <a:bodyPr/>
+                    <a:lstStyle/>
+                    <a:p>
+                      <a:pPr latinLnBrk="1"/>
+                      <a:endParaRPr lang="ko-KR" altLang="en-US" dirty="0"/>
+                    </a:p>
+                  </a:txBody>
+                  <a:tcPr>
+                    <a:solidFill>
+                      <a:srgbClr val="FFC000"/>
+                    </a:solidFill>
+                  </a:tcPr>
+                </a:tc>
+                <a:tc>
+                  <a:txBody>
+                    <a:bodyPr/>
+                    <a:lstStyle/>
+                    <a:p>
+                      <a:pPr latinLnBrk="1"/>
+                      <a:endParaRPr lang="ko-KR" altLang="en-US" dirty="0"/>
+                    </a:p>
+                  </a:txBody>
+                  <a:tcPr/>
+                </a:tc>
+                <a:extLst>
+                  <a:ext uri="{0D108BD9-81ED-4DB2-BD59-A6C34878D82A}">
+                    <a16:rowId xmlns:a16="http://schemas.microsoft.com/office/drawing/2014/main" val="2900977405"/>
+                  </a:ext>
+                </a:extLst>
+              </a:tr>
+              <a:tr h="814975">
+                <a:tc>
+                  <a:txBody>
+                    <a:bodyPr/>
+                    <a:lstStyle/>
+                    <a:p>
+                      <a:pPr latinLnBrk="1"/>
+                      <a:r>
+                        <a:rPr lang="ko-KR" altLang="en-US" b="1" dirty="0"/>
+                        <a:t>논문 작성 및 검토</a:t>
+                      </a:r>
+                    </a:p>
+                  </a:txBody>
+                  <a:tcPr/>
+                </a:tc>
+                <a:tc>
+                  <a:txBody>
+                    <a:bodyPr/>
+                    <a:lstStyle/>
+                    <a:p>
+                      <a:pPr latinLnBrk="1"/>
+                      <a:endParaRPr lang="ko-KR" altLang="en-US"/>
+                    </a:p>
+                  </a:txBody>
+                  <a:tcPr/>
+                </a:tc>
+                <a:tc>
+                  <a:txBody>
+                    <a:bodyPr/>
+                    <a:lstStyle/>
+                    <a:p>
+                      <a:pPr latinLnBrk="1"/>
+                      <a:endParaRPr lang="ko-KR" altLang="en-US" dirty="0"/>
+                    </a:p>
+                  </a:txBody>
+                  <a:tcPr/>
+                </a:tc>
+                <a:tc>
+                  <a:txBody>
+                    <a:bodyPr/>
+                    <a:lstStyle/>
+                    <a:p>
+                      <a:pPr latinLnBrk="1"/>
+                      <a:endParaRPr lang="ko-KR" altLang="en-US"/>
+                    </a:p>
+                  </a:txBody>
+                  <a:tcPr/>
+                </a:tc>
+                <a:tc>
+                  <a:txBody>
+                    <a:bodyPr/>
+                    <a:lstStyle/>
+                    <a:p>
+                      <a:pPr latinLnBrk="1"/>
+                      <a:endParaRPr lang="ko-KR" altLang="en-US"/>
+                    </a:p>
+                  </a:txBody>
+                  <a:tcPr/>
+                </a:tc>
+                <a:tc>
+                  <a:txBody>
+                    <a:bodyPr/>
+                    <a:lstStyle/>
+                    <a:p>
+                      <a:pPr latinLnBrk="1"/>
+                      <a:endParaRPr lang="ko-KR" altLang="en-US" dirty="0"/>
+                    </a:p>
+                  </a:txBody>
+                  <a:tcPr>
+                    <a:solidFill>
+                      <a:srgbClr val="FFC000"/>
+                    </a:solidFill>
+                  </a:tcPr>
+                </a:tc>
+                <a:extLst>
+                  <a:ext uri="{0D108BD9-81ED-4DB2-BD59-A6C34878D82A}">
+                    <a16:rowId xmlns:a16="http://schemas.microsoft.com/office/drawing/2014/main" val="3134607234"/>
+                  </a:ext>
+                </a:extLst>
+              </a:tr>
+            </a:tbl>
+          </a:graphicData>
+        </a:graphic>
+      </p:graphicFrame>
     </p:spTree>
     <p:extLst>
       <p:ext uri="{BB962C8B-B14F-4D97-AF65-F5344CB8AC3E}">
@@ -8781,6 +9430,50 @@
               </a:rPr>
               <a:t>. 2021. AREDSUM: Adaptive Redundancy-Aware Iterative Sentence Ranking for Extractive Document Summarization. In Proceedings of the 16th Conference of the European Chapter of the Association for Computational Linguistics: Main Volume, pages 281–291, Online. Association for Computational Linguistics.</a:t>
             </a:r>
+          </a:p>
+          <a:p>
+            <a:r>
+              <a:rPr lang="en-US" altLang="ko-KR" sz="1700" dirty="0" err="1">
+                <a:latin typeface="Söhne"/>
+              </a:rPr>
+              <a:t>Gunes</a:t>
+            </a:r>
+            <a:r>
+              <a:rPr lang="en-US" altLang="ko-KR" sz="1700" dirty="0">
+                <a:latin typeface="Söhne"/>
+              </a:rPr>
+              <a:t> Erkan, Dragomir R. </a:t>
+            </a:r>
+            <a:r>
+              <a:rPr lang="en-US" altLang="ko-KR" sz="1700" dirty="0" err="1">
+                <a:latin typeface="Söhne"/>
+              </a:rPr>
+              <a:t>Radev</a:t>
+            </a:r>
+            <a:r>
+              <a:rPr lang="en-US" altLang="ko-KR" sz="1700" dirty="0">
+                <a:latin typeface="Söhne"/>
+              </a:rPr>
+              <a:t>(2011). </a:t>
+            </a:r>
+            <a:r>
+              <a:rPr lang="en-US" altLang="ko-KR" sz="1700" dirty="0" err="1">
+                <a:latin typeface="Söhne"/>
+              </a:rPr>
+              <a:t>LexRank</a:t>
+            </a:r>
+            <a:r>
+              <a:rPr lang="en-US" altLang="ko-KR" sz="1700" dirty="0">
+                <a:latin typeface="Söhne"/>
+              </a:rPr>
+              <a:t>: Graph-based Lexical Centrality as Salience in Text Summarization</a:t>
+            </a:r>
+            <a:endParaRPr lang="en-US" altLang="ko-KR" sz="1700" dirty="0">
+              <a:solidFill>
+                <a:srgbClr val="374151"/>
+              </a:solidFill>
+              <a:latin typeface="Söhne"/>
+            </a:endParaRPr>
           </a:p>
           <a:p>
             <a:endParaRPr lang="ko-KR" altLang="en-US" sz="2400" dirty="0"/>
